--- a/SpringBootPPT/Spring_Boot_Basic.pptx
+++ b/SpringBootPPT/Spring_Boot_Basic.pptx
@@ -6,24 +6,26 @@
   </p:sldMasterIdLst>
   <p:sldIdLst>
     <p:sldId id="256" r:id="rId2"/>
-    <p:sldId id="271" r:id="rId3"/>
-    <p:sldId id="272" r:id="rId4"/>
-    <p:sldId id="273" r:id="rId5"/>
-    <p:sldId id="263" r:id="rId6"/>
-    <p:sldId id="264" r:id="rId7"/>
-    <p:sldId id="265" r:id="rId8"/>
-    <p:sldId id="266" r:id="rId9"/>
-    <p:sldId id="267" r:id="rId10"/>
-    <p:sldId id="268" r:id="rId11"/>
-    <p:sldId id="269" r:id="rId12"/>
-    <p:sldId id="257" r:id="rId13"/>
-    <p:sldId id="258" r:id="rId14"/>
-    <p:sldId id="259" r:id="rId15"/>
-    <p:sldId id="260" r:id="rId16"/>
-    <p:sldId id="261" r:id="rId17"/>
-    <p:sldId id="262" r:id="rId18"/>
-    <p:sldId id="274" r:id="rId19"/>
-    <p:sldId id="270" r:id="rId20"/>
+    <p:sldId id="275" r:id="rId3"/>
+    <p:sldId id="276" r:id="rId4"/>
+    <p:sldId id="271" r:id="rId5"/>
+    <p:sldId id="272" r:id="rId6"/>
+    <p:sldId id="273" r:id="rId7"/>
+    <p:sldId id="263" r:id="rId8"/>
+    <p:sldId id="264" r:id="rId9"/>
+    <p:sldId id="265" r:id="rId10"/>
+    <p:sldId id="266" r:id="rId11"/>
+    <p:sldId id="267" r:id="rId12"/>
+    <p:sldId id="268" r:id="rId13"/>
+    <p:sldId id="269" r:id="rId14"/>
+    <p:sldId id="257" r:id="rId15"/>
+    <p:sldId id="258" r:id="rId16"/>
+    <p:sldId id="259" r:id="rId17"/>
+    <p:sldId id="260" r:id="rId18"/>
+    <p:sldId id="261" r:id="rId19"/>
+    <p:sldId id="262" r:id="rId20"/>
+    <p:sldId id="274" r:id="rId21"/>
+    <p:sldId id="270" r:id="rId22"/>
   </p:sldIdLst>
   <p:sldSz cx="12192000" cy="6858000"/>
   <p:notesSz cx="6858000" cy="9144000"/>
@@ -122,6 +124,11 @@
       </a:defRPr>
     </a:lvl9pPr>
   </p:defaultTextStyle>
+  <p:extLst>
+    <p:ext uri="{EFAFB233-063F-42B5-8137-9DF3F51BA10A}">
+      <p15:sldGuideLst xmlns:p15="http://schemas.microsoft.com/office/powerpoint/2012/main"/>
+    </p:ext>
+  </p:extLst>
 </p:presentation>
 </file>
 
@@ -272,7 +279,7 @@
           <a:p>
             <a:fld id="{01E8C68C-8815-8144-95DD-16A715A0231E}" type="datetimeFigureOut">
               <a:rPr lang="en-US" smtClean="0"/>
-              <a:t>8/7/20</a:t>
+              <a:t>9/3/20</a:t>
             </a:fld>
             <a:endParaRPr lang="en-US"/>
           </a:p>
@@ -470,7 +477,7 @@
           <a:p>
             <a:fld id="{01E8C68C-8815-8144-95DD-16A715A0231E}" type="datetimeFigureOut">
               <a:rPr lang="en-US" smtClean="0"/>
-              <a:t>8/7/20</a:t>
+              <a:t>9/3/20</a:t>
             </a:fld>
             <a:endParaRPr lang="en-US"/>
           </a:p>
@@ -678,7 +685,7 @@
           <a:p>
             <a:fld id="{01E8C68C-8815-8144-95DD-16A715A0231E}" type="datetimeFigureOut">
               <a:rPr lang="en-US" smtClean="0"/>
-              <a:t>8/7/20</a:t>
+              <a:t>9/3/20</a:t>
             </a:fld>
             <a:endParaRPr lang="en-US"/>
           </a:p>
@@ -876,7 +883,7 @@
           <a:p>
             <a:fld id="{01E8C68C-8815-8144-95DD-16A715A0231E}" type="datetimeFigureOut">
               <a:rPr lang="en-US" smtClean="0"/>
-              <a:t>8/7/20</a:t>
+              <a:t>9/3/20</a:t>
             </a:fld>
             <a:endParaRPr lang="en-US"/>
           </a:p>
@@ -1151,7 +1158,7 @@
           <a:p>
             <a:fld id="{01E8C68C-8815-8144-95DD-16A715A0231E}" type="datetimeFigureOut">
               <a:rPr lang="en-US" smtClean="0"/>
-              <a:t>8/7/20</a:t>
+              <a:t>9/3/20</a:t>
             </a:fld>
             <a:endParaRPr lang="en-US"/>
           </a:p>
@@ -1416,7 +1423,7 @@
           <a:p>
             <a:fld id="{01E8C68C-8815-8144-95DD-16A715A0231E}" type="datetimeFigureOut">
               <a:rPr lang="en-US" smtClean="0"/>
-              <a:t>8/7/20</a:t>
+              <a:t>9/3/20</a:t>
             </a:fld>
             <a:endParaRPr lang="en-US"/>
           </a:p>
@@ -1828,7 +1835,7 @@
           <a:p>
             <a:fld id="{01E8C68C-8815-8144-95DD-16A715A0231E}" type="datetimeFigureOut">
               <a:rPr lang="en-US" smtClean="0"/>
-              <a:t>8/7/20</a:t>
+              <a:t>9/3/20</a:t>
             </a:fld>
             <a:endParaRPr lang="en-US"/>
           </a:p>
@@ -1969,7 +1976,7 @@
           <a:p>
             <a:fld id="{01E8C68C-8815-8144-95DD-16A715A0231E}" type="datetimeFigureOut">
               <a:rPr lang="en-US" smtClean="0"/>
-              <a:t>8/7/20</a:t>
+              <a:t>9/3/20</a:t>
             </a:fld>
             <a:endParaRPr lang="en-US"/>
           </a:p>
@@ -2082,7 +2089,7 @@
           <a:p>
             <a:fld id="{01E8C68C-8815-8144-95DD-16A715A0231E}" type="datetimeFigureOut">
               <a:rPr lang="en-US" smtClean="0"/>
-              <a:t>8/7/20</a:t>
+              <a:t>9/3/20</a:t>
             </a:fld>
             <a:endParaRPr lang="en-US"/>
           </a:p>
@@ -2393,7 +2400,7 @@
           <a:p>
             <a:fld id="{01E8C68C-8815-8144-95DD-16A715A0231E}" type="datetimeFigureOut">
               <a:rPr lang="en-US" smtClean="0"/>
-              <a:t>8/7/20</a:t>
+              <a:t>9/3/20</a:t>
             </a:fld>
             <a:endParaRPr lang="en-US"/>
           </a:p>
@@ -2681,7 +2688,7 @@
           <a:p>
             <a:fld id="{01E8C68C-8815-8144-95DD-16A715A0231E}" type="datetimeFigureOut">
               <a:rPr lang="en-US" smtClean="0"/>
-              <a:t>8/7/20</a:t>
+              <a:t>9/3/20</a:t>
             </a:fld>
             <a:endParaRPr lang="en-US"/>
           </a:p>
@@ -2922,7 +2929,7 @@
           <a:p>
             <a:fld id="{01E8C68C-8815-8144-95DD-16A715A0231E}" type="datetimeFigureOut">
               <a:rPr lang="en-US" smtClean="0"/>
-              <a:t>8/7/20</a:t>
+              <a:t>9/3/20</a:t>
             </a:fld>
             <a:endParaRPr lang="en-US"/>
           </a:p>
@@ -3637,7 +3644,7 @@
           <p:cNvPr id="2" name="Title 1">
             <a:extLst>
               <a:ext uri="{FF2B5EF4-FFF2-40B4-BE49-F238E27FC236}">
-                <a16:creationId xmlns:a16="http://schemas.microsoft.com/office/drawing/2014/main" id="{121A10DF-4AB0-CC4E-8BB5-63A4ABD55609}"/>
+                <a16:creationId xmlns:a16="http://schemas.microsoft.com/office/drawing/2014/main" id="{0852374D-94DD-C947-AEEA-AFCD3E3EADF3}"/>
               </a:ext>
             </a:extLst>
           </p:cNvPr>
@@ -3650,26 +3657,18 @@
         </p:nvSpPr>
         <p:spPr>
           <a:xfrm>
-            <a:off x="838200" y="225632"/>
-            <a:ext cx="10515600" cy="736270"/>
+            <a:off x="838200" y="365126"/>
+            <a:ext cx="10515600" cy="715530"/>
           </a:xfrm>
         </p:spPr>
         <p:txBody>
-          <a:bodyPr>
-            <a:normAutofit fontScale="90000"/>
-          </a:bodyPr>
+          <a:bodyPr/>
           <a:lstStyle/>
           <a:p>
-            <a:br>
-              <a:rPr lang="en-US" dirty="0"/>
-            </a:br>
-            <a:r>
-              <a:rPr lang="en-US" dirty="0"/>
-              <a:t>Building a Basic Authentication</a:t>
-            </a:r>
-            <a:br>
-              <a:rPr lang="en-US" dirty="0"/>
-            </a:br>
+            <a:r>
+              <a:rPr lang="en-US" b="1" dirty="0"/>
+              <a:t>Spring Security</a:t>
+            </a:r>
             <a:endParaRPr lang="en-US" dirty="0"/>
           </a:p>
         </p:txBody>
@@ -3679,7 +3678,7 @@
           <p:cNvPr id="3" name="Content Placeholder 2">
             <a:extLst>
               <a:ext uri="{FF2B5EF4-FFF2-40B4-BE49-F238E27FC236}">
-                <a16:creationId xmlns:a16="http://schemas.microsoft.com/office/drawing/2014/main" id="{1BB50B8A-B7D2-8F4D-BE8D-E6BCF327B3E0}"/>
+                <a16:creationId xmlns:a16="http://schemas.microsoft.com/office/drawing/2014/main" id="{61E34FF4-144D-9941-B177-E71C8386E833}"/>
               </a:ext>
             </a:extLst>
           </p:cNvPr>
@@ -3692,8 +3691,8 @@
         </p:nvSpPr>
         <p:spPr>
           <a:xfrm>
-            <a:off x="838200" y="961902"/>
-            <a:ext cx="10515600" cy="5215061"/>
+            <a:off x="838200" y="1246909"/>
+            <a:ext cx="10515600" cy="4930054"/>
           </a:xfrm>
         </p:spPr>
         <p:txBody>
@@ -3702,341 +3701,151 @@
           </a:bodyPr>
           <a:lstStyle/>
           <a:p>
+            <a:pPr marL="0" indent="0">
+              <a:buNone/>
+            </a:pPr>
             <a:r>
               <a:rPr lang="en-US" sz="1400" b="1" dirty="0"/>
-              <a:t>Step 2:</a:t>
+              <a:t>HTTP Basic Authentication</a:t>
+            </a:r>
+          </a:p>
+          <a:p>
+            <a:r>
+              <a:rPr lang="en-US" sz="1400" b="1" dirty="0"/>
+              <a:t>HTTP Basic</a:t>
             </a:r>
             <a:endParaRPr lang="en-US" sz="1400" dirty="0"/>
           </a:p>
           <a:p>
+            <a:pPr marL="0" indent="0">
+              <a:buNone/>
+            </a:pPr>
             <a:r>
               <a:rPr lang="en-US" sz="1400" dirty="0"/>
-              <a:t>Create a '</a:t>
-            </a:r>
-            <a:r>
-              <a:rPr lang="en-US" sz="1400" dirty="0" err="1"/>
-              <a:t>AuthenticationEntryPoint</a:t>
-            </a:r>
+              <a:t>The client uses username and password as the authentication mechanism.</a:t>
+            </a:r>
+          </a:p>
+          <a:p>
+            <a:pPr marL="0" indent="0">
+              <a:buNone/>
+            </a:pPr>
             <a:r>
               <a:rPr lang="en-US" sz="1400" dirty="0"/>
-              <a:t>' class.</a:t>
-            </a:r>
-          </a:p>
-          <a:p>
-            <a:pPr marL="0" indent="0">
-              <a:buNone/>
-            </a:pPr>
-            <a:r>
-              <a:rPr lang="en-US" sz="1000" dirty="0"/>
-              <a:t>@Component public class </a:t>
-            </a:r>
-            <a:r>
-              <a:rPr lang="en-US" sz="1000" dirty="0" err="1"/>
-              <a:t>AuthenticationEntryPoint</a:t>
-            </a:r>
-            <a:r>
-              <a:rPr lang="en-US" sz="1000" dirty="0"/>
-              <a:t> extends </a:t>
-            </a:r>
-            <a:r>
-              <a:rPr lang="en-US" sz="1000" dirty="0" err="1"/>
-              <a:t>BasicAuthenticationEntryPoint</a:t>
-            </a:r>
-            <a:r>
-              <a:rPr lang="en-US" sz="1000" dirty="0"/>
-              <a:t> </a:t>
-            </a:r>
-          </a:p>
-          <a:p>
-            <a:pPr marL="0" indent="0">
-              <a:buNone/>
-            </a:pPr>
-            <a:r>
-              <a:rPr lang="en-US" sz="1000" dirty="0"/>
-              <a:t>{ </a:t>
-            </a:r>
-          </a:p>
-          <a:p>
-            <a:pPr marL="0" indent="0">
-              <a:buNone/>
-            </a:pPr>
-            <a:r>
-              <a:rPr lang="en-US" sz="1000" dirty="0"/>
-              <a:t>@Override </a:t>
-            </a:r>
-          </a:p>
-          <a:p>
-            <a:pPr marL="0" indent="0">
-              <a:buNone/>
-            </a:pPr>
-            <a:r>
-              <a:rPr lang="en-US" sz="1000" dirty="0"/>
-              <a:t>public void commence(</a:t>
-            </a:r>
-            <a:r>
-              <a:rPr lang="en-US" sz="1000" dirty="0" err="1"/>
-              <a:t>HttpServletRequest</a:t>
-            </a:r>
-            <a:r>
-              <a:rPr lang="en-US" sz="1000" dirty="0"/>
-              <a:t> request, </a:t>
-            </a:r>
-            <a:r>
-              <a:rPr lang="en-US" sz="1000" dirty="0" err="1"/>
-              <a:t>HttpServletResponse</a:t>
-            </a:r>
-            <a:r>
-              <a:rPr lang="en-US" sz="1000" dirty="0"/>
-              <a:t> response, </a:t>
-            </a:r>
-            <a:r>
-              <a:rPr lang="en-US" sz="1000" dirty="0" err="1"/>
-              <a:t>AuthenticationException</a:t>
-            </a:r>
-            <a:r>
-              <a:rPr lang="en-US" sz="1000" dirty="0"/>
-              <a:t> </a:t>
-            </a:r>
-            <a:r>
-              <a:rPr lang="en-US" sz="1000" dirty="0" err="1"/>
-              <a:t>authEx</a:t>
-            </a:r>
-            <a:r>
-              <a:rPr lang="en-US" sz="1000" dirty="0"/>
-              <a:t>) throws </a:t>
-            </a:r>
-            <a:r>
-              <a:rPr lang="en-US" sz="1000" dirty="0" err="1"/>
-              <a:t>IOException</a:t>
-            </a:r>
-            <a:r>
-              <a:rPr lang="en-US" sz="1000" dirty="0"/>
-              <a:t>, </a:t>
-            </a:r>
-            <a:r>
-              <a:rPr lang="en-US" sz="1000" dirty="0" err="1"/>
-              <a:t>ServletException</a:t>
-            </a:r>
-            <a:endParaRPr lang="en-US" sz="1000" dirty="0"/>
-          </a:p>
-          <a:p>
-            <a:pPr marL="0" indent="0">
-              <a:buNone/>
-            </a:pPr>
-            <a:r>
-              <a:rPr lang="en-US" sz="1000" dirty="0"/>
-              <a:t> { </a:t>
-            </a:r>
-          </a:p>
-          <a:p>
-            <a:pPr marL="0" indent="0">
-              <a:buNone/>
-            </a:pPr>
-            <a:r>
-              <a:rPr lang="en-US" sz="1000" dirty="0"/>
-              <a:t>      </a:t>
-            </a:r>
-            <a:r>
-              <a:rPr lang="en-US" sz="1000" dirty="0" err="1"/>
-              <a:t>response.addHeader</a:t>
-            </a:r>
-            <a:r>
-              <a:rPr lang="en-US" sz="1000" dirty="0"/>
-              <a:t>("</a:t>
-            </a:r>
-            <a:r>
-              <a:rPr lang="en-US" sz="1000" dirty="0" err="1"/>
-              <a:t>LoginUser</a:t>
-            </a:r>
-            <a:r>
-              <a:rPr lang="en-US" sz="1000" dirty="0"/>
-              <a:t>", "Basic " +</a:t>
-            </a:r>
-            <a:r>
-              <a:rPr lang="en-US" sz="1000" dirty="0" err="1"/>
-              <a:t>getRealmName</a:t>
-            </a:r>
-            <a:r>
-              <a:rPr lang="en-US" sz="1000" dirty="0"/>
-              <a:t>()); </a:t>
-            </a:r>
-          </a:p>
-          <a:p>
-            <a:pPr marL="0" indent="0">
-              <a:buNone/>
-            </a:pPr>
-            <a:r>
-              <a:rPr lang="en-US" sz="1000" dirty="0"/>
-              <a:t>      </a:t>
-            </a:r>
-            <a:r>
-              <a:rPr lang="en-US" sz="1000" dirty="0" err="1"/>
-              <a:t>response.setStatus</a:t>
-            </a:r>
-            <a:r>
-              <a:rPr lang="en-US" sz="1000" dirty="0"/>
-              <a:t>(</a:t>
-            </a:r>
-            <a:r>
-              <a:rPr lang="en-US" sz="1000" dirty="0" err="1"/>
-              <a:t>HttpServletResponse.SC_UNAUTHORIZED</a:t>
-            </a:r>
-            <a:r>
-              <a:rPr lang="en-US" sz="1000" dirty="0"/>
-              <a:t>); </a:t>
-            </a:r>
-          </a:p>
-          <a:p>
-            <a:pPr marL="0" indent="0">
-              <a:buNone/>
-            </a:pPr>
-            <a:r>
-              <a:rPr lang="en-US" sz="1000" dirty="0"/>
-              <a:t>     </a:t>
-            </a:r>
-            <a:r>
-              <a:rPr lang="en-US" sz="1000" dirty="0" err="1"/>
-              <a:t>PrintWriter</a:t>
-            </a:r>
-            <a:r>
-              <a:rPr lang="en-US" sz="1000" dirty="0"/>
-              <a:t> writer = </a:t>
-            </a:r>
-            <a:r>
-              <a:rPr lang="en-US" sz="1000" dirty="0" err="1"/>
-              <a:t>response.getWriter</a:t>
-            </a:r>
-            <a:r>
-              <a:rPr lang="en-US" sz="1000" dirty="0"/>
-              <a:t>(); </a:t>
-            </a:r>
-          </a:p>
-          <a:p>
-            <a:pPr marL="0" indent="0">
-              <a:buNone/>
-            </a:pPr>
-            <a:r>
-              <a:rPr lang="en-US" sz="1000" dirty="0"/>
-              <a:t>     </a:t>
-            </a:r>
-            <a:r>
-              <a:rPr lang="en-US" sz="1000" dirty="0" err="1"/>
-              <a:t>writer.println</a:t>
-            </a:r>
-            <a:r>
-              <a:rPr lang="en-US" sz="1000" dirty="0"/>
-              <a:t>("HTTP Status 401 - " + </a:t>
-            </a:r>
-            <a:r>
-              <a:rPr lang="en-US" sz="1000" dirty="0" err="1"/>
-              <a:t>authEx.getMessage</a:t>
-            </a:r>
-            <a:r>
-              <a:rPr lang="en-US" sz="1000" dirty="0"/>
-              <a:t>()); </a:t>
-            </a:r>
-          </a:p>
-          <a:p>
-            <a:pPr marL="0" indent="0">
-              <a:buNone/>
-            </a:pPr>
-            <a:r>
-              <a:rPr lang="en-US" sz="1000" dirty="0"/>
-              <a:t>} </a:t>
-            </a:r>
-          </a:p>
-          <a:p>
-            <a:pPr marL="0" indent="0">
-              <a:buNone/>
-            </a:pPr>
-            <a:r>
-              <a:rPr lang="en-US" sz="1000" dirty="0"/>
-              <a:t>@Override </a:t>
-            </a:r>
-          </a:p>
-          <a:p>
-            <a:pPr marL="0" indent="0">
-              <a:buNone/>
-            </a:pPr>
-            <a:r>
-              <a:rPr lang="en-US" sz="1000" dirty="0"/>
-              <a:t>public void </a:t>
-            </a:r>
-            <a:r>
-              <a:rPr lang="en-US" sz="1000" dirty="0" err="1"/>
-              <a:t>afterPropertiesSet</a:t>
-            </a:r>
-            <a:r>
-              <a:rPr lang="en-US" sz="1000" dirty="0"/>
-              <a:t>() throws Exception</a:t>
-            </a:r>
-          </a:p>
-          <a:p>
-            <a:pPr marL="0" indent="0">
-              <a:buNone/>
-            </a:pPr>
-            <a:r>
-              <a:rPr lang="en-US" sz="1000" dirty="0"/>
-              <a:t> { </a:t>
-            </a:r>
-          </a:p>
-          <a:p>
-            <a:pPr marL="0" indent="0">
-              <a:buNone/>
-            </a:pPr>
-            <a:r>
-              <a:rPr lang="en-US" sz="1000" dirty="0"/>
-              <a:t>   </a:t>
-            </a:r>
-            <a:r>
-              <a:rPr lang="en-US" sz="1000" dirty="0" err="1"/>
-              <a:t>setRealmName</a:t>
-            </a:r>
-            <a:r>
-              <a:rPr lang="en-US" sz="1000" dirty="0"/>
-              <a:t>("</a:t>
-            </a:r>
-            <a:r>
-              <a:rPr lang="en-US" sz="1000" dirty="0" err="1"/>
-              <a:t>springboot</a:t>
-            </a:r>
-            <a:r>
-              <a:rPr lang="en-US" sz="1000" dirty="0"/>
-              <a:t>"); </a:t>
-            </a:r>
-          </a:p>
-          <a:p>
-            <a:pPr marL="0" indent="0">
-              <a:buNone/>
-            </a:pPr>
-            <a:r>
-              <a:rPr lang="en-US" sz="1000" dirty="0"/>
-              <a:t>    </a:t>
-            </a:r>
-            <a:r>
-              <a:rPr lang="en-US" sz="1000" dirty="0" err="1"/>
-              <a:t>super.afterPropertiesSet</a:t>
-            </a:r>
-            <a:r>
-              <a:rPr lang="en-US" sz="1000" dirty="0"/>
-              <a:t>(); } </a:t>
-            </a:r>
-          </a:p>
-          <a:p>
-            <a:pPr marL="0" indent="0">
-              <a:buNone/>
-            </a:pPr>
-            <a:r>
-              <a:rPr lang="en-US" sz="1000" dirty="0"/>
-              <a:t>}</a:t>
-            </a:r>
+              <a:t>User ID and password are sent to the service for authentication using base64 encoded format.</a:t>
+            </a:r>
+          </a:p>
+          <a:p>
+            <a:pPr marL="0" indent="0">
+              <a:buNone/>
+            </a:pPr>
+            <a:r>
+              <a:rPr lang="en-US" sz="1400" dirty="0"/>
+              <a:t>This is a sample template for authorization.</a:t>
+            </a:r>
+          </a:p>
+          <a:p>
+            <a:pPr marL="0" indent="0">
+              <a:buNone/>
+            </a:pPr>
+            <a:r>
+              <a:rPr lang="en-US" sz="1400" b="1" dirty="0"/>
+              <a:t>Authorization</a:t>
+            </a:r>
+            <a:r>
+              <a:rPr lang="en-US" sz="1400" dirty="0"/>
+              <a:t>: Basic QWxhZGRghsgdhsVuIHNlc2FtZQ==</a:t>
+            </a:r>
+          </a:p>
+          <a:p>
+            <a:pPr marL="0" indent="0">
+              <a:buNone/>
+            </a:pPr>
+            <a:endParaRPr lang="en-US" sz="1400" dirty="0"/>
+          </a:p>
+          <a:p>
+            <a:pPr marL="0" indent="0">
+              <a:buNone/>
+            </a:pPr>
+            <a:r>
+              <a:rPr lang="en-US" sz="1600" b="1" dirty="0"/>
+              <a:t>Basic Authentication</a:t>
+            </a:r>
+          </a:p>
+          <a:p>
+            <a:pPr marL="0" indent="0">
+              <a:buNone/>
+            </a:pPr>
+            <a:r>
+              <a:rPr lang="en-US" sz="1600" b="1" dirty="0"/>
+              <a:t>HTTP Digest technique</a:t>
+            </a:r>
+            <a:r>
+              <a:rPr lang="en-US" sz="1600" dirty="0"/>
+              <a:t> is also similar to </a:t>
+            </a:r>
+            <a:r>
+              <a:rPr lang="en-US" sz="1600" b="1" dirty="0"/>
+              <a:t>Basic Authentication</a:t>
+            </a:r>
+            <a:r>
+              <a:rPr lang="en-US" sz="1600" dirty="0"/>
+              <a:t>.</a:t>
+            </a:r>
+          </a:p>
+          <a:p>
+            <a:pPr marL="0" indent="0">
+              <a:buNone/>
+            </a:pPr>
+            <a:r>
+              <a:rPr lang="en-US" sz="1600" dirty="0"/>
+              <a:t>User ID and password are sent as a checksum of username and password.</a:t>
+            </a:r>
+          </a:p>
+          <a:p>
+            <a:pPr marL="0" indent="0">
+              <a:buNone/>
+            </a:pPr>
+            <a:r>
+              <a:rPr lang="en-US" sz="1600" dirty="0"/>
+              <a:t>Both HTTP Basic and Digest technique are weak in terms of providing a secured one.</a:t>
+            </a:r>
+          </a:p>
+          <a:p>
+            <a:pPr marL="0" indent="0">
+              <a:buNone/>
+            </a:pPr>
+            <a:r>
+              <a:rPr lang="en-US" sz="1600" dirty="0"/>
+              <a:t>You need to use SSL/TLS encryption techniques to overcome the security challenge.</a:t>
+            </a:r>
+          </a:p>
+          <a:p>
+            <a:pPr marL="0" indent="0">
+              <a:buNone/>
+            </a:pPr>
+            <a:r>
+              <a:rPr lang="en-US" sz="1600" dirty="0"/>
+              <a:t>SSL/TLS encryption prevents man in the middle attacks.</a:t>
+            </a:r>
+          </a:p>
+          <a:p>
+            <a:pPr marL="0" indent="0">
+              <a:buNone/>
+            </a:pPr>
+            <a:endParaRPr lang="en-US" sz="1400" dirty="0"/>
+          </a:p>
+          <a:p>
+            <a:pPr marL="0" indent="0">
+              <a:buNone/>
+            </a:pPr>
+            <a:endParaRPr lang="en-US" dirty="0"/>
           </a:p>
         </p:txBody>
       </p:sp>
     </p:spTree>
     <p:extLst>
       <p:ext uri="{BB962C8B-B14F-4D97-AF65-F5344CB8AC3E}">
-        <p14:creationId xmlns:p14="http://schemas.microsoft.com/office/powerpoint/2010/main" val="3767340906"/>
+        <p14:creationId xmlns:p14="http://schemas.microsoft.com/office/powerpoint/2010/main" val="3106116843"/>
       </p:ext>
     </p:extLst>
   </p:cSld>
@@ -4068,7 +3877,7 @@
           <p:cNvPr id="2" name="Title 1">
             <a:extLst>
               <a:ext uri="{FF2B5EF4-FFF2-40B4-BE49-F238E27FC236}">
-                <a16:creationId xmlns:a16="http://schemas.microsoft.com/office/drawing/2014/main" id="{68931E22-1913-9B4B-A1FA-37EAFD70EB0B}"/>
+                <a16:creationId xmlns:a16="http://schemas.microsoft.com/office/drawing/2014/main" id="{6BC88AE9-A64A-7D4E-AC50-311543B85F1B}"/>
               </a:ext>
             </a:extLst>
           </p:cNvPr>
@@ -4081,8 +3890,8 @@
         </p:nvSpPr>
         <p:spPr>
           <a:xfrm>
-            <a:off x="838200" y="365126"/>
-            <a:ext cx="10515600" cy="703654"/>
+            <a:off x="838200" y="365125"/>
+            <a:ext cx="10515600" cy="798657"/>
           </a:xfrm>
         </p:spPr>
         <p:txBody>
@@ -4090,9 +3899,10 @@
           <a:lstStyle/>
           <a:p>
             <a:r>
-              <a:rPr lang="en-US" dirty="0"/>
-              <a:t>Building a Basic Authentication</a:t>
-            </a:r>
+              <a:rPr lang="en-US" b="1" dirty="0"/>
+              <a:t>Spring Security</a:t>
+            </a:r>
+            <a:endParaRPr lang="en-US" dirty="0"/>
           </a:p>
         </p:txBody>
       </p:sp>
@@ -4101,7 +3911,7 @@
           <p:cNvPr id="3" name="Content Placeholder 2">
             <a:extLst>
               <a:ext uri="{FF2B5EF4-FFF2-40B4-BE49-F238E27FC236}">
-                <a16:creationId xmlns:a16="http://schemas.microsoft.com/office/drawing/2014/main" id="{17142BA5-B8A0-9E40-A293-83FF9F5ADC7B}"/>
+                <a16:creationId xmlns:a16="http://schemas.microsoft.com/office/drawing/2014/main" id="{D5FAB446-6455-9B4D-8EAD-7AB36DA8CB11}"/>
               </a:ext>
             </a:extLst>
           </p:cNvPr>
@@ -4114,324 +3924,268 @@
         </p:nvSpPr>
         <p:spPr>
           <a:xfrm>
-            <a:off x="838200" y="1068780"/>
-            <a:ext cx="10515600" cy="5108183"/>
+            <a:off x="838200" y="1341912"/>
+            <a:ext cx="10515600" cy="5130140"/>
           </a:xfrm>
         </p:spPr>
         <p:txBody>
-          <a:bodyPr>
-            <a:normAutofit/>
-          </a:bodyPr>
+          <a:bodyPr/>
           <a:lstStyle/>
           <a:p>
+            <a:pPr marL="0" indent="0">
+              <a:buNone/>
+            </a:pPr>
             <a:r>
               <a:rPr lang="en-US" sz="1400" b="1" dirty="0"/>
-              <a:t>Step 3:</a:t>
+              <a:t>OAuth 2.0</a:t>
+            </a:r>
+          </a:p>
+          <a:p>
+            <a:r>
+              <a:rPr lang="en-US" sz="1400" b="1" dirty="0"/>
+              <a:t>OAuth 2.0</a:t>
+            </a:r>
+            <a:r>
+              <a:rPr lang="en-US" sz="1400" dirty="0"/>
+              <a:t> is a protocol by which users will be allowed to access the resources through third-party services exposed by </a:t>
+            </a:r>
+            <a:r>
+              <a:rPr lang="en-US" sz="1400" b="1" dirty="0"/>
+              <a:t>Facebook, Google, Microsoft</a:t>
+            </a:r>
+            <a:r>
+              <a:rPr lang="en-US" sz="1400" dirty="0"/>
+              <a:t>, etc.</a:t>
+            </a:r>
+          </a:p>
+          <a:p>
+            <a:r>
+              <a:rPr lang="en-US" sz="1400" dirty="0"/>
+              <a:t>OAuth 2.0 uses </a:t>
+            </a:r>
+            <a:r>
+              <a:rPr lang="en-US" sz="1400" b="1" dirty="0"/>
+              <a:t>SSL</a:t>
+            </a:r>
+            <a:r>
+              <a:rPr lang="en-US" sz="1400" dirty="0"/>
+              <a:t> to ensure that the data is highly secured.</a:t>
+            </a:r>
+          </a:p>
+          <a:p>
+            <a:r>
+              <a:rPr lang="en-US" sz="1400" dirty="0"/>
+              <a:t>These services expose partial data and keep the </a:t>
+            </a:r>
+            <a:r>
+              <a:rPr lang="en-US" sz="1400" b="1" dirty="0"/>
+              <a:t>users' details protected</a:t>
+            </a:r>
+            <a:r>
+              <a:rPr lang="en-US" sz="1400" dirty="0"/>
+              <a:t>.</a:t>
+            </a:r>
+          </a:p>
+          <a:p>
+            <a:pPr marL="0" indent="0">
+              <a:buNone/>
+            </a:pPr>
+            <a:r>
+              <a:rPr lang="en-US" sz="1400" b="1" dirty="0"/>
+              <a:t>Building a Basic Authentication</a:t>
+            </a:r>
+          </a:p>
+          <a:p>
+            <a:r>
+              <a:rPr lang="en-US" sz="1400" dirty="0"/>
+              <a:t>Let's add Basic Authentication to the Hospital List REST API.</a:t>
+            </a:r>
+          </a:p>
+          <a:p>
+            <a:r>
+              <a:rPr lang="en-US" sz="1400" b="1" dirty="0"/>
+              <a:t>Step: 1</a:t>
             </a:r>
             <a:endParaRPr lang="en-US" sz="1400" dirty="0"/>
           </a:p>
           <a:p>
-            <a:pPr marL="0" indent="0">
-              <a:buNone/>
-            </a:pPr>
             <a:r>
               <a:rPr lang="en-US" sz="1400" dirty="0"/>
-              <a:t>Add a '</a:t>
+              <a:t>You need to configure Security dependency in your </a:t>
             </a:r>
             <a:r>
               <a:rPr lang="en-US" sz="1400" dirty="0" err="1"/>
-              <a:t>SpringSecurityConfig</a:t>
+              <a:t>pom.xml</a:t>
             </a:r>
             <a:r>
               <a:rPr lang="en-US" sz="1400" dirty="0"/>
-              <a:t>' config class to configure authorization.</a:t>
-            </a:r>
-          </a:p>
-          <a:p>
-            <a:pPr marL="0" indent="0">
-              <a:buNone/>
-            </a:pPr>
-            <a:r>
-              <a:rPr lang="en-US" sz="1200" dirty="0"/>
-              <a:t>@Configuration </a:t>
-            </a:r>
-          </a:p>
-          <a:p>
-            <a:pPr marL="0" indent="0">
-              <a:buNone/>
-            </a:pPr>
-            <a:r>
-              <a:rPr lang="en-US" sz="1200" dirty="0"/>
-              <a:t>@</a:t>
-            </a:r>
-            <a:r>
-              <a:rPr lang="en-US" sz="1200" dirty="0" err="1"/>
-              <a:t>EnableWebSecurity</a:t>
-            </a:r>
-            <a:r>
-              <a:rPr lang="en-US" sz="1200" dirty="0"/>
-              <a:t> </a:t>
-            </a:r>
-          </a:p>
-          <a:p>
-            <a:pPr marL="0" indent="0">
-              <a:buNone/>
-            </a:pPr>
-            <a:r>
-              <a:rPr lang="en-US" sz="1200" dirty="0"/>
-              <a:t>public class </a:t>
-            </a:r>
-            <a:r>
-              <a:rPr lang="en-US" sz="1200" dirty="0" err="1"/>
-              <a:t>SpringSecurityConfig</a:t>
-            </a:r>
-            <a:r>
-              <a:rPr lang="en-US" sz="1200" dirty="0"/>
-              <a:t> extends </a:t>
-            </a:r>
-            <a:r>
-              <a:rPr lang="en-US" sz="1200" dirty="0" err="1"/>
-              <a:t>WebSecurityConfigurerAdapter</a:t>
-            </a:r>
-            <a:r>
-              <a:rPr lang="en-US" sz="1200" dirty="0"/>
-              <a:t> </a:t>
-            </a:r>
-          </a:p>
-          <a:p>
-            <a:pPr marL="0" indent="0">
-              <a:buNone/>
-            </a:pPr>
-            <a:r>
-              <a:rPr lang="en-US" sz="1200" dirty="0"/>
-              <a:t>{ </a:t>
-            </a:r>
-          </a:p>
-          <a:p>
-            <a:pPr marL="0" indent="0">
-              <a:buNone/>
-            </a:pPr>
-            <a:r>
-              <a:rPr lang="en-US" sz="1200" dirty="0"/>
-              <a:t>@</a:t>
-            </a:r>
-            <a:r>
-              <a:rPr lang="en-US" sz="1200" dirty="0" err="1"/>
-              <a:t>Autowired</a:t>
-            </a:r>
-            <a:r>
-              <a:rPr lang="en-US" sz="1200" dirty="0"/>
-              <a:t> private </a:t>
-            </a:r>
-            <a:r>
-              <a:rPr lang="en-US" sz="1200" dirty="0" err="1"/>
-              <a:t>AuthenticationEntryPoint</a:t>
-            </a:r>
-            <a:r>
-              <a:rPr lang="en-US" sz="1200" dirty="0"/>
-              <a:t> </a:t>
-            </a:r>
-            <a:r>
-              <a:rPr lang="en-US" sz="1200" dirty="0" err="1"/>
-              <a:t>authEntryPoint</a:t>
-            </a:r>
-            <a:r>
-              <a:rPr lang="en-US" sz="1200" dirty="0"/>
-              <a:t>; </a:t>
-            </a:r>
-          </a:p>
-          <a:p>
-            <a:pPr marL="0" indent="0">
-              <a:buNone/>
-            </a:pPr>
-            <a:r>
-              <a:rPr lang="en-US" sz="1200" dirty="0"/>
-              <a:t>@Override </a:t>
-            </a:r>
-          </a:p>
-          <a:p>
-            <a:pPr marL="0" indent="0">
-              <a:buNone/>
-            </a:pPr>
-            <a:r>
-              <a:rPr lang="en-US" sz="1200" dirty="0"/>
-              <a:t>protected void configure(</a:t>
-            </a:r>
-            <a:r>
-              <a:rPr lang="en-US" sz="1200" dirty="0" err="1"/>
-              <a:t>HttpSecurity</a:t>
-            </a:r>
-            <a:r>
-              <a:rPr lang="en-US" sz="1200" dirty="0"/>
-              <a:t> http) throws Exception</a:t>
-            </a:r>
-          </a:p>
-          <a:p>
-            <a:pPr marL="0" indent="0">
-              <a:buNone/>
-            </a:pPr>
-            <a:r>
-              <a:rPr lang="en-US" sz="1200" dirty="0"/>
-              <a:t> { </a:t>
-            </a:r>
-          </a:p>
-          <a:p>
-            <a:pPr marL="0" indent="0">
-              <a:buNone/>
-            </a:pPr>
-            <a:r>
-              <a:rPr lang="en-US" sz="1200" dirty="0" err="1"/>
-              <a:t>http.csrf</a:t>
-            </a:r>
-            <a:r>
-              <a:rPr lang="en-US" sz="1200" dirty="0"/>
-              <a:t>().disable().</a:t>
-            </a:r>
-            <a:r>
-              <a:rPr lang="en-US" sz="1200" dirty="0" err="1"/>
-              <a:t>authorizeRequests</a:t>
-            </a:r>
-            <a:r>
-              <a:rPr lang="en-US" sz="1200" dirty="0"/>
-              <a:t>() .</a:t>
-            </a:r>
-            <a:r>
-              <a:rPr lang="en-US" sz="1200" dirty="0" err="1"/>
-              <a:t>anyRequest</a:t>
-            </a:r>
-            <a:r>
-              <a:rPr lang="en-US" sz="1200" dirty="0"/>
-              <a:t>().authenticated() .and().</a:t>
-            </a:r>
-            <a:r>
-              <a:rPr lang="en-US" sz="1200" dirty="0" err="1"/>
-              <a:t>httpBasic</a:t>
-            </a:r>
-            <a:r>
-              <a:rPr lang="en-US" sz="1200" dirty="0"/>
-              <a:t>() .</a:t>
-            </a:r>
-            <a:r>
-              <a:rPr lang="en-US" sz="1200" dirty="0" err="1"/>
-              <a:t>authenticationEntryPoint</a:t>
-            </a:r>
-            <a:r>
-              <a:rPr lang="en-US" sz="1200" dirty="0"/>
-              <a:t>(</a:t>
-            </a:r>
-            <a:r>
-              <a:rPr lang="en-US" sz="1200" dirty="0" err="1"/>
-              <a:t>authEntryPoint</a:t>
-            </a:r>
-            <a:r>
-              <a:rPr lang="en-US" sz="1200" dirty="0"/>
-              <a:t>); </a:t>
-            </a:r>
-          </a:p>
-          <a:p>
-            <a:pPr marL="0" indent="0">
-              <a:buNone/>
-            </a:pPr>
-            <a:r>
-              <a:rPr lang="en-US" sz="1200" dirty="0"/>
-              <a:t>} </a:t>
-            </a:r>
-          </a:p>
-          <a:p>
-            <a:pPr marL="0" indent="0">
-              <a:buNone/>
-            </a:pPr>
-            <a:r>
-              <a:rPr lang="en-US" sz="1200" dirty="0"/>
-              <a:t>@</a:t>
-            </a:r>
-            <a:r>
-              <a:rPr lang="en-US" sz="1200" dirty="0" err="1"/>
-              <a:t>Autowired</a:t>
-            </a:r>
-            <a:r>
-              <a:rPr lang="en-US" sz="1200" dirty="0"/>
-              <a:t> </a:t>
-            </a:r>
-          </a:p>
-          <a:p>
-            <a:pPr marL="0" indent="0">
-              <a:buNone/>
-            </a:pPr>
-            <a:r>
-              <a:rPr lang="en-US" sz="1200" dirty="0"/>
-              <a:t>public void </a:t>
-            </a:r>
-            <a:r>
-              <a:rPr lang="en-US" sz="1200" dirty="0" err="1"/>
-              <a:t>configureGlobal</a:t>
-            </a:r>
-            <a:r>
-              <a:rPr lang="en-US" sz="1200" dirty="0"/>
-              <a:t>(</a:t>
-            </a:r>
-            <a:r>
-              <a:rPr lang="en-US" sz="1200" dirty="0" err="1"/>
-              <a:t>AuthenticationManagerBuilder</a:t>
-            </a:r>
-            <a:r>
-              <a:rPr lang="en-US" sz="1200" dirty="0"/>
-              <a:t> </a:t>
-            </a:r>
-            <a:r>
-              <a:rPr lang="en-US" sz="1200" dirty="0" err="1"/>
-              <a:t>auth</a:t>
-            </a:r>
-            <a:r>
-              <a:rPr lang="en-US" sz="1200" dirty="0"/>
-              <a:t>) throws Exception </a:t>
-            </a:r>
-          </a:p>
-          <a:p>
-            <a:pPr marL="0" indent="0">
-              <a:buNone/>
-            </a:pPr>
-            <a:r>
-              <a:rPr lang="en-US" sz="1200" dirty="0"/>
-              <a:t>{ </a:t>
-            </a:r>
-          </a:p>
-          <a:p>
-            <a:pPr marL="0" indent="0">
-              <a:buNone/>
-            </a:pPr>
-            <a:r>
-              <a:rPr lang="en-US" sz="1200" dirty="0" err="1"/>
-              <a:t>auth.inMemoryAuthentication</a:t>
-            </a:r>
-            <a:r>
-              <a:rPr lang="en-US" sz="1200" dirty="0"/>
-              <a:t>().</a:t>
-            </a:r>
-            <a:r>
-              <a:rPr lang="en-US" sz="1200" dirty="0" err="1"/>
-              <a:t>withUser</a:t>
-            </a:r>
-            <a:r>
-              <a:rPr lang="en-US" sz="1200" dirty="0"/>
-              <a:t>("username").password("password").roles("USER"); } </a:t>
-            </a:r>
-          </a:p>
-          <a:p>
-            <a:pPr marL="0" indent="0">
-              <a:buNone/>
-            </a:pPr>
-            <a:r>
-              <a:rPr lang="en-US" sz="1200" dirty="0"/>
-              <a:t>}</a:t>
-            </a:r>
+              <a:t>.</a:t>
+            </a:r>
+          </a:p>
+          <a:p>
+            <a:pPr marL="0" indent="0">
+              <a:buNone/>
+            </a:pPr>
+            <a:r>
+              <a:rPr lang="en-US" sz="1000" dirty="0"/>
+              <a:t>&lt;dependency&gt; </a:t>
+            </a:r>
+          </a:p>
+          <a:p>
+            <a:pPr marL="0" indent="0">
+              <a:buNone/>
+            </a:pPr>
+            <a:r>
+              <a:rPr lang="en-US" sz="1000" dirty="0"/>
+              <a:t>    &lt;</a:t>
+            </a:r>
+            <a:r>
+              <a:rPr lang="en-US" sz="1000" dirty="0" err="1"/>
+              <a:t>groupId</a:t>
+            </a:r>
+            <a:r>
+              <a:rPr lang="en-US" sz="1000" dirty="0"/>
+              <a:t>&gt;</a:t>
+            </a:r>
+            <a:r>
+              <a:rPr lang="en-US" sz="1000" dirty="0" err="1"/>
+              <a:t>org.springframework.boot</a:t>
+            </a:r>
+            <a:r>
+              <a:rPr lang="en-US" sz="1000" dirty="0"/>
+              <a:t>&lt;/</a:t>
+            </a:r>
+            <a:r>
+              <a:rPr lang="en-US" sz="1000" dirty="0" err="1"/>
+              <a:t>groupId</a:t>
+            </a:r>
+            <a:r>
+              <a:rPr lang="en-US" sz="1000" dirty="0"/>
+              <a:t>&gt;</a:t>
+            </a:r>
+          </a:p>
+          <a:p>
+            <a:pPr marL="0" indent="0">
+              <a:buNone/>
+            </a:pPr>
+            <a:r>
+              <a:rPr lang="en-US" sz="1000" dirty="0"/>
+              <a:t>    &lt;</a:t>
+            </a:r>
+            <a:r>
+              <a:rPr lang="en-US" sz="1000" dirty="0" err="1"/>
+              <a:t>artifactId</a:t>
+            </a:r>
+            <a:r>
+              <a:rPr lang="en-US" sz="1000" dirty="0"/>
+              <a:t>&gt;spring-boot-starter-security&lt;/</a:t>
+            </a:r>
+            <a:r>
+              <a:rPr lang="en-US" sz="1000" dirty="0" err="1"/>
+              <a:t>artifactId</a:t>
+            </a:r>
+            <a:r>
+              <a:rPr lang="en-US" sz="1000" dirty="0"/>
+              <a:t>&gt;</a:t>
+            </a:r>
+          </a:p>
+          <a:p>
+            <a:pPr marL="0" indent="0">
+              <a:buNone/>
+            </a:pPr>
+            <a:r>
+              <a:rPr lang="en-US" sz="1000" dirty="0"/>
+              <a:t> &lt;/dependency&gt;</a:t>
+            </a:r>
+          </a:p>
+          <a:p>
+            <a:pPr marL="0" indent="0">
+              <a:buNone/>
+            </a:pPr>
+            <a:r>
+              <a:rPr lang="en-US" sz="1000" dirty="0"/>
+              <a:t>     &lt;dependency&gt; &lt;</a:t>
+            </a:r>
+            <a:r>
+              <a:rPr lang="en-US" sz="1000" dirty="0" err="1"/>
+              <a:t>groupId</a:t>
+            </a:r>
+            <a:r>
+              <a:rPr lang="en-US" sz="1000" dirty="0"/>
+              <a:t>&gt;</a:t>
+            </a:r>
+            <a:r>
+              <a:rPr lang="en-US" sz="1000" dirty="0" err="1"/>
+              <a:t>org.springframework.security</a:t>
+            </a:r>
+            <a:r>
+              <a:rPr lang="en-US" sz="1000" dirty="0"/>
+              <a:t>&lt;/</a:t>
+            </a:r>
+            <a:r>
+              <a:rPr lang="en-US" sz="1000" dirty="0" err="1"/>
+              <a:t>groupId</a:t>
+            </a:r>
+            <a:r>
+              <a:rPr lang="en-US" sz="1000" dirty="0"/>
+              <a:t>&gt; </a:t>
+            </a:r>
+          </a:p>
+          <a:p>
+            <a:pPr marL="0" indent="0">
+              <a:buNone/>
+            </a:pPr>
+            <a:r>
+              <a:rPr lang="en-US" sz="1000" dirty="0"/>
+              <a:t>     &lt;</a:t>
+            </a:r>
+            <a:r>
+              <a:rPr lang="en-US" sz="1000" dirty="0" err="1"/>
+              <a:t>artifactId</a:t>
+            </a:r>
+            <a:r>
+              <a:rPr lang="en-US" sz="1000" dirty="0"/>
+              <a:t>&gt;spring-security-test&lt;/</a:t>
+            </a:r>
+            <a:r>
+              <a:rPr lang="en-US" sz="1000" dirty="0" err="1"/>
+              <a:t>artifactId</a:t>
+            </a:r>
+            <a:r>
+              <a:rPr lang="en-US" sz="1000" dirty="0"/>
+              <a:t>&gt; </a:t>
+            </a:r>
+          </a:p>
+          <a:p>
+            <a:pPr marL="0" indent="0">
+              <a:buNone/>
+            </a:pPr>
+            <a:r>
+              <a:rPr lang="en-US" sz="1000" dirty="0"/>
+              <a:t>  &lt;scope&gt;test&lt;/scope&gt; </a:t>
+            </a:r>
+          </a:p>
+          <a:p>
+            <a:pPr marL="0" indent="0">
+              <a:buNone/>
+            </a:pPr>
+            <a:r>
+              <a:rPr lang="en-US" sz="1000" dirty="0"/>
+              <a:t>&lt;/dependency&gt;</a:t>
+            </a:r>
+          </a:p>
+          <a:p>
+            <a:pPr marL="0" indent="0">
+              <a:buNone/>
+            </a:pPr>
+            <a:endParaRPr lang="en-US" dirty="0"/>
           </a:p>
         </p:txBody>
       </p:sp>
     </p:spTree>
     <p:extLst>
       <p:ext uri="{BB962C8B-B14F-4D97-AF65-F5344CB8AC3E}">
-        <p14:creationId xmlns:p14="http://schemas.microsoft.com/office/powerpoint/2010/main" val="667879654"/>
+        <p14:creationId xmlns:p14="http://schemas.microsoft.com/office/powerpoint/2010/main" val="2793106394"/>
       </p:ext>
     </p:extLst>
   </p:cSld>
@@ -4463,7 +4217,7 @@
           <p:cNvPr id="2" name="Title 1">
             <a:extLst>
               <a:ext uri="{FF2B5EF4-FFF2-40B4-BE49-F238E27FC236}">
-                <a16:creationId xmlns:a16="http://schemas.microsoft.com/office/drawing/2014/main" id="{56CF3A09-EAFA-5742-BC81-242213F3B7EF}"/>
+                <a16:creationId xmlns:a16="http://schemas.microsoft.com/office/drawing/2014/main" id="{121A10DF-4AB0-CC4E-8BB5-63A4ABD55609}"/>
               </a:ext>
             </a:extLst>
           </p:cNvPr>
@@ -4476,8 +4230,50 @@
         </p:nvSpPr>
         <p:spPr>
           <a:xfrm>
-            <a:off x="838200" y="365126"/>
-            <a:ext cx="10515600" cy="668028"/>
+            <a:off x="838200" y="225632"/>
+            <a:ext cx="10515600" cy="736270"/>
+          </a:xfrm>
+        </p:spPr>
+        <p:txBody>
+          <a:bodyPr>
+            <a:normAutofit fontScale="90000"/>
+          </a:bodyPr>
+          <a:lstStyle/>
+          <a:p>
+            <a:br>
+              <a:rPr lang="en-US" dirty="0"/>
+            </a:br>
+            <a:r>
+              <a:rPr lang="en-US" dirty="0"/>
+              <a:t>Building a Basic Authentication</a:t>
+            </a:r>
+            <a:br>
+              <a:rPr lang="en-US" dirty="0"/>
+            </a:br>
+            <a:endParaRPr lang="en-US" dirty="0"/>
+          </a:p>
+        </p:txBody>
+      </p:sp>
+      <p:sp>
+        <p:nvSpPr>
+          <p:cNvPr id="3" name="Content Placeholder 2">
+            <a:extLst>
+              <a:ext uri="{FF2B5EF4-FFF2-40B4-BE49-F238E27FC236}">
+                <a16:creationId xmlns:a16="http://schemas.microsoft.com/office/drawing/2014/main" id="{1BB50B8A-B7D2-8F4D-BE8D-E6BCF327B3E0}"/>
+              </a:ext>
+            </a:extLst>
+          </p:cNvPr>
+          <p:cNvSpPr>
+            <a:spLocks noGrp="1"/>
+          </p:cNvSpPr>
+          <p:nvPr>
+            <p:ph idx="1"/>
+          </p:nvPr>
+        </p:nvSpPr>
+        <p:spPr>
+          <a:xfrm>
+            <a:off x="838200" y="961902"/>
+            <a:ext cx="10515600" cy="5215061"/>
           </a:xfrm>
         </p:spPr>
         <p:txBody>
@@ -4487,157 +4283,340 @@
           <a:lstStyle/>
           <a:p>
             <a:r>
-              <a:rPr lang="en-US" sz="2000" dirty="0"/>
-              <a:t>Using Spring Boot Maven Plugin</a:t>
-            </a:r>
-          </a:p>
-        </p:txBody>
-      </p:sp>
-      <p:sp>
-        <p:nvSpPr>
-          <p:cNvPr id="3" name="Content Placeholder 2">
-            <a:extLst>
-              <a:ext uri="{FF2B5EF4-FFF2-40B4-BE49-F238E27FC236}">
-                <a16:creationId xmlns:a16="http://schemas.microsoft.com/office/drawing/2014/main" id="{04DA8374-9C34-FC45-8A47-8BB20CFFA1E4}"/>
-              </a:ext>
-            </a:extLst>
-          </p:cNvPr>
-          <p:cNvSpPr>
-            <a:spLocks noGrp="1"/>
-          </p:cNvSpPr>
-          <p:nvPr>
-            <p:ph idx="1"/>
-          </p:nvPr>
-        </p:nvSpPr>
-        <p:spPr>
-          <a:xfrm>
-            <a:off x="838200" y="819397"/>
-            <a:ext cx="10515600" cy="5357566"/>
-          </a:xfrm>
-        </p:spPr>
-        <p:txBody>
-          <a:bodyPr>
-            <a:normAutofit/>
-          </a:bodyPr>
-          <a:lstStyle/>
-          <a:p>
-            <a:r>
-              <a:rPr lang="en-US" sz="1200" dirty="0"/>
-              <a:t>Spring Boot adds a Maven plugin that packages the project as an executable jar.</a:t>
-            </a:r>
-          </a:p>
-          <a:p>
-            <a:r>
-              <a:rPr lang="en-US" sz="1200" dirty="0"/>
-              <a:t>Add the plugin to &lt;plugins&gt; section, if you wish to use it.</a:t>
-            </a:r>
-          </a:p>
-          <a:p>
-            <a:pPr marL="0" indent="0">
-              <a:buNone/>
-            </a:pPr>
-            <a:r>
-              <a:rPr lang="en-US" sz="1200" dirty="0"/>
-              <a:t>&lt;build&gt; </a:t>
-            </a:r>
-          </a:p>
-          <a:p>
-            <a:pPr marL="0" indent="0">
-              <a:buNone/>
-            </a:pPr>
-            <a:r>
-              <a:rPr lang="en-US" sz="1200" dirty="0"/>
-              <a:t>   &lt;plugins&gt;</a:t>
-            </a:r>
-          </a:p>
-          <a:p>
-            <a:pPr marL="0" indent="0">
-              <a:buNone/>
-            </a:pPr>
-            <a:r>
-              <a:rPr lang="en-US" sz="1200" dirty="0"/>
-              <a:t>         &lt;plugin&gt; &lt;</a:t>
-            </a:r>
-            <a:r>
-              <a:rPr lang="en-US" sz="1200" dirty="0" err="1"/>
-              <a:t>groupId</a:t>
-            </a:r>
-            <a:r>
-              <a:rPr lang="en-US" sz="1200" dirty="0"/>
-              <a:t>&gt;</a:t>
-            </a:r>
-            <a:r>
-              <a:rPr lang="en-US" sz="1200" dirty="0" err="1"/>
-              <a:t>org.springframework.boot</a:t>
-            </a:r>
-            <a:r>
-              <a:rPr lang="en-US" sz="1200" dirty="0"/>
-              <a:t>&lt;/</a:t>
-            </a:r>
-            <a:r>
-              <a:rPr lang="en-US" sz="1200" dirty="0" err="1"/>
-              <a:t>groupId</a:t>
-            </a:r>
-            <a:r>
-              <a:rPr lang="en-US" sz="1200" dirty="0"/>
-              <a:t>&gt; &lt;</a:t>
-            </a:r>
-            <a:r>
-              <a:rPr lang="en-US" sz="1200" dirty="0" err="1"/>
-              <a:t>artifactId</a:t>
-            </a:r>
-            <a:r>
-              <a:rPr lang="en-US" sz="1200" dirty="0"/>
-              <a:t>&gt;spring-boot-maven-plugin&lt;/</a:t>
-            </a:r>
-            <a:r>
-              <a:rPr lang="en-US" sz="1200" dirty="0" err="1"/>
-              <a:t>artifactId</a:t>
-            </a:r>
-            <a:r>
-              <a:rPr lang="en-US" sz="1200" dirty="0"/>
-              <a:t>&gt; </a:t>
-            </a:r>
-          </a:p>
-          <a:p>
-            <a:pPr marL="0" indent="0">
-              <a:buNone/>
-            </a:pPr>
-            <a:r>
-              <a:rPr lang="en-US" sz="1200" dirty="0"/>
-              <a:t>   &lt;/plugin&gt; </a:t>
-            </a:r>
-          </a:p>
-          <a:p>
-            <a:pPr marL="0" indent="0">
-              <a:buNone/>
-            </a:pPr>
-            <a:r>
-              <a:rPr lang="en-US" sz="1200" dirty="0"/>
-              <a:t>   &lt;/plugins&gt;</a:t>
-            </a:r>
-          </a:p>
-          <a:p>
-            <a:pPr marL="0" indent="0">
-              <a:buNone/>
-            </a:pPr>
-            <a:r>
-              <a:rPr lang="en-US" sz="1200" dirty="0"/>
-              <a:t> &lt;/build&gt;</a:t>
-            </a:r>
-          </a:p>
-          <a:p>
-            <a:pPr marL="0" indent="0">
-              <a:buNone/>
-            </a:pPr>
-            <a:endParaRPr lang="en-US" sz="1200" dirty="0"/>
+              <a:rPr lang="en-US" sz="1400" b="1" dirty="0"/>
+              <a:t>Step 2:</a:t>
+            </a:r>
+            <a:endParaRPr lang="en-US" sz="1400" dirty="0"/>
+          </a:p>
+          <a:p>
+            <a:r>
+              <a:rPr lang="en-US" sz="1400" dirty="0"/>
+              <a:t>Create a '</a:t>
+            </a:r>
+            <a:r>
+              <a:rPr lang="en-US" sz="1400" dirty="0" err="1"/>
+              <a:t>AuthenticationEntryPoint</a:t>
+            </a:r>
+            <a:r>
+              <a:rPr lang="en-US" sz="1400" dirty="0"/>
+              <a:t>' class.</a:t>
+            </a:r>
+          </a:p>
+          <a:p>
+            <a:pPr marL="0" indent="0">
+              <a:buNone/>
+            </a:pPr>
+            <a:r>
+              <a:rPr lang="en-US" sz="1000" dirty="0"/>
+              <a:t>@Component public class </a:t>
+            </a:r>
+            <a:r>
+              <a:rPr lang="en-US" sz="1000" dirty="0" err="1"/>
+              <a:t>AuthenticationEntryPoint</a:t>
+            </a:r>
+            <a:r>
+              <a:rPr lang="en-US" sz="1000" dirty="0"/>
+              <a:t> extends </a:t>
+            </a:r>
+            <a:r>
+              <a:rPr lang="en-US" sz="1000" dirty="0" err="1"/>
+              <a:t>BasicAuthenticationEntryPoint</a:t>
+            </a:r>
+            <a:r>
+              <a:rPr lang="en-US" sz="1000" dirty="0"/>
+              <a:t> </a:t>
+            </a:r>
+          </a:p>
+          <a:p>
+            <a:pPr marL="0" indent="0">
+              <a:buNone/>
+            </a:pPr>
+            <a:r>
+              <a:rPr lang="en-US" sz="1000" dirty="0"/>
+              <a:t>{ </a:t>
+            </a:r>
+          </a:p>
+          <a:p>
+            <a:pPr marL="0" indent="0">
+              <a:buNone/>
+            </a:pPr>
+            <a:r>
+              <a:rPr lang="en-US" sz="1000" dirty="0"/>
+              <a:t>@Override </a:t>
+            </a:r>
+          </a:p>
+          <a:p>
+            <a:pPr marL="0" indent="0">
+              <a:buNone/>
+            </a:pPr>
+            <a:r>
+              <a:rPr lang="en-US" sz="1000" dirty="0"/>
+              <a:t>public void commence(</a:t>
+            </a:r>
+            <a:r>
+              <a:rPr lang="en-US" sz="1000" dirty="0" err="1"/>
+              <a:t>HttpServletRequest</a:t>
+            </a:r>
+            <a:r>
+              <a:rPr lang="en-US" sz="1000" dirty="0"/>
+              <a:t> request, </a:t>
+            </a:r>
+            <a:r>
+              <a:rPr lang="en-US" sz="1000" dirty="0" err="1"/>
+              <a:t>HttpServletResponse</a:t>
+            </a:r>
+            <a:r>
+              <a:rPr lang="en-US" sz="1000" dirty="0"/>
+              <a:t> response, </a:t>
+            </a:r>
+            <a:r>
+              <a:rPr lang="en-US" sz="1000" dirty="0" err="1"/>
+              <a:t>AuthenticationException</a:t>
+            </a:r>
+            <a:r>
+              <a:rPr lang="en-US" sz="1000" dirty="0"/>
+              <a:t> </a:t>
+            </a:r>
+            <a:r>
+              <a:rPr lang="en-US" sz="1000" dirty="0" err="1"/>
+              <a:t>authEx</a:t>
+            </a:r>
+            <a:r>
+              <a:rPr lang="en-US" sz="1000" dirty="0"/>
+              <a:t>) throws </a:t>
+            </a:r>
+            <a:r>
+              <a:rPr lang="en-US" sz="1000" dirty="0" err="1"/>
+              <a:t>IOException</a:t>
+            </a:r>
+            <a:r>
+              <a:rPr lang="en-US" sz="1000" dirty="0"/>
+              <a:t>, </a:t>
+            </a:r>
+            <a:r>
+              <a:rPr lang="en-US" sz="1000" dirty="0" err="1"/>
+              <a:t>ServletException</a:t>
+            </a:r>
+            <a:endParaRPr lang="en-US" sz="1000" dirty="0"/>
+          </a:p>
+          <a:p>
+            <a:pPr marL="0" indent="0">
+              <a:buNone/>
+            </a:pPr>
+            <a:r>
+              <a:rPr lang="en-US" sz="1000" dirty="0"/>
+              <a:t> { </a:t>
+            </a:r>
+          </a:p>
+          <a:p>
+            <a:pPr marL="0" indent="0">
+              <a:buNone/>
+            </a:pPr>
+            <a:r>
+              <a:rPr lang="en-US" sz="1000" dirty="0"/>
+              <a:t>      </a:t>
+            </a:r>
+            <a:r>
+              <a:rPr lang="en-US" sz="1000" dirty="0" err="1"/>
+              <a:t>response.addHeader</a:t>
+            </a:r>
+            <a:r>
+              <a:rPr lang="en-US" sz="1000" dirty="0"/>
+              <a:t>("</a:t>
+            </a:r>
+            <a:r>
+              <a:rPr lang="en-US" sz="1000" dirty="0" err="1"/>
+              <a:t>LoginUser</a:t>
+            </a:r>
+            <a:r>
+              <a:rPr lang="en-US" sz="1000" dirty="0"/>
+              <a:t>", "Basic " +</a:t>
+            </a:r>
+            <a:r>
+              <a:rPr lang="en-US" sz="1000" dirty="0" err="1"/>
+              <a:t>getRealmName</a:t>
+            </a:r>
+            <a:r>
+              <a:rPr lang="en-US" sz="1000" dirty="0"/>
+              <a:t>()); </a:t>
+            </a:r>
+          </a:p>
+          <a:p>
+            <a:pPr marL="0" indent="0">
+              <a:buNone/>
+            </a:pPr>
+            <a:r>
+              <a:rPr lang="en-US" sz="1000" dirty="0"/>
+              <a:t>      </a:t>
+            </a:r>
+            <a:r>
+              <a:rPr lang="en-US" sz="1000" dirty="0" err="1"/>
+              <a:t>response.setStatus</a:t>
+            </a:r>
+            <a:r>
+              <a:rPr lang="en-US" sz="1000" dirty="0"/>
+              <a:t>(</a:t>
+            </a:r>
+            <a:r>
+              <a:rPr lang="en-US" sz="1000" dirty="0" err="1"/>
+              <a:t>HttpServletResponse.SC_UNAUTHORIZED</a:t>
+            </a:r>
+            <a:r>
+              <a:rPr lang="en-US" sz="1000" dirty="0"/>
+              <a:t>); </a:t>
+            </a:r>
+          </a:p>
+          <a:p>
+            <a:pPr marL="0" indent="0">
+              <a:buNone/>
+            </a:pPr>
+            <a:r>
+              <a:rPr lang="en-US" sz="1000" dirty="0"/>
+              <a:t>     </a:t>
+            </a:r>
+            <a:r>
+              <a:rPr lang="en-US" sz="1000" dirty="0" err="1"/>
+              <a:t>PrintWriter</a:t>
+            </a:r>
+            <a:r>
+              <a:rPr lang="en-US" sz="1000" dirty="0"/>
+              <a:t> writer = </a:t>
+            </a:r>
+            <a:r>
+              <a:rPr lang="en-US" sz="1000" dirty="0" err="1"/>
+              <a:t>response.getWriter</a:t>
+            </a:r>
+            <a:r>
+              <a:rPr lang="en-US" sz="1000" dirty="0"/>
+              <a:t>(); </a:t>
+            </a:r>
+          </a:p>
+          <a:p>
+            <a:pPr marL="0" indent="0">
+              <a:buNone/>
+            </a:pPr>
+            <a:r>
+              <a:rPr lang="en-US" sz="1000" dirty="0"/>
+              <a:t>     </a:t>
+            </a:r>
+            <a:r>
+              <a:rPr lang="en-US" sz="1000" dirty="0" err="1"/>
+              <a:t>writer.println</a:t>
+            </a:r>
+            <a:r>
+              <a:rPr lang="en-US" sz="1000" dirty="0"/>
+              <a:t>("HTTP Status 401 - " + </a:t>
+            </a:r>
+            <a:r>
+              <a:rPr lang="en-US" sz="1000" dirty="0" err="1"/>
+              <a:t>authEx.getMessage</a:t>
+            </a:r>
+            <a:r>
+              <a:rPr lang="en-US" sz="1000" dirty="0"/>
+              <a:t>()); </a:t>
+            </a:r>
+          </a:p>
+          <a:p>
+            <a:pPr marL="0" indent="0">
+              <a:buNone/>
+            </a:pPr>
+            <a:r>
+              <a:rPr lang="en-US" sz="1000" dirty="0"/>
+              <a:t>} </a:t>
+            </a:r>
+          </a:p>
+          <a:p>
+            <a:pPr marL="0" indent="0">
+              <a:buNone/>
+            </a:pPr>
+            <a:r>
+              <a:rPr lang="en-US" sz="1000" dirty="0"/>
+              <a:t>@Override </a:t>
+            </a:r>
+          </a:p>
+          <a:p>
+            <a:pPr marL="0" indent="0">
+              <a:buNone/>
+            </a:pPr>
+            <a:r>
+              <a:rPr lang="en-US" sz="1000" dirty="0"/>
+              <a:t>public void </a:t>
+            </a:r>
+            <a:r>
+              <a:rPr lang="en-US" sz="1000" dirty="0" err="1"/>
+              <a:t>afterPropertiesSet</a:t>
+            </a:r>
+            <a:r>
+              <a:rPr lang="en-US" sz="1000" dirty="0"/>
+              <a:t>() throws Exception</a:t>
+            </a:r>
+          </a:p>
+          <a:p>
+            <a:pPr marL="0" indent="0">
+              <a:buNone/>
+            </a:pPr>
+            <a:r>
+              <a:rPr lang="en-US" sz="1000" dirty="0"/>
+              <a:t> { </a:t>
+            </a:r>
+          </a:p>
+          <a:p>
+            <a:pPr marL="0" indent="0">
+              <a:buNone/>
+            </a:pPr>
+            <a:r>
+              <a:rPr lang="en-US" sz="1000" dirty="0"/>
+              <a:t>   </a:t>
+            </a:r>
+            <a:r>
+              <a:rPr lang="en-US" sz="1000" dirty="0" err="1"/>
+              <a:t>setRealmName</a:t>
+            </a:r>
+            <a:r>
+              <a:rPr lang="en-US" sz="1000" dirty="0"/>
+              <a:t>("</a:t>
+            </a:r>
+            <a:r>
+              <a:rPr lang="en-US" sz="1000" dirty="0" err="1"/>
+              <a:t>springboot</a:t>
+            </a:r>
+            <a:r>
+              <a:rPr lang="en-US" sz="1000" dirty="0"/>
+              <a:t>"); </a:t>
+            </a:r>
+          </a:p>
+          <a:p>
+            <a:pPr marL="0" indent="0">
+              <a:buNone/>
+            </a:pPr>
+            <a:r>
+              <a:rPr lang="en-US" sz="1000" dirty="0"/>
+              <a:t>    </a:t>
+            </a:r>
+            <a:r>
+              <a:rPr lang="en-US" sz="1000" dirty="0" err="1"/>
+              <a:t>super.afterPropertiesSet</a:t>
+            </a:r>
+            <a:r>
+              <a:rPr lang="en-US" sz="1000" dirty="0"/>
+              <a:t>(); } </a:t>
+            </a:r>
+          </a:p>
+          <a:p>
+            <a:pPr marL="0" indent="0">
+              <a:buNone/>
+            </a:pPr>
+            <a:r>
+              <a:rPr lang="en-US" sz="1000" dirty="0"/>
+              <a:t>}</a:t>
+            </a:r>
           </a:p>
         </p:txBody>
       </p:sp>
     </p:spTree>
     <p:extLst>
       <p:ext uri="{BB962C8B-B14F-4D97-AF65-F5344CB8AC3E}">
-        <p14:creationId xmlns:p14="http://schemas.microsoft.com/office/powerpoint/2010/main" val="67190615"/>
+        <p14:creationId xmlns:p14="http://schemas.microsoft.com/office/powerpoint/2010/main" val="3767340906"/>
       </p:ext>
     </p:extLst>
   </p:cSld>
@@ -4669,7 +4648,7 @@
           <p:cNvPr id="2" name="Title 1">
             <a:extLst>
               <a:ext uri="{FF2B5EF4-FFF2-40B4-BE49-F238E27FC236}">
-                <a16:creationId xmlns:a16="http://schemas.microsoft.com/office/drawing/2014/main" id="{4AFF5B05-F78D-7C4C-8603-C8AAAC93B065}"/>
+                <a16:creationId xmlns:a16="http://schemas.microsoft.com/office/drawing/2014/main" id="{68931E22-1913-9B4B-A1FA-37EAFD70EB0B}"/>
               </a:ext>
             </a:extLst>
           </p:cNvPr>
@@ -4680,14 +4659,19 @@
             <p:ph type="title"/>
           </p:nvPr>
         </p:nvSpPr>
-        <p:spPr/>
+        <p:spPr>
+          <a:xfrm>
+            <a:off x="838200" y="365126"/>
+            <a:ext cx="10515600" cy="703654"/>
+          </a:xfrm>
+        </p:spPr>
         <p:txBody>
           <a:bodyPr/>
           <a:lstStyle/>
           <a:p>
             <a:r>
               <a:rPr lang="en-US" dirty="0"/>
-              <a:t>Configuration</a:t>
+              <a:t>Building a Basic Authentication</a:t>
             </a:r>
           </a:p>
         </p:txBody>
@@ -4697,7 +4681,7 @@
           <p:cNvPr id="3" name="Content Placeholder 2">
             <a:extLst>
               <a:ext uri="{FF2B5EF4-FFF2-40B4-BE49-F238E27FC236}">
-                <a16:creationId xmlns:a16="http://schemas.microsoft.com/office/drawing/2014/main" id="{A3E62E3C-9C5C-E348-8E2E-B704E8856896}"/>
+                <a16:creationId xmlns:a16="http://schemas.microsoft.com/office/drawing/2014/main" id="{17142BA5-B8A0-9E40-A293-83FF9F5ADC7B}"/>
               </a:ext>
             </a:extLst>
           </p:cNvPr>
@@ -4708,98 +4692,318 @@
             <p:ph idx="1"/>
           </p:nvPr>
         </p:nvSpPr>
-        <p:spPr/>
-        <p:txBody>
-          <a:bodyPr/>
+        <p:spPr>
+          <a:xfrm>
+            <a:off x="838200" y="1068780"/>
+            <a:ext cx="10515600" cy="5108183"/>
+          </a:xfrm>
+        </p:spPr>
+        <p:txBody>
+          <a:bodyPr>
+            <a:normAutofit/>
+          </a:bodyPr>
           <a:lstStyle/>
           <a:p>
-            <a:pPr marL="0" indent="0">
-              <a:buNone/>
-            </a:pPr>
-            <a:r>
-              <a:rPr lang="en-US" sz="1200" dirty="0"/>
-              <a:t>Let us see how to load configuration data in Spring Boot.</a:t>
-            </a:r>
-          </a:p>
-          <a:p>
-            <a:pPr marL="0" indent="0">
-              <a:buNone/>
-            </a:pPr>
-            <a:r>
-              <a:rPr lang="en-US" sz="1200" dirty="0"/>
-              <a:t>Consider a sample property file </a:t>
+            <a:r>
+              <a:rPr lang="en-US" sz="1400" b="1" dirty="0"/>
+              <a:t>Step 3:</a:t>
+            </a:r>
+            <a:endParaRPr lang="en-US" sz="1400" dirty="0"/>
+          </a:p>
+          <a:p>
+            <a:pPr marL="0" indent="0">
+              <a:buNone/>
+            </a:pPr>
+            <a:r>
+              <a:rPr lang="en-US" sz="1400" dirty="0"/>
+              <a:t>Add a '</a:t>
+            </a:r>
+            <a:r>
+              <a:rPr lang="en-US" sz="1400" dirty="0" err="1"/>
+              <a:t>SpringSecurityConfig</a:t>
+            </a:r>
+            <a:r>
+              <a:rPr lang="en-US" sz="1400" dirty="0"/>
+              <a:t>' config class to configure authorization.</a:t>
+            </a:r>
+          </a:p>
+          <a:p>
+            <a:pPr marL="0" indent="0">
+              <a:buNone/>
+            </a:pPr>
+            <a:r>
+              <a:rPr lang="en-US" sz="1200" dirty="0"/>
+              <a:t>@Configuration </a:t>
+            </a:r>
+          </a:p>
+          <a:p>
+            <a:pPr marL="0" indent="0">
+              <a:buNone/>
+            </a:pPr>
+            <a:r>
+              <a:rPr lang="en-US" sz="1200" dirty="0"/>
+              <a:t>@</a:t>
             </a:r>
             <a:r>
               <a:rPr lang="en-US" sz="1200" dirty="0" err="1"/>
-              <a:t>application.properties</a:t>
-            </a:r>
-            <a:r>
-              <a:rPr lang="en-US" sz="1200" dirty="0"/>
-              <a:t> as below.</a:t>
-            </a:r>
-          </a:p>
-          <a:p>
-            <a:pPr marL="0" indent="0">
-              <a:buNone/>
-            </a:pPr>
-            <a:r>
-              <a:rPr lang="en-US" sz="1200" dirty="0"/>
-              <a:t>prefix.stringProp1=propValue1</a:t>
-            </a:r>
-          </a:p>
-          <a:p>
-            <a:pPr marL="0" indent="0">
-              <a:buNone/>
-            </a:pPr>
-            <a:r>
-              <a:rPr lang="en-US" sz="1200" dirty="0"/>
-              <a:t> prefix.stringProp2=propValue2</a:t>
-            </a:r>
-          </a:p>
-          <a:p>
-            <a:pPr marL="0" indent="0">
-              <a:buNone/>
-            </a:pPr>
-            <a:r>
-              <a:rPr lang="en-US" sz="1200" dirty="0"/>
-              <a:t> prefix.intProp1=10 </a:t>
-            </a:r>
-          </a:p>
-          <a:p>
-            <a:pPr marL="0" indent="0">
-              <a:buNone/>
-            </a:pPr>
+              <a:t>EnableWebSecurity</a:t>
+            </a:r>
+            <a:r>
+              <a:rPr lang="en-US" sz="1200" dirty="0"/>
+              <a:t> </a:t>
+            </a:r>
+          </a:p>
+          <a:p>
+            <a:pPr marL="0" indent="0">
+              <a:buNone/>
+            </a:pPr>
+            <a:r>
+              <a:rPr lang="en-US" sz="1200" dirty="0"/>
+              <a:t>public class </a:t>
+            </a:r>
             <a:r>
               <a:rPr lang="en-US" sz="1200" dirty="0" err="1"/>
-              <a:t>prefix.listProp</a:t>
-            </a:r>
-            <a:r>
-              <a:rPr lang="en-US" sz="1200" dirty="0"/>
-              <a:t>[0]=listValue1</a:t>
-            </a:r>
-          </a:p>
-          <a:p>
-            <a:pPr marL="0" indent="0">
-              <a:buNone/>
-            </a:pPr>
-            <a:r>
-              <a:rPr lang="en-US" sz="1200" dirty="0"/>
-              <a:t> prefix.mapProp.key1=mapValue1</a:t>
-            </a:r>
-          </a:p>
-          <a:p>
-            <a:pPr marL="0" indent="0">
-              <a:buNone/>
-            </a:pPr>
-            <a:endParaRPr lang="en-US" sz="1200" dirty="0"/>
-          </a:p>
-          <a:p>
-            <a:pPr marL="0" indent="0">
-              <a:buNone/>
-            </a:pPr>
-            <a:r>
-              <a:rPr lang="en-US" sz="1200" dirty="0"/>
-              <a:t>The way Spring boot carries is to define a bean that can contain all the families of related properties.</a:t>
+              <a:t>SpringSecurityConfig</a:t>
+            </a:r>
+            <a:r>
+              <a:rPr lang="en-US" sz="1200" dirty="0"/>
+              <a:t> extends </a:t>
+            </a:r>
+            <a:r>
+              <a:rPr lang="en-US" sz="1200" dirty="0" err="1"/>
+              <a:t>WebSecurityConfigurerAdapter</a:t>
+            </a:r>
+            <a:r>
+              <a:rPr lang="en-US" sz="1200" dirty="0"/>
+              <a:t> </a:t>
+            </a:r>
+          </a:p>
+          <a:p>
+            <a:pPr marL="0" indent="0">
+              <a:buNone/>
+            </a:pPr>
+            <a:r>
+              <a:rPr lang="en-US" sz="1200" dirty="0"/>
+              <a:t>{ </a:t>
+            </a:r>
+          </a:p>
+          <a:p>
+            <a:pPr marL="0" indent="0">
+              <a:buNone/>
+            </a:pPr>
+            <a:r>
+              <a:rPr lang="en-US" sz="1200" dirty="0"/>
+              <a:t>@</a:t>
+            </a:r>
+            <a:r>
+              <a:rPr lang="en-US" sz="1200" dirty="0" err="1"/>
+              <a:t>Autowired</a:t>
+            </a:r>
+            <a:r>
+              <a:rPr lang="en-US" sz="1200" dirty="0"/>
+              <a:t> private </a:t>
+            </a:r>
+            <a:r>
+              <a:rPr lang="en-US" sz="1200" dirty="0" err="1"/>
+              <a:t>AuthenticationEntryPoint</a:t>
+            </a:r>
+            <a:r>
+              <a:rPr lang="en-US" sz="1200" dirty="0"/>
+              <a:t> </a:t>
+            </a:r>
+            <a:r>
+              <a:rPr lang="en-US" sz="1200" dirty="0" err="1"/>
+              <a:t>authEntryPoint</a:t>
+            </a:r>
+            <a:r>
+              <a:rPr lang="en-US" sz="1200" dirty="0"/>
+              <a:t>; </a:t>
+            </a:r>
+          </a:p>
+          <a:p>
+            <a:pPr marL="0" indent="0">
+              <a:buNone/>
+            </a:pPr>
+            <a:r>
+              <a:rPr lang="en-US" sz="1200" dirty="0"/>
+              <a:t>@Override </a:t>
+            </a:r>
+          </a:p>
+          <a:p>
+            <a:pPr marL="0" indent="0">
+              <a:buNone/>
+            </a:pPr>
+            <a:r>
+              <a:rPr lang="en-US" sz="1200" dirty="0"/>
+              <a:t>protected void configure(</a:t>
+            </a:r>
+            <a:r>
+              <a:rPr lang="en-US" sz="1200" dirty="0" err="1"/>
+              <a:t>HttpSecurity</a:t>
+            </a:r>
+            <a:r>
+              <a:rPr lang="en-US" sz="1200" dirty="0"/>
+              <a:t> http) throws Exception</a:t>
+            </a:r>
+          </a:p>
+          <a:p>
+            <a:pPr marL="0" indent="0">
+              <a:buNone/>
+            </a:pPr>
+            <a:r>
+              <a:rPr lang="en-US" sz="1200" dirty="0"/>
+              <a:t> { </a:t>
+            </a:r>
+          </a:p>
+          <a:p>
+            <a:pPr marL="0" indent="0">
+              <a:buNone/>
+            </a:pPr>
+            <a:r>
+              <a:rPr lang="en-US" sz="1200" dirty="0" err="1"/>
+              <a:t>http.csrf</a:t>
+            </a:r>
+            <a:r>
+              <a:rPr lang="en-US" sz="1200" dirty="0"/>
+              <a:t>().disable().</a:t>
+            </a:r>
+            <a:r>
+              <a:rPr lang="en-US" sz="1200" dirty="0" err="1"/>
+              <a:t>authorizeRequests</a:t>
+            </a:r>
+            <a:r>
+              <a:rPr lang="en-US" sz="1200" dirty="0"/>
+              <a:t>() .</a:t>
+            </a:r>
+            <a:r>
+              <a:rPr lang="en-US" sz="1200" dirty="0" err="1"/>
+              <a:t>anyRequest</a:t>
+            </a:r>
+            <a:r>
+              <a:rPr lang="en-US" sz="1200" dirty="0"/>
+              <a:t>().authenticated() .and().</a:t>
+            </a:r>
+            <a:r>
+              <a:rPr lang="en-US" sz="1200" dirty="0" err="1"/>
+              <a:t>httpBasic</a:t>
+            </a:r>
+            <a:r>
+              <a:rPr lang="en-US" sz="1200" dirty="0"/>
+              <a:t>() .</a:t>
+            </a:r>
+            <a:r>
+              <a:rPr lang="en-US" sz="1200" dirty="0" err="1"/>
+              <a:t>authenticationEntryPoint</a:t>
+            </a:r>
+            <a:r>
+              <a:rPr lang="en-US" sz="1200" dirty="0"/>
+              <a:t>(</a:t>
+            </a:r>
+            <a:r>
+              <a:rPr lang="en-US" sz="1200" dirty="0" err="1"/>
+              <a:t>authEntryPoint</a:t>
+            </a:r>
+            <a:r>
+              <a:rPr lang="en-US" sz="1200" dirty="0"/>
+              <a:t>); </a:t>
+            </a:r>
+          </a:p>
+          <a:p>
+            <a:pPr marL="0" indent="0">
+              <a:buNone/>
+            </a:pPr>
+            <a:r>
+              <a:rPr lang="en-US" sz="1200" dirty="0"/>
+              <a:t>} </a:t>
+            </a:r>
+          </a:p>
+          <a:p>
+            <a:pPr marL="0" indent="0">
+              <a:buNone/>
+            </a:pPr>
+            <a:r>
+              <a:rPr lang="en-US" sz="1200" dirty="0"/>
+              <a:t>@</a:t>
+            </a:r>
+            <a:r>
+              <a:rPr lang="en-US" sz="1200" dirty="0" err="1"/>
+              <a:t>Autowired</a:t>
+            </a:r>
+            <a:r>
+              <a:rPr lang="en-US" sz="1200" dirty="0"/>
+              <a:t> </a:t>
+            </a:r>
+          </a:p>
+          <a:p>
+            <a:pPr marL="0" indent="0">
+              <a:buNone/>
+            </a:pPr>
+            <a:r>
+              <a:rPr lang="en-US" sz="1200" dirty="0"/>
+              <a:t>public void </a:t>
+            </a:r>
+            <a:r>
+              <a:rPr lang="en-US" sz="1200" dirty="0" err="1"/>
+              <a:t>configureGlobal</a:t>
+            </a:r>
+            <a:r>
+              <a:rPr lang="en-US" sz="1200" dirty="0"/>
+              <a:t>(</a:t>
+            </a:r>
+            <a:r>
+              <a:rPr lang="en-US" sz="1200" dirty="0" err="1"/>
+              <a:t>AuthenticationManagerBuilder</a:t>
+            </a:r>
+            <a:r>
+              <a:rPr lang="en-US" sz="1200" dirty="0"/>
+              <a:t> </a:t>
+            </a:r>
+            <a:r>
+              <a:rPr lang="en-US" sz="1200" dirty="0" err="1"/>
+              <a:t>auth</a:t>
+            </a:r>
+            <a:r>
+              <a:rPr lang="en-US" sz="1200" dirty="0"/>
+              <a:t>) throws Exception </a:t>
+            </a:r>
+          </a:p>
+          <a:p>
+            <a:pPr marL="0" indent="0">
+              <a:buNone/>
+            </a:pPr>
+            <a:r>
+              <a:rPr lang="en-US" sz="1200" dirty="0"/>
+              <a:t>{ </a:t>
+            </a:r>
+          </a:p>
+          <a:p>
+            <a:pPr marL="0" indent="0">
+              <a:buNone/>
+            </a:pPr>
+            <a:r>
+              <a:rPr lang="en-US" sz="1200" dirty="0" err="1"/>
+              <a:t>auth.inMemoryAuthentication</a:t>
+            </a:r>
+            <a:r>
+              <a:rPr lang="en-US" sz="1200" dirty="0"/>
+              <a:t>().</a:t>
+            </a:r>
+            <a:r>
+              <a:rPr lang="en-US" sz="1200" dirty="0" err="1"/>
+              <a:t>withUser</a:t>
+            </a:r>
+            <a:r>
+              <a:rPr lang="en-US" sz="1200" dirty="0"/>
+              <a:t>("username").password("password").roles("USER"); } </a:t>
+            </a:r>
+          </a:p>
+          <a:p>
+            <a:pPr marL="0" indent="0">
+              <a:buNone/>
+            </a:pPr>
+            <a:r>
+              <a:rPr lang="en-US" sz="1200" dirty="0"/>
+              <a:t>}</a:t>
             </a:r>
           </a:p>
         </p:txBody>
@@ -4807,7 +5011,7 @@
     </p:spTree>
     <p:extLst>
       <p:ext uri="{BB962C8B-B14F-4D97-AF65-F5344CB8AC3E}">
-        <p14:creationId xmlns:p14="http://schemas.microsoft.com/office/powerpoint/2010/main" val="3881674516"/>
+        <p14:creationId xmlns:p14="http://schemas.microsoft.com/office/powerpoint/2010/main" val="667879654"/>
       </p:ext>
     </p:extLst>
   </p:cSld>
@@ -4836,257 +5040,170 @@
       </p:grpSpPr>
       <p:sp>
         <p:nvSpPr>
-          <p:cNvPr id="3" name="Content Placeholder 2">
-            <a:extLst>
-              <a:ext uri="{FF2B5EF4-FFF2-40B4-BE49-F238E27FC236}">
-                <a16:creationId xmlns:a16="http://schemas.microsoft.com/office/drawing/2014/main" id="{3D5FEA45-B214-5542-BF50-416361491A74}"/>
-              </a:ext>
-            </a:extLst>
-          </p:cNvPr>
-          <p:cNvSpPr>
-            <a:spLocks noGrp="1"/>
-          </p:cNvSpPr>
-          <p:nvPr>
-            <p:ph idx="1"/>
+          <p:cNvPr id="2" name="Title 1">
+            <a:extLst>
+              <a:ext uri="{FF2B5EF4-FFF2-40B4-BE49-F238E27FC236}">
+                <a16:creationId xmlns:a16="http://schemas.microsoft.com/office/drawing/2014/main" id="{56CF3A09-EAFA-5742-BC81-242213F3B7EF}"/>
+              </a:ext>
+            </a:extLst>
+          </p:cNvPr>
+          <p:cNvSpPr>
+            <a:spLocks noGrp="1"/>
+          </p:cNvSpPr>
+          <p:nvPr>
+            <p:ph type="title"/>
           </p:nvPr>
         </p:nvSpPr>
         <p:spPr>
           <a:xfrm>
-            <a:off x="838200" y="510639"/>
-            <a:ext cx="10515600" cy="5666324"/>
+            <a:off x="838200" y="365126"/>
+            <a:ext cx="10515600" cy="668028"/>
           </a:xfrm>
         </p:spPr>
         <p:txBody>
           <a:bodyPr>
-            <a:normAutofit lnSpcReduction="10000"/>
+            <a:normAutofit/>
           </a:bodyPr>
           <a:lstStyle/>
           <a:p>
-            <a:pPr marL="0" indent="0">
-              <a:buNone/>
-            </a:pPr>
-            <a:r>
-              <a:rPr lang="en-US" sz="1400" dirty="0"/>
-              <a:t>Configurations:</a:t>
-            </a:r>
-          </a:p>
-          <a:p>
-            <a:pPr marL="0" indent="0">
-              <a:buNone/>
-            </a:pPr>
-            <a:r>
-              <a:rPr lang="en-US" sz="1200" dirty="0"/>
-              <a:t>Let us see how to load configuration data in Spring Boot.</a:t>
-            </a:r>
-          </a:p>
-          <a:p>
-            <a:pPr marL="0" indent="0">
-              <a:buNone/>
-            </a:pPr>
-            <a:r>
-              <a:rPr lang="en-US" sz="1200" dirty="0"/>
-              <a:t>Consider a sample property file </a:t>
+            <a:r>
+              <a:rPr lang="en-US" sz="2000" dirty="0"/>
+              <a:t>Using Spring Boot Maven Plugin</a:t>
+            </a:r>
+          </a:p>
+        </p:txBody>
+      </p:sp>
+      <p:sp>
+        <p:nvSpPr>
+          <p:cNvPr id="3" name="Content Placeholder 2">
+            <a:extLst>
+              <a:ext uri="{FF2B5EF4-FFF2-40B4-BE49-F238E27FC236}">
+                <a16:creationId xmlns:a16="http://schemas.microsoft.com/office/drawing/2014/main" id="{04DA8374-9C34-FC45-8A47-8BB20CFFA1E4}"/>
+              </a:ext>
+            </a:extLst>
+          </p:cNvPr>
+          <p:cNvSpPr>
+            <a:spLocks noGrp="1"/>
+          </p:cNvSpPr>
+          <p:nvPr>
+            <p:ph idx="1"/>
+          </p:nvPr>
+        </p:nvSpPr>
+        <p:spPr>
+          <a:xfrm>
+            <a:off x="838200" y="819397"/>
+            <a:ext cx="10515600" cy="5357566"/>
+          </a:xfrm>
+        </p:spPr>
+        <p:txBody>
+          <a:bodyPr>
+            <a:normAutofit/>
+          </a:bodyPr>
+          <a:lstStyle/>
+          <a:p>
+            <a:r>
+              <a:rPr lang="en-US" sz="1200" dirty="0"/>
+              <a:t>Spring Boot adds a Maven plugin that packages the project as an executable jar.</a:t>
+            </a:r>
+          </a:p>
+          <a:p>
+            <a:r>
+              <a:rPr lang="en-US" sz="1200" dirty="0"/>
+              <a:t>Add the plugin to &lt;plugins&gt; section, if you wish to use it.</a:t>
+            </a:r>
+          </a:p>
+          <a:p>
+            <a:pPr marL="0" indent="0">
+              <a:buNone/>
+            </a:pPr>
+            <a:r>
+              <a:rPr lang="en-US" sz="1200" dirty="0"/>
+              <a:t>&lt;build&gt; </a:t>
+            </a:r>
+          </a:p>
+          <a:p>
+            <a:pPr marL="0" indent="0">
+              <a:buNone/>
+            </a:pPr>
+            <a:r>
+              <a:rPr lang="en-US" sz="1200" dirty="0"/>
+              <a:t>   &lt;plugins&gt;</a:t>
+            </a:r>
+          </a:p>
+          <a:p>
+            <a:pPr marL="0" indent="0">
+              <a:buNone/>
+            </a:pPr>
+            <a:r>
+              <a:rPr lang="en-US" sz="1200" dirty="0"/>
+              <a:t>         &lt;plugin&gt; &lt;</a:t>
             </a:r>
             <a:r>
               <a:rPr lang="en-US" sz="1200" dirty="0" err="1"/>
-              <a:t>application.properties</a:t>
-            </a:r>
-            <a:r>
-              <a:rPr lang="en-US" sz="1200" dirty="0"/>
-              <a:t> as below.</a:t>
-            </a:r>
-          </a:p>
-          <a:p>
-            <a:pPr marL="0" indent="0">
-              <a:buNone/>
-            </a:pPr>
-            <a:r>
-              <a:rPr lang="en-US" sz="1200" dirty="0"/>
-              <a:t>prefix.stringProp1=propValue1</a:t>
-            </a:r>
-          </a:p>
-          <a:p>
-            <a:pPr marL="0" indent="0">
-              <a:buNone/>
-            </a:pPr>
-            <a:r>
-              <a:rPr lang="en-US" sz="1200" dirty="0"/>
-              <a:t> prefix.stringProp2=propValue2</a:t>
-            </a:r>
-          </a:p>
-          <a:p>
-            <a:pPr marL="0" indent="0">
-              <a:buNone/>
-            </a:pPr>
-            <a:r>
-              <a:rPr lang="en-US" sz="1200" dirty="0"/>
-              <a:t> prefix.intProp1=10 </a:t>
-            </a:r>
-          </a:p>
-          <a:p>
-            <a:pPr marL="0" indent="0">
-              <a:buNone/>
-            </a:pPr>
+              <a:t>groupId</a:t>
+            </a:r>
+            <a:r>
+              <a:rPr lang="en-US" sz="1200" dirty="0"/>
+              <a:t>&gt;</a:t>
+            </a:r>
             <a:r>
               <a:rPr lang="en-US" sz="1200" dirty="0" err="1"/>
-              <a:t>prefix.listProp</a:t>
-            </a:r>
-            <a:r>
-              <a:rPr lang="en-US" sz="1200" dirty="0"/>
-              <a:t>[0]=listValue1</a:t>
-            </a:r>
-          </a:p>
-          <a:p>
-            <a:pPr marL="0" indent="0">
-              <a:buNone/>
-            </a:pPr>
-            <a:r>
-              <a:rPr lang="en-US" sz="1200" dirty="0"/>
-              <a:t> prefix.mapProp.key1=mapValue1</a:t>
-            </a:r>
-          </a:p>
-          <a:p>
-            <a:pPr marL="0" indent="0">
-              <a:buNone/>
-            </a:pPr>
-            <a:endParaRPr lang="en-US" sz="1200" dirty="0"/>
-          </a:p>
-          <a:p>
-            <a:pPr marL="0" indent="0">
-              <a:buNone/>
-            </a:pPr>
-            <a:r>
-              <a:rPr lang="en-US" sz="1200" dirty="0"/>
-              <a:t>The way Spring boot carries is to define a bean that can contain all the families of related properties.</a:t>
-            </a:r>
-          </a:p>
-          <a:p>
-            <a:pPr marL="0" indent="0">
-              <a:buNone/>
-            </a:pPr>
-            <a:endParaRPr lang="en-US" sz="1200" dirty="0"/>
-          </a:p>
-          <a:p>
-            <a:pPr marL="0" indent="0">
-              <a:buNone/>
-            </a:pPr>
-            <a:r>
-              <a:rPr lang="en-US" sz="1200" dirty="0"/>
-              <a:t>@</a:t>
+              <a:t>org.springframework.boot</a:t>
+            </a:r>
+            <a:r>
+              <a:rPr lang="en-US" sz="1200" dirty="0"/>
+              <a:t>&lt;/</a:t>
             </a:r>
             <a:r>
               <a:rPr lang="en-US" sz="1200" dirty="0" err="1"/>
-              <a:t>ConfigurationProperties</a:t>
-            </a:r>
-            <a:r>
-              <a:rPr lang="en-US" sz="1200" dirty="0"/>
-              <a:t>(prefix = "prefix") </a:t>
-            </a:r>
-          </a:p>
-          <a:p>
-            <a:pPr marL="0" indent="0">
-              <a:buNone/>
-            </a:pPr>
-            <a:r>
-              <a:rPr lang="en-US" sz="1200" dirty="0"/>
-              <a:t>@Component </a:t>
-            </a:r>
-          </a:p>
-          <a:p>
-            <a:pPr marL="0" indent="0">
-              <a:buNone/>
-            </a:pPr>
-            <a:r>
-              <a:rPr lang="en-US" sz="1200" dirty="0"/>
-              <a:t>public class </a:t>
+              <a:t>groupId</a:t>
+            </a:r>
+            <a:r>
+              <a:rPr lang="en-US" sz="1200" dirty="0"/>
+              <a:t>&gt; &lt;</a:t>
             </a:r>
             <a:r>
               <a:rPr lang="en-US" sz="1200" dirty="0" err="1"/>
-              <a:t>SampleProperty</a:t>
-            </a:r>
-            <a:r>
-              <a:rPr lang="en-US" sz="1200" dirty="0"/>
-              <a:t> { </a:t>
-            </a:r>
-          </a:p>
-          <a:p>
-            <a:pPr marL="0" indent="0">
-              <a:buNone/>
-            </a:pPr>
-            <a:r>
-              <a:rPr lang="en-US" sz="1200" dirty="0"/>
-              <a:t>private String stringProp1; </a:t>
-            </a:r>
-          </a:p>
-          <a:p>
-            <a:pPr marL="0" indent="0">
-              <a:buNone/>
-            </a:pPr>
-            <a:r>
-              <a:rPr lang="en-US" sz="1200" dirty="0"/>
-              <a:t>private String stringProp2; </a:t>
-            </a:r>
-          </a:p>
-          <a:p>
-            <a:pPr marL="0" indent="0">
-              <a:buNone/>
-            </a:pPr>
-            <a:r>
-              <a:rPr lang="en-US" sz="1200" dirty="0"/>
-              <a:t>@Max(99) @Min(0) private Integer intProp1; </a:t>
-            </a:r>
-          </a:p>
-          <a:p>
-            <a:pPr marL="0" indent="0">
-              <a:buNone/>
-            </a:pPr>
-            <a:r>
-              <a:rPr lang="en-US" sz="1200" dirty="0"/>
-              <a:t>private List&lt;String&gt; </a:t>
+              <a:t>artifactId</a:t>
+            </a:r>
+            <a:r>
+              <a:rPr lang="en-US" sz="1200" dirty="0"/>
+              <a:t>&gt;spring-boot-maven-plugin&lt;/</a:t>
             </a:r>
             <a:r>
               <a:rPr lang="en-US" sz="1200" dirty="0" err="1"/>
-              <a:t>listProp</a:t>
-            </a:r>
-            <a:r>
-              <a:rPr lang="en-US" sz="1200" dirty="0"/>
-              <a:t>; </a:t>
-            </a:r>
-          </a:p>
-          <a:p>
-            <a:pPr marL="0" indent="0">
-              <a:buNone/>
-            </a:pPr>
-            <a:r>
-              <a:rPr lang="en-US" sz="1200" dirty="0"/>
-              <a:t>private Map&lt;String, String&gt; </a:t>
-            </a:r>
-            <a:r>
-              <a:rPr lang="en-US" sz="1200" dirty="0" err="1"/>
-              <a:t>mapProp</a:t>
-            </a:r>
-            <a:r>
-              <a:rPr lang="en-US" sz="1200" dirty="0"/>
-              <a:t>;</a:t>
-            </a:r>
-          </a:p>
-          <a:p>
-            <a:pPr marL="0" indent="0">
-              <a:buNone/>
-            </a:pPr>
-            <a:r>
-              <a:rPr lang="en-US" sz="1200" dirty="0"/>
-              <a:t> ... At run time, all the fields will be bound to related properties. </a:t>
-            </a:r>
-            <a:r>
-              <a:rPr lang="en-US" sz="1200" dirty="0">
-                <a:hlinkClick r:id="rId2"/>
-              </a:rPr>
-              <a:t>Click Here</a:t>
-            </a:r>
-            <a:r>
-              <a:rPr lang="en-US" sz="1200" dirty="0"/>
-              <a:t> to view the list of common Application properties that Spring offers.</a:t>
+              <a:t>artifactId</a:t>
+            </a:r>
+            <a:r>
+              <a:rPr lang="en-US" sz="1200" dirty="0"/>
+              <a:t>&gt; </a:t>
+            </a:r>
+          </a:p>
+          <a:p>
+            <a:pPr marL="0" indent="0">
+              <a:buNone/>
+            </a:pPr>
+            <a:r>
+              <a:rPr lang="en-US" sz="1200" dirty="0"/>
+              <a:t>   &lt;/plugin&gt; </a:t>
+            </a:r>
+          </a:p>
+          <a:p>
+            <a:pPr marL="0" indent="0">
+              <a:buNone/>
+            </a:pPr>
+            <a:r>
+              <a:rPr lang="en-US" sz="1200" dirty="0"/>
+              <a:t>   &lt;/plugins&gt;</a:t>
+            </a:r>
+          </a:p>
+          <a:p>
+            <a:pPr marL="0" indent="0">
+              <a:buNone/>
+            </a:pPr>
+            <a:r>
+              <a:rPr lang="en-US" sz="1200" dirty="0"/>
+              <a:t> &lt;/build&gt;</a:t>
             </a:r>
           </a:p>
           <a:p>
@@ -5100,7 +5217,7 @@
     </p:spTree>
     <p:extLst>
       <p:ext uri="{BB962C8B-B14F-4D97-AF65-F5344CB8AC3E}">
-        <p14:creationId xmlns:p14="http://schemas.microsoft.com/office/powerpoint/2010/main" val="4109885755"/>
+        <p14:creationId xmlns:p14="http://schemas.microsoft.com/office/powerpoint/2010/main" val="67190615"/>
       </p:ext>
     </p:extLst>
   </p:cSld>
@@ -5132,7 +5249,7 @@
           <p:cNvPr id="2" name="Title 1">
             <a:extLst>
               <a:ext uri="{FF2B5EF4-FFF2-40B4-BE49-F238E27FC236}">
-                <a16:creationId xmlns:a16="http://schemas.microsoft.com/office/drawing/2014/main" id="{D1AC07A3-69B3-D745-B29E-8C418EF3A79A}"/>
+                <a16:creationId xmlns:a16="http://schemas.microsoft.com/office/drawing/2014/main" id="{4AFF5B05-F78D-7C4C-8603-C8AAAC93B065}"/>
               </a:ext>
             </a:extLst>
           </p:cNvPr>
@@ -5150,7 +5267,7 @@
           <a:p>
             <a:r>
               <a:rPr lang="en-US" dirty="0"/>
-              <a:t>Why Auto Configuration?</a:t>
+              <a:t>Configuration</a:t>
             </a:r>
           </a:p>
         </p:txBody>
@@ -5160,7 +5277,7 @@
           <p:cNvPr id="3" name="Content Placeholder 2">
             <a:extLst>
               <a:ext uri="{FF2B5EF4-FFF2-40B4-BE49-F238E27FC236}">
-                <a16:creationId xmlns:a16="http://schemas.microsoft.com/office/drawing/2014/main" id="{6BD3A15A-A50D-FB4C-A224-B399ABCB4A0C}"/>
+                <a16:creationId xmlns:a16="http://schemas.microsoft.com/office/drawing/2014/main" id="{A3E62E3C-9C5C-E348-8E2E-B704E8856896}"/>
               </a:ext>
             </a:extLst>
           </p:cNvPr>
@@ -5171,145 +5288,83 @@
             <p:ph idx="1"/>
           </p:nvPr>
         </p:nvSpPr>
-        <p:spPr>
-          <a:xfrm>
-            <a:off x="838200" y="1690688"/>
-            <a:ext cx="10515600" cy="5018870"/>
-          </a:xfrm>
-        </p:spPr>
-        <p:txBody>
-          <a:bodyPr>
-            <a:normAutofit/>
-          </a:bodyPr>
+        <p:spPr/>
+        <p:txBody>
+          <a:bodyPr/>
           <a:lstStyle/>
           <a:p>
             <a:pPr marL="0" indent="0">
               <a:buNone/>
             </a:pPr>
             <a:r>
-              <a:rPr lang="en-US" sz="1400" dirty="0"/>
-              <a:t>Spring based applications have a lot of configurations to be added.</a:t>
-            </a:r>
-          </a:p>
-          <a:p>
-            <a:pPr marL="0" indent="0">
-              <a:buNone/>
-            </a:pPr>
-            <a:r>
-              <a:rPr lang="en-US" sz="1400" dirty="0"/>
-              <a:t>For example,</a:t>
-            </a:r>
-          </a:p>
-          <a:p>
-            <a:r>
-              <a:rPr lang="en-US" sz="1400" b="1" dirty="0"/>
-              <a:t>To use Spring MVC</a:t>
-            </a:r>
-            <a:r>
-              <a:rPr lang="en-US" sz="1400" dirty="0"/>
-              <a:t>, we have to configure a component scan, the dispatcher servlet, a view resolver, web JARs (for delivering static content) and so on.</a:t>
-            </a:r>
-          </a:p>
-          <a:p>
-            <a:r>
-              <a:rPr lang="en-US" sz="1400" b="1" dirty="0"/>
-              <a:t>To use Hibernate/JPA</a:t>
-            </a:r>
-            <a:r>
-              <a:rPr lang="en-US" sz="1400" dirty="0"/>
-              <a:t>, we would have to configure a data source, a transaction manager, an entity manager factory, etc.</a:t>
-            </a:r>
-          </a:p>
-          <a:p>
-            <a:pPr marL="0" indent="0">
-              <a:buNone/>
-            </a:pPr>
-            <a:r>
-              <a:rPr lang="en-US" sz="1400" dirty="0"/>
-              <a:t>This brings in a huge overhead to the developers working on a complex application.</a:t>
-            </a:r>
-          </a:p>
-          <a:p>
-            <a:pPr marL="0" indent="0">
-              <a:buNone/>
-            </a:pPr>
-            <a:r>
-              <a:rPr lang="en-US" sz="1600" b="1" dirty="0"/>
-              <a:t>Spring Boot Auto Configuration</a:t>
-            </a:r>
-          </a:p>
-          <a:p>
-            <a:pPr marL="0" indent="0">
-              <a:buNone/>
-            </a:pPr>
-            <a:r>
-              <a:rPr lang="en-US" sz="1300" dirty="0"/>
-              <a:t>Spring Boot introduces a new thought process with this.</a:t>
-            </a:r>
-          </a:p>
-          <a:p>
-            <a:pPr marL="0" indent="0">
-              <a:buNone/>
-            </a:pPr>
-            <a:r>
-              <a:rPr lang="en-US" sz="1300" dirty="0"/>
-              <a:t>How about auto configuring a Data Source if a Hibernate JAR is on the </a:t>
-            </a:r>
-            <a:r>
-              <a:rPr lang="en-US" sz="1300" dirty="0" err="1"/>
-              <a:t>classpath</a:t>
-            </a:r>
-            <a:r>
-              <a:rPr lang="en-US" sz="1300" dirty="0"/>
-              <a:t> and auto configuring any Dispatcher Servlet if a Spring MVC JAR is on the </a:t>
-            </a:r>
-            <a:r>
-              <a:rPr lang="en-US" sz="1300" dirty="0" err="1"/>
-              <a:t>classpath</a:t>
-            </a:r>
-            <a:r>
-              <a:rPr lang="en-US" sz="1300" dirty="0"/>
-              <a:t>?</a:t>
-            </a:r>
-          </a:p>
-          <a:p>
-            <a:pPr marL="0" indent="0">
-              <a:buNone/>
-            </a:pPr>
-            <a:r>
-              <a:rPr lang="en-US" sz="1300" dirty="0"/>
-              <a:t>Spring Boot looks at</a:t>
-            </a:r>
-          </a:p>
-          <a:p>
-            <a:r>
-              <a:rPr lang="en-US" sz="1300" dirty="0"/>
-              <a:t>a) </a:t>
-            </a:r>
-            <a:r>
-              <a:rPr lang="en-US" sz="1300" b="1" dirty="0"/>
-              <a:t>Frameworks available on the CLASSPATH</a:t>
-            </a:r>
-            <a:endParaRPr lang="en-US" sz="1300" dirty="0"/>
-          </a:p>
-          <a:p>
-            <a:r>
-              <a:rPr lang="en-US" sz="1300" dirty="0"/>
-              <a:t>b) </a:t>
-            </a:r>
-            <a:r>
-              <a:rPr lang="en-US" sz="1300" b="1" dirty="0"/>
-              <a:t>Existing configuration for the application</a:t>
-            </a:r>
-            <a:endParaRPr lang="en-US" sz="1300" dirty="0"/>
-          </a:p>
-          <a:p>
-            <a:pPr marL="0" indent="0">
-              <a:buNone/>
-            </a:pPr>
-            <a:r>
-              <a:rPr lang="en-US" sz="1300" dirty="0"/>
-              <a:t>Based on these, Spring Boot offers basic configuration needed to configure the application with these frameworks.</a:t>
+              <a:rPr lang="en-US" sz="1200" dirty="0"/>
+              <a:t>Let us see how to load configuration data in Spring Boot.</a:t>
+            </a:r>
+          </a:p>
+          <a:p>
+            <a:pPr marL="0" indent="0">
+              <a:buNone/>
+            </a:pPr>
+            <a:r>
+              <a:rPr lang="en-US" sz="1200" dirty="0"/>
+              <a:t>Consider a sample property file </a:t>
+            </a:r>
+            <a:r>
+              <a:rPr lang="en-US" sz="1200" dirty="0" err="1"/>
+              <a:t>application.properties</a:t>
+            </a:r>
+            <a:r>
+              <a:rPr lang="en-US" sz="1200" dirty="0"/>
+              <a:t> as below.</a:t>
+            </a:r>
+          </a:p>
+          <a:p>
+            <a:pPr marL="0" indent="0">
+              <a:buNone/>
+            </a:pPr>
+            <a:r>
+              <a:rPr lang="en-US" sz="1200" dirty="0"/>
+              <a:t>prefix.stringProp1=propValue1</a:t>
+            </a:r>
+          </a:p>
+          <a:p>
+            <a:pPr marL="0" indent="0">
+              <a:buNone/>
+            </a:pPr>
+            <a:r>
+              <a:rPr lang="en-US" sz="1200" dirty="0"/>
+              <a:t> prefix.stringProp2=propValue2</a:t>
+            </a:r>
+          </a:p>
+          <a:p>
+            <a:pPr marL="0" indent="0">
+              <a:buNone/>
+            </a:pPr>
+            <a:r>
+              <a:rPr lang="en-US" sz="1200" dirty="0"/>
+              <a:t> prefix.intProp1=10 </a:t>
+            </a:r>
+          </a:p>
+          <a:p>
+            <a:pPr marL="0" indent="0">
+              <a:buNone/>
+            </a:pPr>
+            <a:r>
+              <a:rPr lang="en-US" sz="1200" dirty="0" err="1"/>
+              <a:t>prefix.listProp</a:t>
+            </a:r>
+            <a:r>
+              <a:rPr lang="en-US" sz="1200" dirty="0"/>
+              <a:t>[0]=listValue1</a:t>
+            </a:r>
+          </a:p>
+          <a:p>
+            <a:pPr marL="0" indent="0">
+              <a:buNone/>
+            </a:pPr>
+            <a:r>
+              <a:rPr lang="en-US" sz="1200" dirty="0"/>
+              <a:t> prefix.mapProp.key1=mapValue1</a:t>
             </a:r>
           </a:p>
           <a:p>
@@ -5317,13 +5372,22 @@
               <a:buNone/>
             </a:pPr>
             <a:endParaRPr lang="en-US" sz="1200" dirty="0"/>
+          </a:p>
+          <a:p>
+            <a:pPr marL="0" indent="0">
+              <a:buNone/>
+            </a:pPr>
+            <a:r>
+              <a:rPr lang="en-US" sz="1200" dirty="0"/>
+              <a:t>The way Spring boot carries is to define a bean that can contain all the families of related properties.</a:t>
+            </a:r>
           </a:p>
         </p:txBody>
       </p:sp>
     </p:spTree>
     <p:extLst>
       <p:ext uri="{BB962C8B-B14F-4D97-AF65-F5344CB8AC3E}">
-        <p14:creationId xmlns:p14="http://schemas.microsoft.com/office/powerpoint/2010/main" val="2735859944"/>
+        <p14:creationId xmlns:p14="http://schemas.microsoft.com/office/powerpoint/2010/main" val="3881674516"/>
       </p:ext>
     </p:extLst>
   </p:cSld>
@@ -5352,289 +5416,258 @@
       </p:grpSpPr>
       <p:sp>
         <p:nvSpPr>
-          <p:cNvPr id="2" name="Title 1">
-            <a:extLst>
-              <a:ext uri="{FF2B5EF4-FFF2-40B4-BE49-F238E27FC236}">
-                <a16:creationId xmlns:a16="http://schemas.microsoft.com/office/drawing/2014/main" id="{8B809C1B-D772-9744-AA73-D924983702A5}"/>
-              </a:ext>
-            </a:extLst>
-          </p:cNvPr>
-          <p:cNvSpPr>
-            <a:spLocks noGrp="1"/>
-          </p:cNvSpPr>
-          <p:nvPr>
-            <p:ph type="title"/>
+          <p:cNvPr id="3" name="Content Placeholder 2">
+            <a:extLst>
+              <a:ext uri="{FF2B5EF4-FFF2-40B4-BE49-F238E27FC236}">
+                <a16:creationId xmlns:a16="http://schemas.microsoft.com/office/drawing/2014/main" id="{3D5FEA45-B214-5542-BF50-416361491A74}"/>
+              </a:ext>
+            </a:extLst>
+          </p:cNvPr>
+          <p:cNvSpPr>
+            <a:spLocks noGrp="1"/>
+          </p:cNvSpPr>
+          <p:nvPr>
+            <p:ph idx="1"/>
           </p:nvPr>
         </p:nvSpPr>
         <p:spPr>
           <a:xfrm>
-            <a:off x="838200" y="365126"/>
-            <a:ext cx="10515600" cy="489898"/>
+            <a:off x="838200" y="510639"/>
+            <a:ext cx="10515600" cy="5666324"/>
           </a:xfrm>
         </p:spPr>
         <p:txBody>
           <a:bodyPr>
-            <a:normAutofit/>
+            <a:normAutofit lnSpcReduction="10000"/>
           </a:bodyPr>
           <a:lstStyle/>
           <a:p>
-            <a:r>
-              <a:rPr lang="en-US" sz="2000" b="1" dirty="0"/>
-              <a:t>Auto-configuration @Conditional</a:t>
-            </a:r>
-            <a:endParaRPr lang="en-US" sz="2000" dirty="0"/>
-          </a:p>
-        </p:txBody>
-      </p:sp>
-      <p:sp>
-        <p:nvSpPr>
-          <p:cNvPr id="3" name="Content Placeholder 2">
-            <a:extLst>
-              <a:ext uri="{FF2B5EF4-FFF2-40B4-BE49-F238E27FC236}">
-                <a16:creationId xmlns:a16="http://schemas.microsoft.com/office/drawing/2014/main" id="{735A2565-DF3E-6040-81AC-BF4D187FA6D4}"/>
-              </a:ext>
-            </a:extLst>
-          </p:cNvPr>
-          <p:cNvSpPr>
-            <a:spLocks noGrp="1"/>
-          </p:cNvSpPr>
-          <p:nvPr>
-            <p:ph idx="1"/>
-          </p:nvPr>
-        </p:nvSpPr>
-        <p:spPr>
-          <a:xfrm>
-            <a:off x="838200" y="855024"/>
-            <a:ext cx="10515600" cy="5321939"/>
-          </a:xfrm>
-        </p:spPr>
-        <p:txBody>
-          <a:bodyPr>
-            <a:normAutofit/>
-          </a:bodyPr>
-          <a:lstStyle/>
-          <a:p>
-            <a:pPr marL="0" indent="0">
-              <a:buNone/>
-            </a:pPr>
-            <a:r>
-              <a:rPr lang="en-US" sz="1400" b="1" dirty="0"/>
-              <a:t>Auto-configuration @Conditional</a:t>
-            </a:r>
-            <a:endParaRPr lang="en-US" sz="1400" dirty="0"/>
-          </a:p>
-          <a:p>
+            <a:pPr marL="0" indent="0">
+              <a:buNone/>
+            </a:pPr>
             <a:r>
               <a:rPr lang="en-US" sz="1400" dirty="0"/>
-              <a:t>If specific classes are offered in the </a:t>
-            </a:r>
-            <a:r>
-              <a:rPr lang="en-US" sz="1400" dirty="0" err="1"/>
-              <a:t>classpath</a:t>
-            </a:r>
-            <a:r>
-              <a:rPr lang="en-US" sz="1400" dirty="0"/>
-              <a:t>, then the configuration for that feature is enabled via auto configuration. Annotations such as </a:t>
-            </a:r>
-            <a:r>
-              <a:rPr lang="en-US" sz="1400" i="1" dirty="0"/>
+              <a:t>Configurations:</a:t>
+            </a:r>
+          </a:p>
+          <a:p>
+            <a:pPr marL="0" indent="0">
+              <a:buNone/>
+            </a:pPr>
+            <a:r>
+              <a:rPr lang="en-US" sz="1200" dirty="0"/>
+              <a:t>Let us see how to load configuration data in Spring Boot.</a:t>
+            </a:r>
+          </a:p>
+          <a:p>
+            <a:pPr marL="0" indent="0">
+              <a:buNone/>
+            </a:pPr>
+            <a:r>
+              <a:rPr lang="en-US" sz="1200" dirty="0"/>
+              <a:t>Consider a sample property file </a:t>
+            </a:r>
+            <a:r>
+              <a:rPr lang="en-US" sz="1200" dirty="0" err="1"/>
+              <a:t>application.properties</a:t>
+            </a:r>
+            <a:r>
+              <a:rPr lang="en-US" sz="1200" dirty="0"/>
+              <a:t> as below.</a:t>
+            </a:r>
+          </a:p>
+          <a:p>
+            <a:pPr marL="0" indent="0">
+              <a:buNone/>
+            </a:pPr>
+            <a:r>
+              <a:rPr lang="en-US" sz="1200" dirty="0"/>
+              <a:t>prefix.stringProp1=propValue1</a:t>
+            </a:r>
+          </a:p>
+          <a:p>
+            <a:pPr marL="0" indent="0">
+              <a:buNone/>
+            </a:pPr>
+            <a:r>
+              <a:rPr lang="en-US" sz="1200" dirty="0"/>
+              <a:t> prefix.stringProp2=propValue2</a:t>
+            </a:r>
+          </a:p>
+          <a:p>
+            <a:pPr marL="0" indent="0">
+              <a:buNone/>
+            </a:pPr>
+            <a:r>
+              <a:rPr lang="en-US" sz="1200" dirty="0"/>
+              <a:t> prefix.intProp1=10 </a:t>
+            </a:r>
+          </a:p>
+          <a:p>
+            <a:pPr marL="0" indent="0">
+              <a:buNone/>
+            </a:pPr>
+            <a:r>
+              <a:rPr lang="en-US" sz="1200" dirty="0" err="1"/>
+              <a:t>prefix.listProp</a:t>
+            </a:r>
+            <a:r>
+              <a:rPr lang="en-US" sz="1200" dirty="0"/>
+              <a:t>[0]=listValue1</a:t>
+            </a:r>
+          </a:p>
+          <a:p>
+            <a:pPr marL="0" indent="0">
+              <a:buNone/>
+            </a:pPr>
+            <a:r>
+              <a:rPr lang="en-US" sz="1200" dirty="0"/>
+              <a:t> prefix.mapProp.key1=mapValue1</a:t>
+            </a:r>
+          </a:p>
+          <a:p>
+            <a:pPr marL="0" indent="0">
+              <a:buNone/>
+            </a:pPr>
+            <a:endParaRPr lang="en-US" sz="1200" dirty="0"/>
+          </a:p>
+          <a:p>
+            <a:pPr marL="0" indent="0">
+              <a:buNone/>
+            </a:pPr>
+            <a:r>
+              <a:rPr lang="en-US" sz="1200" dirty="0"/>
+              <a:t>The way Spring boot carries is to define a bean that can contain all the families of related properties.</a:t>
+            </a:r>
+          </a:p>
+          <a:p>
+            <a:pPr marL="0" indent="0">
+              <a:buNone/>
+            </a:pPr>
+            <a:endParaRPr lang="en-US" sz="1200" dirty="0"/>
+          </a:p>
+          <a:p>
+            <a:pPr marL="0" indent="0">
+              <a:buNone/>
+            </a:pPr>
+            <a:r>
+              <a:rPr lang="en-US" sz="1200" dirty="0"/>
               <a:t>@</a:t>
             </a:r>
             <a:r>
-              <a:rPr lang="en-US" sz="1400" b="1" i="1" dirty="0" err="1"/>
-              <a:t>ConditionalOnMissingBean</a:t>
-            </a:r>
-            <a:r>
-              <a:rPr lang="en-US" sz="1400" dirty="0"/>
-              <a:t>, </a:t>
-            </a:r>
-            <a:r>
-              <a:rPr lang="en-US" sz="1400" i="1" dirty="0"/>
-              <a:t>@</a:t>
-            </a:r>
-            <a:r>
-              <a:rPr lang="en-US" sz="1400" b="1" i="1" dirty="0" err="1"/>
-              <a:t>ConditionalOnClass</a:t>
-            </a:r>
-            <a:r>
-              <a:rPr lang="en-US" sz="1400" dirty="0"/>
-              <a:t>, help in providing these functions.</a:t>
-            </a:r>
-          </a:p>
-          <a:p>
-            <a:pPr marL="0" indent="0">
-              <a:buNone/>
-            </a:pPr>
-            <a:r>
-              <a:rPr lang="en-US" sz="1200" b="1" dirty="0"/>
-              <a:t>Example 1</a:t>
-            </a:r>
-          </a:p>
-          <a:p>
-            <a:pPr marL="0" indent="0">
-              <a:buNone/>
-            </a:pPr>
-            <a:r>
-              <a:rPr lang="en-US" sz="1200" dirty="0"/>
-              <a:t>@Configuration</a:t>
-            </a:r>
-          </a:p>
-          <a:p>
-            <a:pPr marL="0" indent="0">
-              <a:buNone/>
-            </a:pPr>
-            <a:r>
-              <a:rPr lang="en-US" sz="1200" dirty="0"/>
-              <a:t> @</a:t>
-            </a:r>
-            <a:r>
               <a:rPr lang="en-US" sz="1200" dirty="0" err="1"/>
-              <a:t>ConditionalOnClass</a:t>
-            </a:r>
-            <a:r>
-              <a:rPr lang="en-US" sz="1200" dirty="0"/>
-              <a:t>({ </a:t>
+              <a:t>ConfigurationProperties</a:t>
+            </a:r>
+            <a:r>
+              <a:rPr lang="en-US" sz="1200" dirty="0"/>
+              <a:t>(prefix = "prefix") </a:t>
+            </a:r>
+          </a:p>
+          <a:p>
+            <a:pPr marL="0" indent="0">
+              <a:buNone/>
+            </a:pPr>
+            <a:r>
+              <a:rPr lang="en-US" sz="1200" dirty="0"/>
+              <a:t>@Component </a:t>
+            </a:r>
+          </a:p>
+          <a:p>
+            <a:pPr marL="0" indent="0">
+              <a:buNone/>
+            </a:pPr>
+            <a:r>
+              <a:rPr lang="en-US" sz="1200" dirty="0"/>
+              <a:t>public class </a:t>
             </a:r>
             <a:r>
               <a:rPr lang="en-US" sz="1200" dirty="0" err="1"/>
-              <a:t>DataSource.class</a:t>
-            </a:r>
-            <a:r>
-              <a:rPr lang="en-US" sz="1200" dirty="0"/>
-              <a:t>, </a:t>
+              <a:t>SampleProperty</a:t>
+            </a:r>
+            <a:r>
+              <a:rPr lang="en-US" sz="1200" dirty="0"/>
+              <a:t> { </a:t>
+            </a:r>
+          </a:p>
+          <a:p>
+            <a:pPr marL="0" indent="0">
+              <a:buNone/>
+            </a:pPr>
+            <a:r>
+              <a:rPr lang="en-US" sz="1200" dirty="0"/>
+              <a:t>private String stringProp1; </a:t>
+            </a:r>
+          </a:p>
+          <a:p>
+            <a:pPr marL="0" indent="0">
+              <a:buNone/>
+            </a:pPr>
+            <a:r>
+              <a:rPr lang="en-US" sz="1200" dirty="0"/>
+              <a:t>private String stringProp2; </a:t>
+            </a:r>
+          </a:p>
+          <a:p>
+            <a:pPr marL="0" indent="0">
+              <a:buNone/>
+            </a:pPr>
+            <a:r>
+              <a:rPr lang="en-US" sz="1200" dirty="0"/>
+              <a:t>@Max(99) @Min(0) private Integer intProp1; </a:t>
+            </a:r>
+          </a:p>
+          <a:p>
+            <a:pPr marL="0" indent="0">
+              <a:buNone/>
+            </a:pPr>
+            <a:r>
+              <a:rPr lang="en-US" sz="1200" dirty="0"/>
+              <a:t>private List&lt;String&gt; </a:t>
             </a:r>
             <a:r>
               <a:rPr lang="en-US" sz="1200" dirty="0" err="1"/>
-              <a:t>EmbeddedDatabaseType.class</a:t>
-            </a:r>
-            <a:r>
-              <a:rPr lang="en-US" sz="1200" dirty="0"/>
-              <a:t> }) </a:t>
-            </a:r>
-          </a:p>
-          <a:p>
-            <a:pPr marL="0" indent="0">
-              <a:buNone/>
-            </a:pPr>
-            <a:r>
-              <a:rPr lang="en-US" sz="1200" dirty="0"/>
-              <a:t>@</a:t>
+              <a:t>listProp</a:t>
+            </a:r>
+            <a:r>
+              <a:rPr lang="en-US" sz="1200" dirty="0"/>
+              <a:t>; </a:t>
+            </a:r>
+          </a:p>
+          <a:p>
+            <a:pPr marL="0" indent="0">
+              <a:buNone/>
+            </a:pPr>
+            <a:r>
+              <a:rPr lang="en-US" sz="1200" dirty="0"/>
+              <a:t>private Map&lt;String, String&gt; </a:t>
             </a:r>
             <a:r>
               <a:rPr lang="en-US" sz="1200" dirty="0" err="1"/>
-              <a:t>EnableConfigurationProperties</a:t>
-            </a:r>
-            <a:r>
-              <a:rPr lang="en-US" sz="1200" dirty="0"/>
-              <a:t>(</a:t>
-            </a:r>
-            <a:r>
-              <a:rPr lang="en-US" sz="1200" dirty="0" err="1"/>
-              <a:t>DataSourceProperties.class</a:t>
-            </a:r>
-            <a:r>
-              <a:rPr lang="en-US" sz="1200" dirty="0"/>
-              <a:t>) </a:t>
-            </a:r>
-          </a:p>
-          <a:p>
-            <a:pPr marL="0" indent="0">
-              <a:buNone/>
-            </a:pPr>
-            <a:r>
-              <a:rPr lang="en-US" sz="1200" dirty="0"/>
-              <a:t>@Import({ </a:t>
-            </a:r>
-            <a:r>
-              <a:rPr lang="en-US" sz="1200" dirty="0" err="1"/>
-              <a:t>Registrar.class</a:t>
-            </a:r>
-            <a:r>
-              <a:rPr lang="en-US" sz="1200" dirty="0"/>
-              <a:t>, </a:t>
-            </a:r>
-            <a:r>
-              <a:rPr lang="en-US" sz="1200" dirty="0" err="1"/>
-              <a:t>DataSourcePoolMetadataProvidersConfiguration.class</a:t>
-            </a:r>
-            <a:r>
-              <a:rPr lang="en-US" sz="1200" dirty="0"/>
-              <a:t> }) </a:t>
-            </a:r>
-          </a:p>
-          <a:p>
-            <a:pPr marL="0" indent="0">
-              <a:buNone/>
-            </a:pPr>
-            <a:r>
-              <a:rPr lang="en-US" sz="1200" dirty="0"/>
-              <a:t>public class </a:t>
-            </a:r>
-            <a:r>
-              <a:rPr lang="en-US" sz="1200" dirty="0" err="1"/>
-              <a:t>DataSourceAutoConfiguration</a:t>
-            </a:r>
-            <a:r>
-              <a:rPr lang="en-US" sz="1200" dirty="0"/>
-              <a:t> { </a:t>
-            </a:r>
-          </a:p>
-          <a:p>
-            <a:pPr marL="0" indent="0">
-              <a:buNone/>
-            </a:pPr>
-            <a:r>
-              <a:rPr lang="en-US" sz="1200" i="1" dirty="0"/>
-              <a:t>@</a:t>
-            </a:r>
-            <a:r>
-              <a:rPr lang="en-US" sz="1200" i="1" dirty="0" err="1"/>
-              <a:t>ConditionalOnClass</a:t>
-            </a:r>
-            <a:r>
-              <a:rPr lang="en-US" sz="1200" i="1" dirty="0"/>
-              <a:t>({ </a:t>
-            </a:r>
-            <a:r>
-              <a:rPr lang="en-US" sz="1200" i="1" dirty="0" err="1"/>
-              <a:t>DataSource.class</a:t>
-            </a:r>
-            <a:r>
-              <a:rPr lang="en-US" sz="1200" i="1" dirty="0"/>
-              <a:t>, </a:t>
-            </a:r>
-            <a:r>
-              <a:rPr lang="en-US" sz="1200" i="1" dirty="0" err="1"/>
-              <a:t>EmbeddedDatabaseType.class</a:t>
-            </a:r>
-            <a:r>
-              <a:rPr lang="en-US" sz="1200" i="1" dirty="0"/>
-              <a:t> })</a:t>
-            </a:r>
-            <a:endParaRPr lang="en-US" sz="1200" dirty="0"/>
-          </a:p>
-          <a:p>
-            <a:pPr marL="0" indent="0">
-              <a:buNone/>
-            </a:pPr>
-            <a:r>
-              <a:rPr lang="en-US" sz="1200" dirty="0"/>
-              <a:t>This configuration is enabled only when the classes are present in the </a:t>
-            </a:r>
-            <a:r>
-              <a:rPr lang="en-US" sz="1200" dirty="0" err="1"/>
-              <a:t>classpath</a:t>
-            </a:r>
-            <a:r>
-              <a:rPr lang="en-US" sz="1200" dirty="0"/>
-              <a:t>.</a:t>
-            </a:r>
-          </a:p>
-          <a:p>
-            <a:pPr marL="0" indent="0">
-              <a:buNone/>
-            </a:pPr>
-            <a:endParaRPr lang="en-US" sz="1200" dirty="0"/>
+              <a:t>mapProp</a:t>
+            </a:r>
+            <a:r>
+              <a:rPr lang="en-US" sz="1200" dirty="0"/>
+              <a:t>;</a:t>
+            </a:r>
+          </a:p>
+          <a:p>
+            <a:pPr marL="0" indent="0">
+              <a:buNone/>
+            </a:pPr>
+            <a:r>
+              <a:rPr lang="en-US" sz="1200" dirty="0"/>
+              <a:t> ... At run time, all the fields will be bound to related properties. </a:t>
+            </a:r>
+            <a:r>
+              <a:rPr lang="en-US" sz="1200" dirty="0">
+                <a:hlinkClick r:id="rId2"/>
+              </a:rPr>
+              <a:t>Click Here</a:t>
+            </a:r>
+            <a:r>
+              <a:rPr lang="en-US" sz="1200" dirty="0"/>
+              <a:t> to view the list of common Application properties that Spring offers.</a:t>
+            </a:r>
           </a:p>
           <a:p>
             <a:pPr marL="0" indent="0">
@@ -5647,7 +5680,7 @@
     </p:spTree>
     <p:extLst>
       <p:ext uri="{BB962C8B-B14F-4D97-AF65-F5344CB8AC3E}">
-        <p14:creationId xmlns:p14="http://schemas.microsoft.com/office/powerpoint/2010/main" val="1558430614"/>
+        <p14:creationId xmlns:p14="http://schemas.microsoft.com/office/powerpoint/2010/main" val="4109885755"/>
       </p:ext>
     </p:extLst>
   </p:cSld>
@@ -5679,7 +5712,7 @@
           <p:cNvPr id="2" name="Title 1">
             <a:extLst>
               <a:ext uri="{FF2B5EF4-FFF2-40B4-BE49-F238E27FC236}">
-                <a16:creationId xmlns:a16="http://schemas.microsoft.com/office/drawing/2014/main" id="{42DD38C0-535D-D447-8D47-ECD8318EFD04}"/>
+                <a16:creationId xmlns:a16="http://schemas.microsoft.com/office/drawing/2014/main" id="{D1AC07A3-69B3-D745-B29E-8C418EF3A79A}"/>
               </a:ext>
             </a:extLst>
           </p:cNvPr>
@@ -5688,54 +5721,40 @@
           </p:cNvSpPr>
           <p:nvPr>
             <p:ph type="title"/>
+          </p:nvPr>
+        </p:nvSpPr>
+        <p:spPr/>
+        <p:txBody>
+          <a:bodyPr/>
+          <a:lstStyle/>
+          <a:p>
+            <a:r>
+              <a:rPr lang="en-US" dirty="0"/>
+              <a:t>Why Auto Configuration?</a:t>
+            </a:r>
+          </a:p>
+        </p:txBody>
+      </p:sp>
+      <p:sp>
+        <p:nvSpPr>
+          <p:cNvPr id="3" name="Content Placeholder 2">
+            <a:extLst>
+              <a:ext uri="{FF2B5EF4-FFF2-40B4-BE49-F238E27FC236}">
+                <a16:creationId xmlns:a16="http://schemas.microsoft.com/office/drawing/2014/main" id="{6BD3A15A-A50D-FB4C-A224-B399ABCB4A0C}"/>
+              </a:ext>
+            </a:extLst>
+          </p:cNvPr>
+          <p:cNvSpPr>
+            <a:spLocks noGrp="1"/>
+          </p:cNvSpPr>
+          <p:nvPr>
+            <p:ph idx="1"/>
           </p:nvPr>
         </p:nvSpPr>
         <p:spPr>
           <a:xfrm>
-            <a:off x="838200" y="365125"/>
-            <a:ext cx="10515600" cy="976787"/>
-          </a:xfrm>
-        </p:spPr>
-        <p:txBody>
-          <a:bodyPr>
-            <a:normAutofit fontScale="90000"/>
-          </a:bodyPr>
-          <a:lstStyle/>
-          <a:p>
-            <a:br>
-              <a:rPr lang="en-US" dirty="0"/>
-            </a:br>
-            <a:r>
-              <a:rPr lang="en-US" dirty="0"/>
-              <a:t>Example 2</a:t>
-            </a:r>
-            <a:br>
-              <a:rPr lang="en-US" dirty="0"/>
-            </a:br>
-            <a:endParaRPr lang="en-US" dirty="0"/>
-          </a:p>
-        </p:txBody>
-      </p:sp>
-      <p:sp>
-        <p:nvSpPr>
-          <p:cNvPr id="3" name="Content Placeholder 2">
-            <a:extLst>
-              <a:ext uri="{FF2B5EF4-FFF2-40B4-BE49-F238E27FC236}">
-                <a16:creationId xmlns:a16="http://schemas.microsoft.com/office/drawing/2014/main" id="{5A8DFFD3-4285-9A4C-964B-A76DE6E332EC}"/>
-              </a:ext>
-            </a:extLst>
-          </p:cNvPr>
-          <p:cNvSpPr>
-            <a:spLocks noGrp="1"/>
-          </p:cNvSpPr>
-          <p:nvPr>
-            <p:ph idx="1"/>
-          </p:nvPr>
-        </p:nvSpPr>
-        <p:spPr>
-          <a:xfrm>
-            <a:off x="838200" y="1163782"/>
-            <a:ext cx="10515600" cy="5013181"/>
+            <a:off x="838200" y="1690688"/>
+            <a:ext cx="10515600" cy="5018870"/>
           </a:xfrm>
         </p:spPr>
         <p:txBody>
@@ -5749,134 +5768,128 @@
             </a:pPr>
             <a:r>
               <a:rPr lang="en-US" sz="1400" dirty="0"/>
-              <a:t>@Conditional(</a:t>
-            </a:r>
-            <a:r>
-              <a:rPr lang="en-US" sz="1400" dirty="0" err="1"/>
-              <a:t>EmbeddedDatabaseCondition.class</a:t>
-            </a:r>
+              <a:t>Spring based applications have a lot of configurations to be added.</a:t>
+            </a:r>
+          </a:p>
+          <a:p>
+            <a:pPr marL="0" indent="0">
+              <a:buNone/>
+            </a:pPr>
             <a:r>
               <a:rPr lang="en-US" sz="1400" dirty="0"/>
-              <a:t>) </a:t>
-            </a:r>
-          </a:p>
-          <a:p>
-            <a:pPr marL="0" indent="0">
-              <a:buNone/>
-            </a:pPr>
+              <a:t>For example,</a:t>
+            </a:r>
+          </a:p>
+          <a:p>
+            <a:r>
+              <a:rPr lang="en-US" sz="1400" b="1" dirty="0"/>
+              <a:t>To use Spring MVC</a:t>
+            </a:r>
             <a:r>
               <a:rPr lang="en-US" sz="1400" dirty="0"/>
-              <a:t>@</a:t>
-            </a:r>
-            <a:r>
-              <a:rPr lang="en-US" sz="1400" dirty="0" err="1"/>
-              <a:t>ConditionalOnMissingBean</a:t>
+              <a:t>, we have to configure a component scan, the dispatcher servlet, a view resolver, web JARs (for delivering static content) and so on.</a:t>
+            </a:r>
+          </a:p>
+          <a:p>
+            <a:r>
+              <a:rPr lang="en-US" sz="1400" b="1" dirty="0"/>
+              <a:t>To use Hibernate/JPA</a:t>
             </a:r>
             <a:r>
               <a:rPr lang="en-US" sz="1400" dirty="0"/>
-              <a:t>({ </a:t>
-            </a:r>
-            <a:r>
-              <a:rPr lang="en-US" sz="1400" dirty="0" err="1"/>
-              <a:t>DataSource.class</a:t>
-            </a:r>
+              <a:t>, we would have to configure a data source, a transaction manager, an entity manager factory, etc.</a:t>
+            </a:r>
+          </a:p>
+          <a:p>
+            <a:pPr marL="0" indent="0">
+              <a:buNone/>
+            </a:pPr>
             <a:r>
               <a:rPr lang="en-US" sz="1400" dirty="0"/>
-              <a:t>, </a:t>
-            </a:r>
-            <a:r>
-              <a:rPr lang="en-US" sz="1400" dirty="0" err="1"/>
-              <a:t>XADataSource.class</a:t>
-            </a:r>
-            <a:r>
-              <a:rPr lang="en-US" sz="1400" dirty="0"/>
-              <a:t> }) </a:t>
-            </a:r>
-          </a:p>
-          <a:p>
-            <a:pPr marL="0" indent="0">
-              <a:buNone/>
-            </a:pPr>
-            <a:r>
-              <a:rPr lang="en-US" sz="1400" dirty="0"/>
-              <a:t>@Import(</a:t>
-            </a:r>
-            <a:r>
-              <a:rPr lang="en-US" sz="1400" dirty="0" err="1"/>
-              <a:t>EmbeddedDataSourceConfiguration.class</a:t>
-            </a:r>
-            <a:r>
-              <a:rPr lang="en-US" sz="1400" dirty="0"/>
-              <a:t>) </a:t>
-            </a:r>
-          </a:p>
-          <a:p>
-            <a:pPr marL="0" indent="0">
-              <a:buNone/>
-            </a:pPr>
-            <a:r>
-              <a:rPr lang="en-US" sz="1400" dirty="0"/>
-              <a:t>protected static class </a:t>
-            </a:r>
-            <a:r>
-              <a:rPr lang="en-US" sz="1400" dirty="0" err="1"/>
-              <a:t>EmbeddedDatabaseConfiguration</a:t>
-            </a:r>
-            <a:r>
-              <a:rPr lang="en-US" sz="1400" dirty="0"/>
-              <a:t> { }</a:t>
-            </a:r>
-          </a:p>
-          <a:p>
-            <a:pPr marL="0" indent="0">
-              <a:buNone/>
-            </a:pPr>
-            <a:r>
-              <a:rPr lang="en-US" sz="1400" dirty="0"/>
-              <a:t> </a:t>
-            </a:r>
-            <a:r>
-              <a:rPr lang="en-US" sz="1400" i="1" dirty="0"/>
-              <a:t>@</a:t>
-            </a:r>
-            <a:r>
-              <a:rPr lang="en-US" sz="1400" i="1" dirty="0" err="1"/>
-              <a:t>ConditionalOnMissingBean</a:t>
-            </a:r>
-            <a:endParaRPr lang="en-US" sz="1400" dirty="0"/>
-          </a:p>
-          <a:p>
-            <a:pPr marL="0" indent="0">
-              <a:buNone/>
-            </a:pPr>
-            <a:r>
-              <a:rPr lang="en-US" sz="1400" dirty="0"/>
-              <a:t>This bean is configured under this condition that if there is no other bean configured with the same name.</a:t>
-            </a:r>
-          </a:p>
-          <a:p>
-            <a:pPr marL="0" indent="0">
-              <a:buNone/>
-            </a:pPr>
-            <a:r>
-              <a:rPr lang="en-US" sz="1400" dirty="0"/>
-              <a:t>Embedded Database is configured particularly if there are no beans of type </a:t>
-            </a:r>
-            <a:r>
-              <a:rPr lang="en-US" sz="1400" dirty="0" err="1"/>
-              <a:t>XADataSource.class</a:t>
-            </a:r>
-            <a:r>
-              <a:rPr lang="en-US" sz="1400" dirty="0"/>
-              <a:t> or </a:t>
-            </a:r>
-            <a:r>
-              <a:rPr lang="en-US" sz="1400" dirty="0" err="1"/>
-              <a:t>DataSource.class</a:t>
-            </a:r>
-            <a:r>
-              <a:rPr lang="en-US" sz="1400" dirty="0"/>
-              <a:t> already configured.</a:t>
+              <a:t>This brings in a huge overhead to the developers working on a complex application.</a:t>
+            </a:r>
+          </a:p>
+          <a:p>
+            <a:pPr marL="0" indent="0">
+              <a:buNone/>
+            </a:pPr>
+            <a:r>
+              <a:rPr lang="en-US" sz="1600" b="1" dirty="0"/>
+              <a:t>Spring Boot Auto Configuration</a:t>
+            </a:r>
+          </a:p>
+          <a:p>
+            <a:pPr marL="0" indent="0">
+              <a:buNone/>
+            </a:pPr>
+            <a:r>
+              <a:rPr lang="en-US" sz="1300" dirty="0"/>
+              <a:t>Spring Boot introduces a new thought process with this.</a:t>
+            </a:r>
+          </a:p>
+          <a:p>
+            <a:pPr marL="0" indent="0">
+              <a:buNone/>
+            </a:pPr>
+            <a:r>
+              <a:rPr lang="en-US" sz="1300" dirty="0"/>
+              <a:t>How about auto configuring a Data Source if a Hibernate JAR is on the </a:t>
+            </a:r>
+            <a:r>
+              <a:rPr lang="en-US" sz="1300" dirty="0" err="1"/>
+              <a:t>classpath</a:t>
+            </a:r>
+            <a:r>
+              <a:rPr lang="en-US" sz="1300" dirty="0"/>
+              <a:t> and auto configuring any Dispatcher Servlet if a Spring MVC JAR is on the </a:t>
+            </a:r>
+            <a:r>
+              <a:rPr lang="en-US" sz="1300" dirty="0" err="1"/>
+              <a:t>classpath</a:t>
+            </a:r>
+            <a:r>
+              <a:rPr lang="en-US" sz="1300" dirty="0"/>
+              <a:t>?</a:t>
+            </a:r>
+          </a:p>
+          <a:p>
+            <a:pPr marL="0" indent="0">
+              <a:buNone/>
+            </a:pPr>
+            <a:r>
+              <a:rPr lang="en-US" sz="1300" dirty="0"/>
+              <a:t>Spring Boot looks at</a:t>
+            </a:r>
+          </a:p>
+          <a:p>
+            <a:r>
+              <a:rPr lang="en-US" sz="1300" dirty="0"/>
+              <a:t>a) </a:t>
+            </a:r>
+            <a:r>
+              <a:rPr lang="en-US" sz="1300" b="1" dirty="0"/>
+              <a:t>Frameworks available on the CLASSPATH</a:t>
+            </a:r>
+            <a:endParaRPr lang="en-US" sz="1300" dirty="0"/>
+          </a:p>
+          <a:p>
+            <a:r>
+              <a:rPr lang="en-US" sz="1300" dirty="0"/>
+              <a:t>b) </a:t>
+            </a:r>
+            <a:r>
+              <a:rPr lang="en-US" sz="1300" b="1" dirty="0"/>
+              <a:t>Existing configuration for the application</a:t>
+            </a:r>
+            <a:endParaRPr lang="en-US" sz="1300" dirty="0"/>
+          </a:p>
+          <a:p>
+            <a:pPr marL="0" indent="0">
+              <a:buNone/>
+            </a:pPr>
+            <a:r>
+              <a:rPr lang="en-US" sz="1300" dirty="0"/>
+              <a:t>Based on these, Spring Boot offers basic configuration needed to configure the application with these frameworks.</a:t>
             </a:r>
           </a:p>
           <a:p>
@@ -5890,7 +5903,7 @@
     </p:spTree>
     <p:extLst>
       <p:ext uri="{BB962C8B-B14F-4D97-AF65-F5344CB8AC3E}">
-        <p14:creationId xmlns:p14="http://schemas.microsoft.com/office/powerpoint/2010/main" val="216884312"/>
+        <p14:creationId xmlns:p14="http://schemas.microsoft.com/office/powerpoint/2010/main" val="2735859944"/>
       </p:ext>
     </p:extLst>
   </p:cSld>
@@ -5922,7 +5935,7 @@
           <p:cNvPr id="2" name="Title 1">
             <a:extLst>
               <a:ext uri="{FF2B5EF4-FFF2-40B4-BE49-F238E27FC236}">
-                <a16:creationId xmlns:a16="http://schemas.microsoft.com/office/drawing/2014/main" id="{C4E1FC52-381F-314D-AAB9-25B178F51C39}"/>
+                <a16:creationId xmlns:a16="http://schemas.microsoft.com/office/drawing/2014/main" id="{8B809C1B-D772-9744-AA73-D924983702A5}"/>
               </a:ext>
             </a:extLst>
           </p:cNvPr>
@@ -5935,50 +5948,8 @@
         </p:nvSpPr>
         <p:spPr>
           <a:xfrm>
-            <a:off x="838200" y="365125"/>
-            <a:ext cx="10515600" cy="442397"/>
-          </a:xfrm>
-        </p:spPr>
-        <p:txBody>
-          <a:bodyPr>
-            <a:normAutofit fontScale="90000"/>
-          </a:bodyPr>
-          <a:lstStyle/>
-          <a:p>
-            <a:br>
-              <a:rPr lang="en-US" dirty="0"/>
-            </a:br>
-            <a:r>
-              <a:rPr lang="en-US" sz="2700" dirty="0"/>
-              <a:t>Debugging Auto Configuration</a:t>
-            </a:r>
-            <a:br>
-              <a:rPr lang="en-US" dirty="0"/>
-            </a:br>
-            <a:endParaRPr lang="en-US" dirty="0"/>
-          </a:p>
-        </p:txBody>
-      </p:sp>
-      <p:sp>
-        <p:nvSpPr>
-          <p:cNvPr id="3" name="Content Placeholder 2">
-            <a:extLst>
-              <a:ext uri="{FF2B5EF4-FFF2-40B4-BE49-F238E27FC236}">
-                <a16:creationId xmlns:a16="http://schemas.microsoft.com/office/drawing/2014/main" id="{A14083FA-1101-CC49-8F40-BFB93FDFA718}"/>
-              </a:ext>
-            </a:extLst>
-          </p:cNvPr>
-          <p:cNvSpPr>
-            <a:spLocks noGrp="1"/>
-          </p:cNvSpPr>
-          <p:nvPr>
-            <p:ph idx="1"/>
-          </p:nvPr>
-        </p:nvSpPr>
-        <p:spPr>
-          <a:xfrm>
-            <a:off x="838200" y="807522"/>
-            <a:ext cx="10515600" cy="5428818"/>
+            <a:off x="838200" y="365126"/>
+            <a:ext cx="10515600" cy="489898"/>
           </a:xfrm>
         </p:spPr>
         <p:txBody>
@@ -5987,93 +5958,263 @@
           </a:bodyPr>
           <a:lstStyle/>
           <a:p>
-            <a:pPr marL="0" indent="0">
-              <a:buNone/>
-            </a:pPr>
-            <a:r>
-              <a:rPr lang="en-US" sz="1200" dirty="0"/>
-              <a:t>Debugging Auto Configuration</a:t>
-            </a:r>
-          </a:p>
-          <a:p>
-            <a:pPr marL="0" indent="0">
-              <a:buNone/>
-            </a:pPr>
-            <a:r>
-              <a:rPr lang="en-US" sz="1200" dirty="0"/>
-              <a:t>There are two approaches you can debug and discover more information about auto configuration.</a:t>
-            </a:r>
-          </a:p>
-          <a:p>
+            <a:r>
+              <a:rPr lang="en-US" sz="2000" b="1" dirty="0"/>
+              <a:t>Auto-configuration @Conditional</a:t>
+            </a:r>
+            <a:endParaRPr lang="en-US" sz="2000" dirty="0"/>
+          </a:p>
+        </p:txBody>
+      </p:sp>
+      <p:sp>
+        <p:nvSpPr>
+          <p:cNvPr id="3" name="Content Placeholder 2">
+            <a:extLst>
+              <a:ext uri="{FF2B5EF4-FFF2-40B4-BE49-F238E27FC236}">
+                <a16:creationId xmlns:a16="http://schemas.microsoft.com/office/drawing/2014/main" id="{735A2565-DF3E-6040-81AC-BF4D187FA6D4}"/>
+              </a:ext>
+            </a:extLst>
+          </p:cNvPr>
+          <p:cNvSpPr>
+            <a:spLocks noGrp="1"/>
+          </p:cNvSpPr>
+          <p:nvPr>
+            <p:ph idx="1"/>
+          </p:nvPr>
+        </p:nvSpPr>
+        <p:spPr>
+          <a:xfrm>
+            <a:off x="838200" y="855024"/>
+            <a:ext cx="10515600" cy="5321939"/>
+          </a:xfrm>
+        </p:spPr>
+        <p:txBody>
+          <a:bodyPr>
+            <a:normAutofit/>
+          </a:bodyPr>
+          <a:lstStyle/>
+          <a:p>
+            <a:pPr marL="0" indent="0">
+              <a:buNone/>
+            </a:pPr>
+            <a:r>
+              <a:rPr lang="en-US" sz="1400" b="1" dirty="0"/>
+              <a:t>Auto-configuration @Conditional</a:t>
+            </a:r>
+            <a:endParaRPr lang="en-US" sz="1400" dirty="0"/>
+          </a:p>
+          <a:p>
+            <a:r>
+              <a:rPr lang="en-US" sz="1400" dirty="0"/>
+              <a:t>If specific classes are offered in the </a:t>
+            </a:r>
+            <a:r>
+              <a:rPr lang="en-US" sz="1400" dirty="0" err="1"/>
+              <a:t>classpath</a:t>
+            </a:r>
+            <a:r>
+              <a:rPr lang="en-US" sz="1400" dirty="0"/>
+              <a:t>, then the configuration for that feature is enabled via auto configuration. Annotations such as </a:t>
+            </a:r>
+            <a:r>
+              <a:rPr lang="en-US" sz="1400" i="1" dirty="0"/>
+              <a:t>@</a:t>
+            </a:r>
+            <a:r>
+              <a:rPr lang="en-US" sz="1400" b="1" i="1" dirty="0" err="1"/>
+              <a:t>ConditionalOnMissingBean</a:t>
+            </a:r>
+            <a:r>
+              <a:rPr lang="en-US" sz="1400" dirty="0"/>
+              <a:t>, </a:t>
+            </a:r>
+            <a:r>
+              <a:rPr lang="en-US" sz="1400" i="1" dirty="0"/>
+              <a:t>@</a:t>
+            </a:r>
+            <a:r>
+              <a:rPr lang="en-US" sz="1400" b="1" i="1" dirty="0" err="1"/>
+              <a:t>ConditionalOnClass</a:t>
+            </a:r>
+            <a:r>
+              <a:rPr lang="en-US" sz="1400" dirty="0"/>
+              <a:t>, help in providing these functions.</a:t>
+            </a:r>
+          </a:p>
+          <a:p>
+            <a:pPr marL="0" indent="0">
+              <a:buNone/>
+            </a:pPr>
             <a:r>
               <a:rPr lang="en-US" sz="1200" b="1" dirty="0"/>
-              <a:t>Using Spring Boot Actuator</a:t>
+              <a:t>Example 1</a:t>
+            </a:r>
+          </a:p>
+          <a:p>
+            <a:pPr marL="0" indent="0">
+              <a:buNone/>
+            </a:pPr>
+            <a:r>
+              <a:rPr lang="en-US" sz="1200" dirty="0"/>
+              <a:t>@Configuration</a:t>
+            </a:r>
+          </a:p>
+          <a:p>
+            <a:pPr marL="0" indent="0">
+              <a:buNone/>
+            </a:pPr>
+            <a:r>
+              <a:rPr lang="en-US" sz="1200" dirty="0"/>
+              <a:t> @</a:t>
+            </a:r>
+            <a:r>
+              <a:rPr lang="en-US" sz="1200" dirty="0" err="1"/>
+              <a:t>ConditionalOnClass</a:t>
+            </a:r>
+            <a:r>
+              <a:rPr lang="en-US" sz="1200" dirty="0"/>
+              <a:t>({ </a:t>
+            </a:r>
+            <a:r>
+              <a:rPr lang="en-US" sz="1200" dirty="0" err="1"/>
+              <a:t>DataSource.class</a:t>
+            </a:r>
+            <a:r>
+              <a:rPr lang="en-US" sz="1200" dirty="0"/>
+              <a:t>, </a:t>
+            </a:r>
+            <a:r>
+              <a:rPr lang="en-US" sz="1200" dirty="0" err="1"/>
+              <a:t>EmbeddedDatabaseType.class</a:t>
+            </a:r>
+            <a:r>
+              <a:rPr lang="en-US" sz="1200" dirty="0"/>
+              <a:t> }) </a:t>
+            </a:r>
+          </a:p>
+          <a:p>
+            <a:pPr marL="0" indent="0">
+              <a:buNone/>
+            </a:pPr>
+            <a:r>
+              <a:rPr lang="en-US" sz="1200" dirty="0"/>
+              <a:t>@</a:t>
+            </a:r>
+            <a:r>
+              <a:rPr lang="en-US" sz="1200" dirty="0" err="1"/>
+              <a:t>EnableConfigurationProperties</a:t>
+            </a:r>
+            <a:r>
+              <a:rPr lang="en-US" sz="1200" dirty="0"/>
+              <a:t>(</a:t>
+            </a:r>
+            <a:r>
+              <a:rPr lang="en-US" sz="1200" dirty="0" err="1"/>
+              <a:t>DataSourceProperties.class</a:t>
+            </a:r>
+            <a:r>
+              <a:rPr lang="en-US" sz="1200" dirty="0"/>
+              <a:t>) </a:t>
+            </a:r>
+          </a:p>
+          <a:p>
+            <a:pPr marL="0" indent="0">
+              <a:buNone/>
+            </a:pPr>
+            <a:r>
+              <a:rPr lang="en-US" sz="1200" dirty="0"/>
+              <a:t>@Import({ </a:t>
+            </a:r>
+            <a:r>
+              <a:rPr lang="en-US" sz="1200" dirty="0" err="1"/>
+              <a:t>Registrar.class</a:t>
+            </a:r>
+            <a:r>
+              <a:rPr lang="en-US" sz="1200" dirty="0"/>
+              <a:t>, </a:t>
+            </a:r>
+            <a:r>
+              <a:rPr lang="en-US" sz="1200" dirty="0" err="1"/>
+              <a:t>DataSourcePoolMetadataProvidersConfiguration.class</a:t>
+            </a:r>
+            <a:r>
+              <a:rPr lang="en-US" sz="1200" dirty="0"/>
+              <a:t> }) </a:t>
+            </a:r>
+          </a:p>
+          <a:p>
+            <a:pPr marL="0" indent="0">
+              <a:buNone/>
+            </a:pPr>
+            <a:r>
+              <a:rPr lang="en-US" sz="1200" dirty="0"/>
+              <a:t>public class </a:t>
+            </a:r>
+            <a:r>
+              <a:rPr lang="en-US" sz="1200" dirty="0" err="1"/>
+              <a:t>DataSourceAutoConfiguration</a:t>
+            </a:r>
+            <a:r>
+              <a:rPr lang="en-US" sz="1200" dirty="0"/>
+              <a:t> { </a:t>
+            </a:r>
+          </a:p>
+          <a:p>
+            <a:pPr marL="0" indent="0">
+              <a:buNone/>
+            </a:pPr>
+            <a:r>
+              <a:rPr lang="en-US" sz="1200" i="1" dirty="0"/>
+              <a:t>@</a:t>
+            </a:r>
+            <a:r>
+              <a:rPr lang="en-US" sz="1200" i="1" dirty="0" err="1"/>
+              <a:t>ConditionalOnClass</a:t>
+            </a:r>
+            <a:r>
+              <a:rPr lang="en-US" sz="1200" i="1" dirty="0"/>
+              <a:t>({ </a:t>
+            </a:r>
+            <a:r>
+              <a:rPr lang="en-US" sz="1200" i="1" dirty="0" err="1"/>
+              <a:t>DataSource.class</a:t>
+            </a:r>
+            <a:r>
+              <a:rPr lang="en-US" sz="1200" i="1" dirty="0"/>
+              <a:t>, </a:t>
+            </a:r>
+            <a:r>
+              <a:rPr lang="en-US" sz="1200" i="1" dirty="0" err="1"/>
+              <a:t>EmbeddedDatabaseType.class</a:t>
+            </a:r>
+            <a:r>
+              <a:rPr lang="en-US" sz="1200" i="1" dirty="0"/>
+              <a:t> })</a:t>
             </a:r>
             <a:endParaRPr lang="en-US" sz="1200" dirty="0"/>
           </a:p>
           <a:p>
-            <a:r>
-              <a:rPr lang="en-US" sz="1200" b="1" dirty="0"/>
-              <a:t>Turning on debug logging</a:t>
-            </a:r>
+            <a:pPr marL="0" indent="0">
+              <a:buNone/>
+            </a:pPr>
+            <a:r>
+              <a:rPr lang="en-US" sz="1200" dirty="0"/>
+              <a:t>This configuration is enabled only when the classes are present in the </a:t>
+            </a:r>
+            <a:r>
+              <a:rPr lang="en-US" sz="1200" dirty="0" err="1"/>
+              <a:t>classpath</a:t>
+            </a:r>
+            <a:r>
+              <a:rPr lang="en-US" sz="1200" dirty="0"/>
+              <a:t>.</a:t>
+            </a:r>
+          </a:p>
+          <a:p>
+            <a:pPr marL="0" indent="0">
+              <a:buNone/>
+            </a:pPr>
             <a:endParaRPr lang="en-US" sz="1200" dirty="0"/>
-          </a:p>
-          <a:p>
-            <a:pPr marL="0" indent="0">
-              <a:buNone/>
-            </a:pPr>
-            <a:r>
-              <a:rPr lang="en-US" sz="1200" dirty="0"/>
-              <a:t>You can switch on debug logging by including a simple property value to </a:t>
-            </a:r>
-            <a:r>
-              <a:rPr lang="en-US" sz="1200" dirty="0" err="1"/>
-              <a:t>application.properties</a:t>
-            </a:r>
-            <a:r>
-              <a:rPr lang="en-US" sz="1200" dirty="0"/>
-              <a:t>.</a:t>
-            </a:r>
-          </a:p>
-          <a:p>
-            <a:pPr marL="0" indent="0">
-              <a:buNone/>
-            </a:pPr>
-            <a:r>
-              <a:rPr lang="en-US" sz="1200" dirty="0"/>
-              <a:t>In this example, we are switching on Debug level for all logging from </a:t>
-            </a:r>
-            <a:r>
-              <a:rPr lang="en-US" sz="1200" dirty="0" err="1"/>
-              <a:t>org.springframework</a:t>
-            </a:r>
-            <a:r>
-              <a:rPr lang="en-US" sz="1200" dirty="0"/>
-              <a:t> package (and sub packages).</a:t>
-            </a:r>
-          </a:p>
-          <a:p>
-            <a:pPr marL="0" indent="0">
-              <a:buNone/>
-            </a:pPr>
-            <a:r>
-              <a:rPr lang="en-US" sz="1200" b="1" dirty="0" err="1"/>
-              <a:t>logging.level.org.springframework</a:t>
-            </a:r>
-            <a:r>
-              <a:rPr lang="en-US" sz="1200" b="1" dirty="0"/>
-              <a:t>: DEBUG</a:t>
-            </a:r>
-            <a:endParaRPr lang="en-US" sz="1200" dirty="0"/>
-          </a:p>
-          <a:p>
-            <a:pPr marL="0" indent="0">
-              <a:buNone/>
-            </a:pPr>
-            <a:r>
-              <a:rPr lang="en-US" sz="1200" dirty="0"/>
-              <a:t>When the application is restarted, you will view an auto configuration report printed in the log.</a:t>
-            </a:r>
           </a:p>
           <a:p>
             <a:pPr marL="0" indent="0">
@@ -6086,7 +6227,7 @@
     </p:spTree>
     <p:extLst>
       <p:ext uri="{BB962C8B-B14F-4D97-AF65-F5344CB8AC3E}">
-        <p14:creationId xmlns:p14="http://schemas.microsoft.com/office/powerpoint/2010/main" val="2258131637"/>
+        <p14:creationId xmlns:p14="http://schemas.microsoft.com/office/powerpoint/2010/main" val="1558430614"/>
       </p:ext>
     </p:extLst>
   </p:cSld>
@@ -6118,7 +6259,7 @@
           <p:cNvPr id="2" name="Title 1">
             <a:extLst>
               <a:ext uri="{FF2B5EF4-FFF2-40B4-BE49-F238E27FC236}">
-                <a16:creationId xmlns:a16="http://schemas.microsoft.com/office/drawing/2014/main" id="{E4191203-51F9-3A4B-A3D6-99CFEAB6418D}"/>
+                <a16:creationId xmlns:a16="http://schemas.microsoft.com/office/drawing/2014/main" id="{42DD38C0-535D-D447-8D47-ECD8318EFD04}"/>
               </a:ext>
             </a:extLst>
           </p:cNvPr>
@@ -6131,8 +6272,8 @@
         </p:nvSpPr>
         <p:spPr>
           <a:xfrm>
-            <a:off x="838200" y="365126"/>
-            <a:ext cx="10515600" cy="715530"/>
+            <a:off x="838200" y="365125"/>
+            <a:ext cx="10515600" cy="976787"/>
           </a:xfrm>
         </p:spPr>
         <p:txBody>
@@ -6146,7 +6287,7 @@
             </a:br>
             <a:r>
               <a:rPr lang="en-US" dirty="0"/>
-              <a:t>Spring Boot - Caching</a:t>
+              <a:t>Example 2</a:t>
             </a:r>
             <a:br>
               <a:rPr lang="en-US" dirty="0"/>
@@ -6160,7 +6301,7 @@
           <p:cNvPr id="3" name="Content Placeholder 2">
             <a:extLst>
               <a:ext uri="{FF2B5EF4-FFF2-40B4-BE49-F238E27FC236}">
-                <a16:creationId xmlns:a16="http://schemas.microsoft.com/office/drawing/2014/main" id="{7D6F150D-62C5-5C4C-8117-D9BDF0633DBA}"/>
+                <a16:creationId xmlns:a16="http://schemas.microsoft.com/office/drawing/2014/main" id="{5A8DFFD3-4285-9A4C-964B-A76DE6E332EC}"/>
               </a:ext>
             </a:extLst>
           </p:cNvPr>
@@ -6173,152 +6314,163 @@
         </p:nvSpPr>
         <p:spPr>
           <a:xfrm>
-            <a:off x="838200" y="1080656"/>
-            <a:ext cx="10515600" cy="5096307"/>
+            <a:off x="838200" y="1163782"/>
+            <a:ext cx="10515600" cy="5013181"/>
           </a:xfrm>
         </p:spPr>
         <p:txBody>
-          <a:bodyPr/>
+          <a:bodyPr>
+            <a:normAutofit/>
+          </a:bodyPr>
           <a:lstStyle/>
           <a:p>
             <a:pPr marL="0" indent="0">
               <a:buNone/>
             </a:pPr>
             <a:r>
-              <a:rPr lang="en-US" sz="1000" dirty="0"/>
-              <a:t>Spring Boot enables </a:t>
-            </a:r>
-            <a:r>
-              <a:rPr lang="en-US" sz="1000" b="1" dirty="0"/>
-              <a:t>auto-configuration</a:t>
-            </a:r>
-            <a:r>
-              <a:rPr lang="en-US" sz="1000" dirty="0"/>
-              <a:t> for </a:t>
-            </a:r>
-            <a:r>
-              <a:rPr lang="en-US" sz="1000" b="1" dirty="0"/>
-              <a:t>Caching</a:t>
-            </a:r>
-            <a:r>
-              <a:rPr lang="en-US" sz="1000" dirty="0"/>
-              <a:t>.</a:t>
-            </a:r>
-          </a:p>
-          <a:p>
-            <a:pPr marL="0" indent="0">
-              <a:buNone/>
-            </a:pPr>
-            <a:r>
-              <a:rPr lang="en-US" sz="1000" dirty="0"/>
-              <a:t>Let's consider this simple example.</a:t>
-            </a:r>
-          </a:p>
-          <a:p>
-            <a:pPr marL="0" indent="0">
-              <a:buNone/>
-            </a:pPr>
-            <a:r>
-              <a:rPr lang="en-US" sz="1000" dirty="0"/>
-              <a:t>import </a:t>
-            </a:r>
-            <a:r>
-              <a:rPr lang="en-US" sz="1000" dirty="0" err="1"/>
-              <a:t>org.springframework.cache.annotation.Cacheable</a:t>
-            </a:r>
-            <a:r>
-              <a:rPr lang="en-US" sz="1000" dirty="0"/>
+              <a:rPr lang="en-US" sz="1400" dirty="0"/>
+              <a:t>@Conditional(</a:t>
+            </a:r>
+            <a:r>
+              <a:rPr lang="en-US" sz="1400" dirty="0" err="1"/>
+              <a:t>EmbeddedDatabaseCondition.class</a:t>
+            </a:r>
+            <a:r>
+              <a:rPr lang="en-US" sz="1400" dirty="0"/>
+              <a:t>) </a:t>
+            </a:r>
+          </a:p>
+          <a:p>
+            <a:pPr marL="0" indent="0">
+              <a:buNone/>
+            </a:pPr>
+            <a:r>
+              <a:rPr lang="en-US" sz="1400" dirty="0"/>
+              <a:t>@</a:t>
+            </a:r>
+            <a:r>
+              <a:rPr lang="en-US" sz="1400" dirty="0" err="1"/>
+              <a:t>ConditionalOnMissingBean</a:t>
+            </a:r>
+            <a:r>
+              <a:rPr lang="en-US" sz="1400" dirty="0"/>
+              <a:t>({ </a:t>
+            </a:r>
+            <a:r>
+              <a:rPr lang="en-US" sz="1400" dirty="0" err="1"/>
+              <a:t>DataSource.class</a:t>
+            </a:r>
+            <a:r>
+              <a:rPr lang="en-US" sz="1400" dirty="0"/>
+              <a:t>, </a:t>
+            </a:r>
+            <a:r>
+              <a:rPr lang="en-US" sz="1400" dirty="0" err="1"/>
+              <a:t>XADataSource.class</a:t>
+            </a:r>
+            <a:r>
+              <a:rPr lang="en-US" sz="1400" dirty="0"/>
+              <a:t> }) </a:t>
+            </a:r>
+          </a:p>
+          <a:p>
+            <a:pPr marL="0" indent="0">
+              <a:buNone/>
+            </a:pPr>
+            <a:r>
+              <a:rPr lang="en-US" sz="1400" dirty="0"/>
+              <a:t>@Import(</a:t>
+            </a:r>
+            <a:r>
+              <a:rPr lang="en-US" sz="1400" dirty="0" err="1"/>
+              <a:t>EmbeddedDataSourceConfiguration.class</a:t>
+            </a:r>
+            <a:r>
+              <a:rPr lang="en-US" sz="1400" dirty="0"/>
+              <a:t>) </a:t>
+            </a:r>
+          </a:p>
+          <a:p>
+            <a:pPr marL="0" indent="0">
+              <a:buNone/>
+            </a:pPr>
+            <a:r>
+              <a:rPr lang="en-US" sz="1400" dirty="0"/>
+              <a:t>protected static class </a:t>
+            </a:r>
+            <a:r>
+              <a:rPr lang="en-US" sz="1400" dirty="0" err="1"/>
+              <a:t>EmbeddedDatabaseConfiguration</a:t>
+            </a:r>
+            <a:r>
+              <a:rPr lang="en-US" sz="1400" dirty="0"/>
+              <a:t> { }</a:t>
+            </a:r>
+          </a:p>
+          <a:p>
+            <a:pPr marL="0" indent="0">
+              <a:buNone/>
+            </a:pPr>
+            <a:r>
+              <a:rPr lang="en-US" sz="1400" dirty="0"/>
               <a:t> </a:t>
             </a:r>
-          </a:p>
-          <a:p>
-            <a:pPr marL="0" indent="0">
-              <a:buNone/>
-            </a:pPr>
-            <a:r>
-              <a:rPr lang="en-US" sz="1000" dirty="0"/>
-              <a:t>import </a:t>
-            </a:r>
-            <a:r>
-              <a:rPr lang="en-US" sz="1000" dirty="0" err="1"/>
-              <a:t>org.springframework.stereotype.Component</a:t>
-            </a:r>
-            <a:r>
-              <a:rPr lang="en-US" sz="1000" dirty="0"/>
-              <a:t>; </a:t>
-            </a:r>
-          </a:p>
-          <a:p>
-            <a:pPr marL="0" indent="0">
-              <a:buNone/>
-            </a:pPr>
-            <a:r>
-              <a:rPr lang="en-US" sz="1000" dirty="0"/>
-              <a:t>@Component </a:t>
-            </a:r>
-          </a:p>
-          <a:p>
-            <a:pPr marL="0" indent="0">
-              <a:buNone/>
-            </a:pPr>
-            <a:r>
-              <a:rPr lang="en-US" sz="1000" dirty="0"/>
-              <a:t>public class </a:t>
-            </a:r>
-            <a:r>
-              <a:rPr lang="en-US" sz="1000" dirty="0" err="1"/>
-              <a:t>RatingService</a:t>
-            </a:r>
-            <a:r>
-              <a:rPr lang="en-US" sz="1000" dirty="0"/>
-              <a:t> { </a:t>
-            </a:r>
-          </a:p>
-          <a:p>
-            <a:pPr marL="0" indent="0">
-              <a:buNone/>
-            </a:pPr>
-            <a:r>
-              <a:rPr lang="en-US" sz="1000" dirty="0"/>
-              <a:t>@Cacheable("premium") public </a:t>
-            </a:r>
-            <a:r>
-              <a:rPr lang="en-US" sz="1000" dirty="0" err="1"/>
-              <a:t>int</a:t>
-            </a:r>
-            <a:r>
-              <a:rPr lang="en-US" sz="1000" dirty="0"/>
-              <a:t> </a:t>
-            </a:r>
-            <a:r>
-              <a:rPr lang="en-US" sz="1000" dirty="0" err="1"/>
-              <a:t>computePremium</a:t>
-            </a:r>
-            <a:r>
-              <a:rPr lang="en-US" sz="1000" dirty="0"/>
-              <a:t>(</a:t>
-            </a:r>
-            <a:r>
-              <a:rPr lang="en-US" sz="1000" dirty="0" err="1"/>
-              <a:t>int</a:t>
-            </a:r>
-            <a:r>
-              <a:rPr lang="en-US" sz="1000" dirty="0"/>
-              <a:t> rate) { // ... } } premium is marked @Cacheable, which means that if the value of rate is going to be the same, Spring Boot does not compute the premium value, rather fetch the same from the cache.</a:t>
-            </a:r>
-          </a:p>
-          <a:p>
-            <a:pPr marL="0" indent="0">
-              <a:buNone/>
-            </a:pPr>
-            <a:endParaRPr lang="en-US" dirty="0"/>
+            <a:r>
+              <a:rPr lang="en-US" sz="1400" i="1" dirty="0"/>
+              <a:t>@</a:t>
+            </a:r>
+            <a:r>
+              <a:rPr lang="en-US" sz="1400" i="1" dirty="0" err="1"/>
+              <a:t>ConditionalOnMissingBean</a:t>
+            </a:r>
+            <a:endParaRPr lang="en-US" sz="1400" dirty="0"/>
+          </a:p>
+          <a:p>
+            <a:pPr marL="0" indent="0">
+              <a:buNone/>
+            </a:pPr>
+            <a:r>
+              <a:rPr lang="en-US" sz="1400" dirty="0"/>
+              <a:t>This bean is configured under this condition that if there is no other bean configured with the same name.</a:t>
+            </a:r>
+          </a:p>
+          <a:p>
+            <a:pPr marL="0" indent="0">
+              <a:buNone/>
+            </a:pPr>
+            <a:r>
+              <a:rPr lang="en-US" sz="1400" dirty="0"/>
+              <a:t>Embedded Database is configured particularly if there are no beans of type </a:t>
+            </a:r>
+            <a:r>
+              <a:rPr lang="en-US" sz="1400" dirty="0" err="1"/>
+              <a:t>XADataSource.class</a:t>
+            </a:r>
+            <a:r>
+              <a:rPr lang="en-US" sz="1400" dirty="0"/>
+              <a:t> or </a:t>
+            </a:r>
+            <a:r>
+              <a:rPr lang="en-US" sz="1400" dirty="0" err="1"/>
+              <a:t>DataSource.class</a:t>
+            </a:r>
+            <a:r>
+              <a:rPr lang="en-US" sz="1400" dirty="0"/>
+              <a:t> already configured.</a:t>
+            </a:r>
+          </a:p>
+          <a:p>
+            <a:pPr marL="0" indent="0">
+              <a:buNone/>
+            </a:pPr>
+            <a:endParaRPr lang="en-US" sz="1200" dirty="0"/>
           </a:p>
         </p:txBody>
       </p:sp>
     </p:spTree>
     <p:extLst>
       <p:ext uri="{BB962C8B-B14F-4D97-AF65-F5344CB8AC3E}">
-        <p14:creationId xmlns:p14="http://schemas.microsoft.com/office/powerpoint/2010/main" val="559804553"/>
+        <p14:creationId xmlns:p14="http://schemas.microsoft.com/office/powerpoint/2010/main" val="216884312"/>
       </p:ext>
     </p:extLst>
   </p:cSld>
@@ -6347,10 +6499,160 @@
       </p:grpSpPr>
       <p:sp>
         <p:nvSpPr>
+          <p:cNvPr id="3" name="Content Placeholder 2">
+            <a:extLst>
+              <a:ext uri="{FF2B5EF4-FFF2-40B4-BE49-F238E27FC236}">
+                <a16:creationId xmlns:a16="http://schemas.microsoft.com/office/drawing/2014/main" id="{CAC3CDC9-191F-5949-A3E8-4CB84F37D95A}"/>
+              </a:ext>
+            </a:extLst>
+          </p:cNvPr>
+          <p:cNvSpPr>
+            <a:spLocks noGrp="1"/>
+          </p:cNvSpPr>
+          <p:nvPr>
+            <p:ph idx="1"/>
+          </p:nvPr>
+        </p:nvSpPr>
+        <p:spPr>
+          <a:xfrm>
+            <a:off x="931984" y="422031"/>
+            <a:ext cx="10421815" cy="5754932"/>
+          </a:xfrm>
+        </p:spPr>
+        <p:txBody>
+          <a:bodyPr/>
+          <a:lstStyle/>
+          <a:p>
+            <a:pPr marL="0" indent="0">
+              <a:buNone/>
+            </a:pPr>
+            <a:r>
+              <a:rPr lang="en-US" dirty="0"/>
+              <a:t>Why Spring is popular?</a:t>
+            </a:r>
+          </a:p>
+          <a:p>
+            <a:pPr marL="0" indent="0">
+              <a:buNone/>
+            </a:pPr>
+            <a:r>
+              <a:rPr lang="en-US" b="1" dirty="0"/>
+              <a:t>Enables testable code- </a:t>
+            </a:r>
+            <a:r>
+              <a:rPr lang="en-US" dirty="0"/>
+              <a:t>Spring has really good integration with testing framework like </a:t>
+            </a:r>
+            <a:r>
+              <a:rPr lang="en-US" dirty="0" err="1"/>
+              <a:t>jUnit</a:t>
+            </a:r>
+            <a:r>
+              <a:rPr lang="en-US" dirty="0"/>
+              <a:t> and </a:t>
+            </a:r>
+            <a:r>
+              <a:rPr lang="en-US" dirty="0" err="1"/>
+              <a:t>mokito</a:t>
+            </a:r>
+            <a:r>
+              <a:rPr lang="en-US" dirty="0"/>
+              <a:t> and its enable us to write unit test cases very easily.</a:t>
+            </a:r>
+          </a:p>
+          <a:p>
+            <a:pPr marL="0" indent="0">
+              <a:buNone/>
+            </a:pPr>
+            <a:r>
+              <a:rPr lang="en-US" b="1" dirty="0"/>
+              <a:t>Get rid of boiler plate of code or no plumbing code.</a:t>
+            </a:r>
+          </a:p>
+          <a:p>
+            <a:pPr marL="0" indent="0">
+              <a:buNone/>
+            </a:pPr>
+            <a:r>
+              <a:rPr lang="en-US" b="1" dirty="0"/>
+              <a:t>Architecture flexibility – </a:t>
+            </a:r>
+            <a:r>
+              <a:rPr lang="en-US" dirty="0"/>
+              <a:t>can use specific module for specific functionality</a:t>
+            </a:r>
+          </a:p>
+          <a:p>
+            <a:pPr marL="0" indent="0">
+              <a:buNone/>
+            </a:pPr>
+            <a:r>
+              <a:rPr lang="en-US" b="1" dirty="0"/>
+              <a:t>Staying with Current Trend: </a:t>
+            </a:r>
+            <a:r>
+              <a:rPr lang="en-US" dirty="0"/>
+              <a:t>like Spring boot to develop micro services, spring clouds </a:t>
+            </a:r>
+            <a:r>
+              <a:rPr lang="en-US" dirty="0" err="1"/>
+              <a:t>etc</a:t>
+            </a:r>
+            <a:endParaRPr lang="en-US" dirty="0"/>
+          </a:p>
+          <a:p>
+            <a:pPr marL="0" indent="0">
+              <a:buNone/>
+            </a:pPr>
+            <a:endParaRPr lang="en-US" dirty="0"/>
+          </a:p>
+          <a:p>
+            <a:pPr marL="0" indent="0">
+              <a:buNone/>
+            </a:pPr>
+            <a:r>
+              <a:rPr lang="en-US" dirty="0"/>
+              <a:t>These are main four reason which make Spring so popular in today market.</a:t>
+            </a:r>
+          </a:p>
+        </p:txBody>
+      </p:sp>
+    </p:spTree>
+    <p:extLst>
+      <p:ext uri="{BB962C8B-B14F-4D97-AF65-F5344CB8AC3E}">
+        <p14:creationId xmlns:p14="http://schemas.microsoft.com/office/powerpoint/2010/main" val="145091925"/>
+      </p:ext>
+    </p:extLst>
+  </p:cSld>
+  <p:clrMapOvr>
+    <a:masterClrMapping/>
+  </p:clrMapOvr>
+</p:sld>
+</file>
+
+<file path=ppt/slides/slide20.xml><?xml version="1.0" encoding="utf-8"?>
+<p:sld xmlns:a="http://schemas.openxmlformats.org/drawingml/2006/main" xmlns:r="http://schemas.openxmlformats.org/officeDocument/2006/relationships" xmlns:p="http://schemas.openxmlformats.org/presentationml/2006/main">
+  <p:cSld>
+    <p:spTree>
+      <p:nvGrpSpPr>
+        <p:cNvPr id="1" name=""/>
+        <p:cNvGrpSpPr/>
+        <p:nvPr/>
+      </p:nvGrpSpPr>
+      <p:grpSpPr>
+        <a:xfrm>
+          <a:off x="0" y="0"/>
+          <a:ext cx="0" cy="0"/>
+          <a:chOff x="0" y="0"/>
+          <a:chExt cx="0" cy="0"/>
+        </a:xfrm>
+      </p:grpSpPr>
+      <p:sp>
+        <p:nvSpPr>
           <p:cNvPr id="2" name="Title 1">
             <a:extLst>
               <a:ext uri="{FF2B5EF4-FFF2-40B4-BE49-F238E27FC236}">
-                <a16:creationId xmlns:a16="http://schemas.microsoft.com/office/drawing/2014/main" id="{17E68671-80F2-414A-909D-18B70BC3FAA3}"/>
+                <a16:creationId xmlns:a16="http://schemas.microsoft.com/office/drawing/2014/main" id="{C4E1FC52-381F-314D-AAB9-25B178F51C39}"/>
               </a:ext>
             </a:extLst>
           </p:cNvPr>
@@ -6364,7 +6666,49 @@
         <p:spPr>
           <a:xfrm>
             <a:off x="838200" y="365125"/>
-            <a:ext cx="10515600" cy="691779"/>
+            <a:ext cx="10515600" cy="442397"/>
+          </a:xfrm>
+        </p:spPr>
+        <p:txBody>
+          <a:bodyPr>
+            <a:normAutofit fontScale="90000"/>
+          </a:bodyPr>
+          <a:lstStyle/>
+          <a:p>
+            <a:br>
+              <a:rPr lang="en-US" dirty="0"/>
+            </a:br>
+            <a:r>
+              <a:rPr lang="en-US" sz="2700" dirty="0"/>
+              <a:t>Debugging Auto Configuration</a:t>
+            </a:r>
+            <a:br>
+              <a:rPr lang="en-US" dirty="0"/>
+            </a:br>
+            <a:endParaRPr lang="en-US" dirty="0"/>
+          </a:p>
+        </p:txBody>
+      </p:sp>
+      <p:sp>
+        <p:nvSpPr>
+          <p:cNvPr id="3" name="Content Placeholder 2">
+            <a:extLst>
+              <a:ext uri="{FF2B5EF4-FFF2-40B4-BE49-F238E27FC236}">
+                <a16:creationId xmlns:a16="http://schemas.microsoft.com/office/drawing/2014/main" id="{A14083FA-1101-CC49-8F40-BFB93FDFA718}"/>
+              </a:ext>
+            </a:extLst>
+          </p:cNvPr>
+          <p:cNvSpPr>
+            <a:spLocks noGrp="1"/>
+          </p:cNvSpPr>
+          <p:nvPr>
+            <p:ph idx="1"/>
+          </p:nvPr>
+        </p:nvSpPr>
+        <p:spPr>
+          <a:xfrm>
+            <a:off x="838200" y="807522"/>
+            <a:ext cx="10515600" cy="5428818"/>
           </a:xfrm>
         </p:spPr>
         <p:txBody>
@@ -6373,191 +6717,338 @@
           </a:bodyPr>
           <a:lstStyle/>
           <a:p>
-            <a:r>
-              <a:rPr lang="en-US" sz="2800" dirty="0"/>
-              <a:t>Spring Bean</a:t>
-            </a:r>
-          </a:p>
-        </p:txBody>
-      </p:sp>
-      <p:sp>
-        <p:nvSpPr>
-          <p:cNvPr id="3" name="Content Placeholder 2">
-            <a:extLst>
-              <a:ext uri="{FF2B5EF4-FFF2-40B4-BE49-F238E27FC236}">
-                <a16:creationId xmlns:a16="http://schemas.microsoft.com/office/drawing/2014/main" id="{892253BB-544A-4940-A79A-7E69FD7E9DC3}"/>
-              </a:ext>
-            </a:extLst>
-          </p:cNvPr>
-          <p:cNvSpPr>
-            <a:spLocks noGrp="1"/>
-          </p:cNvSpPr>
-          <p:nvPr>
-            <p:ph idx="1"/>
-          </p:nvPr>
-        </p:nvSpPr>
-        <p:spPr>
-          <a:xfrm>
-            <a:off x="838200" y="1211283"/>
-            <a:ext cx="10515600" cy="5025057"/>
-          </a:xfrm>
-        </p:spPr>
-        <p:txBody>
-          <a:bodyPr>
-            <a:normAutofit fontScale="55000" lnSpcReduction="20000"/>
-          </a:bodyPr>
-          <a:lstStyle/>
-          <a:p>
-            <a:pPr marL="0" indent="0">
-              <a:buNone/>
-            </a:pPr>
-            <a:r>
-              <a:rPr lang="en-US" sz="2200" b="1" dirty="0"/>
-              <a:t>Spring Bean</a:t>
-            </a:r>
-          </a:p>
-          <a:p>
-            <a:r>
-              <a:rPr lang="en-US" sz="2200" dirty="0"/>
-              <a:t>Beans are objects that form the pivotal part of your application. They are instantiated, assembled, and managed by the Spring </a:t>
-            </a:r>
-            <a:r>
-              <a:rPr lang="en-US" sz="2200" dirty="0" err="1"/>
-              <a:t>IoC</a:t>
-            </a:r>
-            <a:r>
-              <a:rPr lang="en-US" sz="2200" dirty="0"/>
-              <a:t> container.</a:t>
-            </a:r>
-          </a:p>
-          <a:p>
-            <a:r>
-              <a:rPr lang="en-US" sz="2200" dirty="0"/>
-              <a:t>The beans are built with configuration metadata that are provided to the container. This configuration data determines the bean behavior.</a:t>
-            </a:r>
-          </a:p>
-          <a:p>
-            <a:pPr marL="0" indent="0">
-              <a:buNone/>
-            </a:pPr>
-            <a:r>
-              <a:rPr lang="en-US" sz="2200" b="1" dirty="0"/>
-              <a:t>Configuring Spring Bean</a:t>
-            </a:r>
-          </a:p>
-          <a:p>
-            <a:r>
-              <a:rPr lang="en-US" sz="2200" dirty="0"/>
-              <a:t>The following three techniques offer configuration metadata to Spring Container.</a:t>
-            </a:r>
-          </a:p>
-          <a:p>
-            <a:r>
-              <a:rPr lang="en-US" sz="2200" dirty="0"/>
-              <a:t>XML based configuration file</a:t>
-            </a:r>
-          </a:p>
-          <a:p>
-            <a:r>
-              <a:rPr lang="en-US" sz="2200" dirty="0"/>
-              <a:t>Annotation-based configuration</a:t>
-            </a:r>
-          </a:p>
-          <a:p>
-            <a:r>
-              <a:rPr lang="en-US" sz="2200" dirty="0"/>
-              <a:t>Java-based configuration</a:t>
-            </a:r>
-          </a:p>
-          <a:p>
-            <a:r>
-              <a:rPr lang="en-US" sz="2200" dirty="0"/>
-              <a:t>Spring </a:t>
-            </a:r>
-            <a:r>
-              <a:rPr lang="en-US" sz="2200" dirty="0" err="1"/>
-              <a:t>IoC</a:t>
-            </a:r>
-            <a:r>
-              <a:rPr lang="en-US" sz="2200" dirty="0"/>
-              <a:t> container is completely decoupled from the format where configuration metadata is written.</a:t>
-            </a:r>
-          </a:p>
-          <a:p>
-            <a:pPr marL="0" indent="0">
-              <a:buNone/>
-            </a:pPr>
-            <a:r>
-              <a:rPr lang="en-US" sz="2200" b="1" dirty="0"/>
-              <a:t>Bean Scopes</a:t>
-            </a:r>
-          </a:p>
-          <a:p>
-            <a:r>
-              <a:rPr lang="en-US" sz="2200" dirty="0"/>
-              <a:t>While defining a bean you can declare a scope for the bean.</a:t>
-            </a:r>
-          </a:p>
-          <a:p>
-            <a:r>
-              <a:rPr lang="en-US" sz="2200" dirty="0"/>
-              <a:t>E.g., to force Spring to create a new bean instance every time, you must declare the scope attribute of the bean to be prototype.</a:t>
-            </a:r>
-          </a:p>
-          <a:p>
-            <a:r>
-              <a:rPr lang="en-US" sz="2200" dirty="0"/>
-              <a:t>If you require Spring to return the same bean instance every time, you must declare the scope attribute of the bean to be singleton.</a:t>
-            </a:r>
-          </a:p>
-          <a:p>
-            <a:r>
-              <a:rPr lang="en-US" sz="2200" dirty="0"/>
-              <a:t>There are five types of Scopes defined</a:t>
-            </a:r>
-          </a:p>
-          <a:p>
-            <a:r>
-              <a:rPr lang="en-US" sz="2200" dirty="0"/>
-              <a:t>singleton</a:t>
-            </a:r>
-          </a:p>
-          <a:p>
-            <a:r>
-              <a:rPr lang="en-US" sz="2200" dirty="0"/>
-              <a:t>prototype</a:t>
-            </a:r>
-          </a:p>
-          <a:p>
-            <a:r>
-              <a:rPr lang="en-US" sz="2200" dirty="0"/>
-              <a:t>request</a:t>
-            </a:r>
-          </a:p>
-          <a:p>
-            <a:r>
-              <a:rPr lang="en-US" sz="2200" dirty="0"/>
-              <a:t>session</a:t>
-            </a:r>
-          </a:p>
-          <a:p>
-            <a:r>
-              <a:rPr lang="en-US" sz="2200" dirty="0"/>
-              <a:t>global-session</a:t>
-            </a:r>
-          </a:p>
-          <a:p>
-            <a:pPr marL="0" indent="0">
-              <a:buNone/>
-            </a:pPr>
-            <a:endParaRPr lang="en-US" dirty="0"/>
+            <a:pPr marL="0" indent="0">
+              <a:buNone/>
+            </a:pPr>
+            <a:r>
+              <a:rPr lang="en-US" sz="1200" dirty="0"/>
+              <a:t>Debugging Auto Configuration</a:t>
+            </a:r>
+          </a:p>
+          <a:p>
+            <a:pPr marL="0" indent="0">
+              <a:buNone/>
+            </a:pPr>
+            <a:r>
+              <a:rPr lang="en-US" sz="1200" dirty="0"/>
+              <a:t>There are two approaches you can debug and discover more information about auto configuration.</a:t>
+            </a:r>
+          </a:p>
+          <a:p>
+            <a:r>
+              <a:rPr lang="en-US" sz="1200" b="1" dirty="0"/>
+              <a:t>Using Spring Boot Actuator</a:t>
+            </a:r>
+            <a:endParaRPr lang="en-US" sz="1200" dirty="0"/>
+          </a:p>
+          <a:p>
+            <a:r>
+              <a:rPr lang="en-US" sz="1200" b="1" dirty="0"/>
+              <a:t>Turning on debug logging</a:t>
+            </a:r>
+            <a:endParaRPr lang="en-US" sz="1200" dirty="0"/>
+          </a:p>
+          <a:p>
+            <a:pPr marL="0" indent="0">
+              <a:buNone/>
+            </a:pPr>
+            <a:r>
+              <a:rPr lang="en-US" sz="1200" dirty="0"/>
+              <a:t>You can switch on debug logging by including a simple property value to </a:t>
+            </a:r>
+            <a:r>
+              <a:rPr lang="en-US" sz="1200" dirty="0" err="1"/>
+              <a:t>application.properties</a:t>
+            </a:r>
+            <a:r>
+              <a:rPr lang="en-US" sz="1200" dirty="0"/>
+              <a:t>.</a:t>
+            </a:r>
+          </a:p>
+          <a:p>
+            <a:pPr marL="0" indent="0">
+              <a:buNone/>
+            </a:pPr>
+            <a:r>
+              <a:rPr lang="en-US" sz="1200" dirty="0"/>
+              <a:t>In this example, we are switching on Debug level for all logging from </a:t>
+            </a:r>
+            <a:r>
+              <a:rPr lang="en-US" sz="1200" dirty="0" err="1"/>
+              <a:t>org.springframework</a:t>
+            </a:r>
+            <a:r>
+              <a:rPr lang="en-US" sz="1200" dirty="0"/>
+              <a:t> package (and sub packages).</a:t>
+            </a:r>
+          </a:p>
+          <a:p>
+            <a:pPr marL="0" indent="0">
+              <a:buNone/>
+            </a:pPr>
+            <a:r>
+              <a:rPr lang="en-US" sz="1200" b="1" dirty="0" err="1"/>
+              <a:t>logging.level.org.springframework</a:t>
+            </a:r>
+            <a:r>
+              <a:rPr lang="en-US" sz="1200" b="1" dirty="0"/>
+              <a:t>: DEBUG</a:t>
+            </a:r>
+            <a:endParaRPr lang="en-US" sz="1200" dirty="0"/>
+          </a:p>
+          <a:p>
+            <a:pPr marL="0" indent="0">
+              <a:buNone/>
+            </a:pPr>
+            <a:r>
+              <a:rPr lang="en-US" sz="1200" dirty="0"/>
+              <a:t>When the application is restarted, you will view an auto configuration report printed in the log.</a:t>
+            </a:r>
+          </a:p>
+          <a:p>
+            <a:pPr marL="0" indent="0">
+              <a:buNone/>
+            </a:pPr>
+            <a:endParaRPr lang="en-US" sz="1200" dirty="0"/>
           </a:p>
         </p:txBody>
       </p:sp>
     </p:spTree>
     <p:extLst>
       <p:ext uri="{BB962C8B-B14F-4D97-AF65-F5344CB8AC3E}">
-        <p14:creationId xmlns:p14="http://schemas.microsoft.com/office/powerpoint/2010/main" val="1817758446"/>
+        <p14:creationId xmlns:p14="http://schemas.microsoft.com/office/powerpoint/2010/main" val="2258131637"/>
+      </p:ext>
+    </p:extLst>
+  </p:cSld>
+  <p:clrMapOvr>
+    <a:masterClrMapping/>
+  </p:clrMapOvr>
+</p:sld>
+</file>
+
+<file path=ppt/slides/slide21.xml><?xml version="1.0" encoding="utf-8"?>
+<p:sld xmlns:a="http://schemas.openxmlformats.org/drawingml/2006/main" xmlns:r="http://schemas.openxmlformats.org/officeDocument/2006/relationships" xmlns:p="http://schemas.openxmlformats.org/presentationml/2006/main">
+  <p:cSld>
+    <p:spTree>
+      <p:nvGrpSpPr>
+        <p:cNvPr id="1" name=""/>
+        <p:cNvGrpSpPr/>
+        <p:nvPr/>
+      </p:nvGrpSpPr>
+      <p:grpSpPr>
+        <a:xfrm>
+          <a:off x="0" y="0"/>
+          <a:ext cx="0" cy="0"/>
+          <a:chOff x="0" y="0"/>
+          <a:chExt cx="0" cy="0"/>
+        </a:xfrm>
+      </p:grpSpPr>
+      <p:sp>
+        <p:nvSpPr>
+          <p:cNvPr id="2" name="Title 1">
+            <a:extLst>
+              <a:ext uri="{FF2B5EF4-FFF2-40B4-BE49-F238E27FC236}">
+                <a16:creationId xmlns:a16="http://schemas.microsoft.com/office/drawing/2014/main" id="{E4191203-51F9-3A4B-A3D6-99CFEAB6418D}"/>
+              </a:ext>
+            </a:extLst>
+          </p:cNvPr>
+          <p:cNvSpPr>
+            <a:spLocks noGrp="1"/>
+          </p:cNvSpPr>
+          <p:nvPr>
+            <p:ph type="title"/>
+          </p:nvPr>
+        </p:nvSpPr>
+        <p:spPr>
+          <a:xfrm>
+            <a:off x="838200" y="365126"/>
+            <a:ext cx="10515600" cy="715530"/>
+          </a:xfrm>
+        </p:spPr>
+        <p:txBody>
+          <a:bodyPr>
+            <a:normAutofit fontScale="90000"/>
+          </a:bodyPr>
+          <a:lstStyle/>
+          <a:p>
+            <a:br>
+              <a:rPr lang="en-US" dirty="0"/>
+            </a:br>
+            <a:r>
+              <a:rPr lang="en-US" dirty="0"/>
+              <a:t>Spring Boot - Caching</a:t>
+            </a:r>
+            <a:br>
+              <a:rPr lang="en-US" dirty="0"/>
+            </a:br>
+            <a:endParaRPr lang="en-US" dirty="0"/>
+          </a:p>
+        </p:txBody>
+      </p:sp>
+      <p:sp>
+        <p:nvSpPr>
+          <p:cNvPr id="3" name="Content Placeholder 2">
+            <a:extLst>
+              <a:ext uri="{FF2B5EF4-FFF2-40B4-BE49-F238E27FC236}">
+                <a16:creationId xmlns:a16="http://schemas.microsoft.com/office/drawing/2014/main" id="{7D6F150D-62C5-5C4C-8117-D9BDF0633DBA}"/>
+              </a:ext>
+            </a:extLst>
+          </p:cNvPr>
+          <p:cNvSpPr>
+            <a:spLocks noGrp="1"/>
+          </p:cNvSpPr>
+          <p:nvPr>
+            <p:ph idx="1"/>
+          </p:nvPr>
+        </p:nvSpPr>
+        <p:spPr>
+          <a:xfrm>
+            <a:off x="838200" y="1080656"/>
+            <a:ext cx="10515600" cy="5096307"/>
+          </a:xfrm>
+        </p:spPr>
+        <p:txBody>
+          <a:bodyPr/>
+          <a:lstStyle/>
+          <a:p>
+            <a:pPr marL="0" indent="0">
+              <a:buNone/>
+            </a:pPr>
+            <a:r>
+              <a:rPr lang="en-US" sz="1000" dirty="0"/>
+              <a:t>Spring Boot enables </a:t>
+            </a:r>
+            <a:r>
+              <a:rPr lang="en-US" sz="1000" b="1" dirty="0"/>
+              <a:t>auto-configuration</a:t>
+            </a:r>
+            <a:r>
+              <a:rPr lang="en-US" sz="1000" dirty="0"/>
+              <a:t> for </a:t>
+            </a:r>
+            <a:r>
+              <a:rPr lang="en-US" sz="1000" b="1" dirty="0"/>
+              <a:t>Caching</a:t>
+            </a:r>
+            <a:r>
+              <a:rPr lang="en-US" sz="1000" dirty="0"/>
+              <a:t>.</a:t>
+            </a:r>
+          </a:p>
+          <a:p>
+            <a:pPr marL="0" indent="0">
+              <a:buNone/>
+            </a:pPr>
+            <a:r>
+              <a:rPr lang="en-US" sz="1000" dirty="0"/>
+              <a:t>Let's consider this simple example.</a:t>
+            </a:r>
+          </a:p>
+          <a:p>
+            <a:pPr marL="0" indent="0">
+              <a:buNone/>
+            </a:pPr>
+            <a:r>
+              <a:rPr lang="en-US" sz="1000" dirty="0"/>
+              <a:t>import </a:t>
+            </a:r>
+            <a:r>
+              <a:rPr lang="en-US" sz="1000" dirty="0" err="1"/>
+              <a:t>org.springframework.cache.annotation.Cacheable</a:t>
+            </a:r>
+            <a:r>
+              <a:rPr lang="en-US" sz="1000" dirty="0"/>
+              <a:t> </a:t>
+            </a:r>
+          </a:p>
+          <a:p>
+            <a:pPr marL="0" indent="0">
+              <a:buNone/>
+            </a:pPr>
+            <a:r>
+              <a:rPr lang="en-US" sz="1000" dirty="0"/>
+              <a:t>import </a:t>
+            </a:r>
+            <a:r>
+              <a:rPr lang="en-US" sz="1000" dirty="0" err="1"/>
+              <a:t>org.springframework.stereotype.Component</a:t>
+            </a:r>
+            <a:r>
+              <a:rPr lang="en-US" sz="1000" dirty="0"/>
+              <a:t>; </a:t>
+            </a:r>
+          </a:p>
+          <a:p>
+            <a:pPr marL="0" indent="0">
+              <a:buNone/>
+            </a:pPr>
+            <a:r>
+              <a:rPr lang="en-US" sz="1000" dirty="0"/>
+              <a:t>@Component </a:t>
+            </a:r>
+          </a:p>
+          <a:p>
+            <a:pPr marL="0" indent="0">
+              <a:buNone/>
+            </a:pPr>
+            <a:r>
+              <a:rPr lang="en-US" sz="1000" dirty="0"/>
+              <a:t>public class </a:t>
+            </a:r>
+            <a:r>
+              <a:rPr lang="en-US" sz="1000" dirty="0" err="1"/>
+              <a:t>RatingService</a:t>
+            </a:r>
+            <a:r>
+              <a:rPr lang="en-US" sz="1000" dirty="0"/>
+              <a:t> { </a:t>
+            </a:r>
+          </a:p>
+          <a:p>
+            <a:pPr marL="0" indent="0">
+              <a:buNone/>
+            </a:pPr>
+            <a:r>
+              <a:rPr lang="en-US" sz="1000" dirty="0"/>
+              <a:t>@Cacheable("premium") public </a:t>
+            </a:r>
+            <a:r>
+              <a:rPr lang="en-US" sz="1000" dirty="0" err="1"/>
+              <a:t>int</a:t>
+            </a:r>
+            <a:r>
+              <a:rPr lang="en-US" sz="1000" dirty="0"/>
+              <a:t> </a:t>
+            </a:r>
+            <a:r>
+              <a:rPr lang="en-US" sz="1000" dirty="0" err="1"/>
+              <a:t>computePremium</a:t>
+            </a:r>
+            <a:r>
+              <a:rPr lang="en-US" sz="1000" dirty="0"/>
+              <a:t>(</a:t>
+            </a:r>
+            <a:r>
+              <a:rPr lang="en-US" sz="1000" dirty="0" err="1"/>
+              <a:t>int</a:t>
+            </a:r>
+            <a:r>
+              <a:rPr lang="en-US" sz="1000" dirty="0"/>
+              <a:t> rate) { // ... } } premium is marked @Cacheable, which means that if the value of rate is going to be the same, Spring Boot does not compute the premium value, rather fetch the same from the cache.</a:t>
+            </a:r>
+          </a:p>
+          <a:p>
+            <a:pPr marL="0" indent="0">
+              <a:buNone/>
+            </a:pPr>
+            <a:endParaRPr lang="en-US" dirty="0"/>
+          </a:p>
+        </p:txBody>
+      </p:sp>
+    </p:spTree>
+    <p:extLst>
+      <p:ext uri="{BB962C8B-B14F-4D97-AF65-F5344CB8AC3E}">
+        <p14:creationId xmlns:p14="http://schemas.microsoft.com/office/powerpoint/2010/main" val="559804553"/>
       </p:ext>
     </p:extLst>
   </p:cSld>
@@ -6586,290 +7077,148 @@
       </p:grpSpPr>
       <p:sp>
         <p:nvSpPr>
-          <p:cNvPr id="2" name="Title 1">
-            <a:extLst>
-              <a:ext uri="{FF2B5EF4-FFF2-40B4-BE49-F238E27FC236}">
-                <a16:creationId xmlns:a16="http://schemas.microsoft.com/office/drawing/2014/main" id="{AD2D8800-BF45-4743-8744-FA41F2947538}"/>
-              </a:ext>
-            </a:extLst>
-          </p:cNvPr>
-          <p:cNvSpPr>
-            <a:spLocks noGrp="1"/>
-          </p:cNvSpPr>
-          <p:nvPr>
-            <p:ph type="title"/>
+          <p:cNvPr id="3" name="Content Placeholder 2">
+            <a:extLst>
+              <a:ext uri="{FF2B5EF4-FFF2-40B4-BE49-F238E27FC236}">
+                <a16:creationId xmlns:a16="http://schemas.microsoft.com/office/drawing/2014/main" id="{D9C3F577-550C-574D-80D2-C2B6A68E701A}"/>
+              </a:ext>
+            </a:extLst>
+          </p:cNvPr>
+          <p:cNvSpPr>
+            <a:spLocks noGrp="1"/>
+          </p:cNvSpPr>
+          <p:nvPr>
+            <p:ph idx="1"/>
           </p:nvPr>
         </p:nvSpPr>
         <p:spPr>
           <a:xfrm>
-            <a:off x="838200" y="365126"/>
-            <a:ext cx="10515600" cy="383020"/>
+            <a:off x="597877" y="386862"/>
+            <a:ext cx="10755923" cy="5790101"/>
           </a:xfrm>
         </p:spPr>
         <p:txBody>
-          <a:bodyPr>
-            <a:normAutofit fontScale="90000"/>
-          </a:bodyPr>
+          <a:bodyPr/>
           <a:lstStyle/>
           <a:p>
-            <a:r>
-              <a:rPr lang="en-US" sz="2400" dirty="0"/>
-              <a:t>Bean Lifecycle</a:t>
-            </a:r>
-          </a:p>
-        </p:txBody>
-      </p:sp>
-      <p:sp>
-        <p:nvSpPr>
-          <p:cNvPr id="3" name="Content Placeholder 2">
-            <a:extLst>
-              <a:ext uri="{FF2B5EF4-FFF2-40B4-BE49-F238E27FC236}">
-                <a16:creationId xmlns:a16="http://schemas.microsoft.com/office/drawing/2014/main" id="{A7118946-3657-1F4A-8673-509323C952DE}"/>
-              </a:ext>
-            </a:extLst>
-          </p:cNvPr>
-          <p:cNvSpPr>
-            <a:spLocks noGrp="1"/>
-          </p:cNvSpPr>
-          <p:nvPr>
-            <p:ph idx="1"/>
-          </p:nvPr>
-        </p:nvSpPr>
-        <p:spPr>
-          <a:xfrm>
-            <a:off x="838200" y="748146"/>
-            <a:ext cx="10515600" cy="5428817"/>
-          </a:xfrm>
-        </p:spPr>
-        <p:txBody>
-          <a:bodyPr>
-            <a:normAutofit/>
-          </a:bodyPr>
-          <a:lstStyle/>
-          <a:p>
-            <a:pPr marL="0" indent="0">
-              <a:buNone/>
-            </a:pPr>
-            <a:r>
-              <a:rPr lang="en-US" sz="1200" b="1" dirty="0"/>
-              <a:t>Bean - Lifecycle</a:t>
-            </a:r>
-          </a:p>
-          <a:p>
-            <a:r>
-              <a:rPr lang="en-US" sz="1200" dirty="0"/>
-              <a:t>You have to do some initialization to get a bean into a usable state, when instantiating a bean.</a:t>
-            </a:r>
-          </a:p>
-          <a:p>
-            <a:r>
-              <a:rPr lang="en-US" sz="1200" dirty="0"/>
-              <a:t>Also, you might have to perform a little cleanup, when the bean is removed from the container.</a:t>
-            </a:r>
-          </a:p>
-          <a:p>
-            <a:pPr marL="0" indent="0">
-              <a:buNone/>
-            </a:pPr>
-            <a:endParaRPr lang="en-US" sz="1200" dirty="0"/>
-          </a:p>
-          <a:p>
-            <a:pPr marL="0" indent="0">
-              <a:buNone/>
-            </a:pPr>
-            <a:r>
-              <a:rPr lang="en-US" sz="1200" b="1" dirty="0"/>
-              <a:t>Initialization and Destruction Callbacks</a:t>
-            </a:r>
-          </a:p>
-          <a:p>
-            <a:pPr marL="0" indent="0">
-              <a:buNone/>
-            </a:pPr>
-            <a:r>
-              <a:rPr lang="en-US" sz="1200" dirty="0"/>
-              <a:t>Callback methods are used to add user-defined </a:t>
-            </a:r>
-            <a:r>
-              <a:rPr lang="en-US" sz="1200" dirty="0" err="1"/>
-              <a:t>initializationand</a:t>
-            </a:r>
-            <a:r>
-              <a:rPr lang="en-US" sz="1200" dirty="0"/>
-              <a:t> </a:t>
-            </a:r>
-            <a:r>
-              <a:rPr lang="en-US" sz="1200" dirty="0" err="1"/>
-              <a:t>finalizationtasks</a:t>
-            </a:r>
-            <a:r>
-              <a:rPr lang="en-US" sz="1200" dirty="0"/>
-              <a:t> during the Spring Bean Lifecycle.</a:t>
-            </a:r>
-          </a:p>
-          <a:p>
-            <a:pPr marL="0" indent="0">
-              <a:buNone/>
-            </a:pPr>
-            <a:r>
-              <a:rPr lang="en-US" sz="1200" dirty="0"/>
-              <a:t> The two callback methods are</a:t>
-            </a:r>
-          </a:p>
-          <a:p>
-            <a:r>
-              <a:rPr lang="en-US" sz="1200" dirty="0"/>
-              <a:t>Initialization callbacks</a:t>
-            </a:r>
-          </a:p>
-          <a:p>
-            <a:r>
-              <a:rPr lang="en-US" sz="1200" dirty="0"/>
-              <a:t>Destruction callbacks</a:t>
-            </a:r>
-          </a:p>
-          <a:p>
-            <a:pPr marL="0" indent="0">
-              <a:buNone/>
-            </a:pPr>
-            <a:r>
-              <a:rPr lang="en-US" sz="1200" b="1" dirty="0"/>
-              <a:t>Initialization Callbacks</a:t>
-            </a:r>
-          </a:p>
-          <a:p>
-            <a:r>
-              <a:rPr lang="en-US" sz="1200" dirty="0"/>
-              <a:t>You can implement the </a:t>
-            </a:r>
-            <a:r>
-              <a:rPr lang="en-US" sz="1200" dirty="0" err="1"/>
-              <a:t>InitializingBean</a:t>
-            </a:r>
-            <a:r>
-              <a:rPr lang="en-US" sz="1200" dirty="0"/>
-              <a:t> interface and initialization work can be done inside </a:t>
-            </a:r>
-            <a:r>
-              <a:rPr lang="en-US" sz="1200" dirty="0" err="1"/>
-              <a:t>afterPropertiesSet</a:t>
-            </a:r>
-            <a:r>
-              <a:rPr lang="en-US" sz="1200" dirty="0"/>
-              <a:t>() method as follows −</a:t>
-            </a:r>
-          </a:p>
-          <a:p>
-            <a:pPr marL="0" indent="0">
-              <a:buNone/>
-            </a:pPr>
-            <a:r>
-              <a:rPr lang="en-US" sz="1000" dirty="0"/>
-              <a:t>public class </a:t>
-            </a:r>
-            <a:r>
-              <a:rPr lang="en-US" sz="1000" dirty="0" err="1"/>
-              <a:t>ExampleBean</a:t>
-            </a:r>
-            <a:r>
-              <a:rPr lang="en-US" sz="1000" dirty="0"/>
-              <a:t> implements </a:t>
-            </a:r>
-            <a:r>
-              <a:rPr lang="en-US" sz="1000" dirty="0" err="1"/>
-              <a:t>InitializingBean</a:t>
-            </a:r>
-            <a:r>
-              <a:rPr lang="en-US" sz="1000" dirty="0"/>
-              <a:t> </a:t>
-            </a:r>
-          </a:p>
-          <a:p>
-            <a:pPr marL="0" indent="0">
-              <a:buNone/>
-            </a:pPr>
-            <a:r>
-              <a:rPr lang="en-US" sz="1000" dirty="0"/>
-              <a:t>{ public void </a:t>
-            </a:r>
-            <a:r>
-              <a:rPr lang="en-US" sz="1000" dirty="0" err="1"/>
-              <a:t>afterPropertiesSet</a:t>
-            </a:r>
-            <a:r>
-              <a:rPr lang="en-US" sz="1000" dirty="0"/>
-              <a:t>() { // do some initialization work } }</a:t>
-            </a:r>
-          </a:p>
-          <a:p>
-            <a:pPr marL="0" indent="0">
-              <a:buNone/>
-            </a:pPr>
-            <a:r>
-              <a:rPr lang="en-US" sz="1300" b="1" dirty="0"/>
-              <a:t>Destruction Callbacks</a:t>
-            </a:r>
-          </a:p>
-          <a:p>
-            <a:r>
-              <a:rPr lang="en-US" sz="1200" dirty="0"/>
-              <a:t>You can implement </a:t>
-            </a:r>
-            <a:r>
-              <a:rPr lang="en-US" sz="1200" dirty="0" err="1"/>
-              <a:t>DisposableBean</a:t>
-            </a:r>
-            <a:r>
-              <a:rPr lang="en-US" sz="1200" dirty="0"/>
-              <a:t> interface and finalization work can be done inside destroy() method as follows −</a:t>
-            </a:r>
-          </a:p>
-          <a:p>
-            <a:pPr marL="0" indent="0">
-              <a:buNone/>
-            </a:pPr>
-            <a:r>
-              <a:rPr lang="en-US" sz="1200" dirty="0"/>
-              <a:t>public class </a:t>
-            </a:r>
-            <a:r>
-              <a:rPr lang="en-US" sz="1200" dirty="0" err="1"/>
-              <a:t>ExampleBean</a:t>
-            </a:r>
-            <a:r>
-              <a:rPr lang="en-US" sz="1200" dirty="0"/>
-              <a:t> implements </a:t>
-            </a:r>
-            <a:r>
-              <a:rPr lang="en-US" sz="1200" dirty="0" err="1"/>
-              <a:t>DisposableBean</a:t>
-            </a:r>
-            <a:r>
-              <a:rPr lang="en-US" sz="1200" dirty="0"/>
-              <a:t> { public void destroy() </a:t>
-            </a:r>
-          </a:p>
-          <a:p>
-            <a:pPr marL="0" indent="0">
-              <a:buNone/>
-            </a:pPr>
-            <a:r>
-              <a:rPr lang="en-US" sz="1200" dirty="0"/>
-              <a:t>{ // do some destruction work } }</a:t>
-            </a:r>
-          </a:p>
-          <a:p>
-            <a:pPr marL="0" indent="0">
-              <a:buNone/>
-            </a:pPr>
-            <a:endParaRPr lang="en-US" sz="1200" dirty="0"/>
+            <a:pPr marL="0" indent="0">
+              <a:buNone/>
+            </a:pPr>
+            <a:r>
+              <a:rPr lang="en-US" b="1" dirty="0"/>
+              <a:t>Modularity of Spring Framework- </a:t>
+            </a:r>
+            <a:r>
+              <a:rPr lang="en-US" sz="1800" dirty="0"/>
+              <a:t>Its not a big framework or a big jar. There are lots of modular jar presents  for different different functionality. Like spring </a:t>
+            </a:r>
+            <a:r>
+              <a:rPr lang="en-US" sz="1800" dirty="0" err="1"/>
+              <a:t>mvc</a:t>
+            </a:r>
+            <a:r>
+              <a:rPr lang="en-US" sz="1800" dirty="0"/>
+              <a:t>, data </a:t>
+            </a:r>
+            <a:r>
+              <a:rPr lang="en-US" sz="1800" dirty="0" err="1"/>
+              <a:t>jpa</a:t>
+            </a:r>
+            <a:r>
+              <a:rPr lang="en-US" sz="1800" dirty="0"/>
+              <a:t>, spring security, Spring JDBC </a:t>
+            </a:r>
+            <a:r>
+              <a:rPr lang="en-US" sz="1800" dirty="0" err="1"/>
+              <a:t>etc</a:t>
+            </a:r>
+            <a:endParaRPr lang="en-US" sz="1800" dirty="0"/>
+          </a:p>
+          <a:p>
+            <a:pPr marL="0" indent="0">
+              <a:buNone/>
+            </a:pPr>
+            <a:r>
+              <a:rPr lang="en-US" sz="1800" dirty="0"/>
+              <a:t>Good integration with ORM framework like hibernate</a:t>
+            </a:r>
+          </a:p>
+          <a:p>
+            <a:pPr marL="0" indent="0">
+              <a:buNone/>
+            </a:pPr>
+            <a:r>
+              <a:rPr lang="en-US" sz="1800" dirty="0"/>
+              <a:t>Good integration with JMS</a:t>
+            </a:r>
+          </a:p>
+          <a:p>
+            <a:pPr marL="0" indent="0">
+              <a:buNone/>
+            </a:pPr>
+            <a:r>
+              <a:rPr lang="en-US" sz="1800" dirty="0"/>
+              <a:t>Spring provides great support for data transactions management</a:t>
+            </a:r>
+          </a:p>
+          <a:p>
+            <a:pPr marL="0" indent="0">
+              <a:buNone/>
+            </a:pPr>
+            <a:r>
+              <a:rPr lang="en-US" sz="1800" dirty="0"/>
+              <a:t>Support for cross cutting concerns using AOP </a:t>
+            </a:r>
+          </a:p>
+          <a:p>
+            <a:pPr marL="0" indent="0">
+              <a:buNone/>
+            </a:pPr>
+            <a:r>
+              <a:rPr lang="en-US" sz="1800" dirty="0"/>
+              <a:t>Good support for logging framework</a:t>
+            </a:r>
+          </a:p>
+          <a:p>
+            <a:pPr marL="0" indent="0">
+              <a:buNone/>
+            </a:pPr>
+            <a:r>
+              <a:rPr lang="en-US" sz="1800" dirty="0"/>
+              <a:t>Good support for Security.</a:t>
+            </a:r>
+          </a:p>
+          <a:p>
+            <a:pPr marL="0" indent="0">
+              <a:buNone/>
+            </a:pPr>
+            <a:r>
+              <a:rPr lang="en-US" b="1" dirty="0"/>
+              <a:t>Spring Projects: </a:t>
+            </a:r>
+            <a:r>
+              <a:rPr lang="en-US" sz="1800" dirty="0"/>
+              <a:t>Like Spring Boot , Spring Cloud, Spring Batch, Spring Security, Spring </a:t>
+            </a:r>
+            <a:r>
+              <a:rPr lang="en-US" sz="1800" err="1"/>
+              <a:t>Web</a:t>
+            </a:r>
+            <a:r>
+              <a:rPr lang="en-US" sz="1800"/>
+              <a:t>, Spring </a:t>
+            </a:r>
+            <a:r>
+              <a:rPr lang="en-US" sz="1800" dirty="0"/>
+              <a:t>Data</a:t>
+            </a:r>
           </a:p>
         </p:txBody>
       </p:sp>
     </p:spTree>
     <p:extLst>
       <p:ext uri="{BB962C8B-B14F-4D97-AF65-F5344CB8AC3E}">
-        <p14:creationId xmlns:p14="http://schemas.microsoft.com/office/powerpoint/2010/main" val="1299969146"/>
+        <p14:creationId xmlns:p14="http://schemas.microsoft.com/office/powerpoint/2010/main" val="1228767127"/>
       </p:ext>
     </p:extLst>
   </p:cSld>
@@ -6901,7 +7250,7 @@
           <p:cNvPr id="2" name="Title 1">
             <a:extLst>
               <a:ext uri="{FF2B5EF4-FFF2-40B4-BE49-F238E27FC236}">
-                <a16:creationId xmlns:a16="http://schemas.microsoft.com/office/drawing/2014/main" id="{C30C1F73-0870-0B4C-BE2C-42FFBD73D0B1}"/>
+                <a16:creationId xmlns:a16="http://schemas.microsoft.com/office/drawing/2014/main" id="{17E68671-80F2-414A-909D-18B70BC3FAA3}"/>
               </a:ext>
             </a:extLst>
           </p:cNvPr>
@@ -6914,8 +7263,8 @@
         </p:nvSpPr>
         <p:spPr>
           <a:xfrm>
-            <a:off x="838200" y="365126"/>
-            <a:ext cx="10515600" cy="537400"/>
+            <a:off x="838200" y="365125"/>
+            <a:ext cx="10515600" cy="691779"/>
           </a:xfrm>
         </p:spPr>
         <p:txBody>
@@ -6925,13 +7274,9 @@
           <a:lstStyle/>
           <a:p>
             <a:r>
-              <a:rPr lang="en-US" sz="2000" b="1" dirty="0"/>
-              <a:t>Problems in Spring Framework</a:t>
-            </a:r>
-            <a:br>
-              <a:rPr lang="en-US" sz="1100" dirty="0"/>
-            </a:br>
-            <a:endParaRPr lang="en-US" sz="1100" dirty="0"/>
+              <a:rPr lang="en-US" sz="2800" dirty="0"/>
+              <a:t>Spring Bean</a:t>
+            </a:r>
           </a:p>
         </p:txBody>
       </p:sp>
@@ -6940,7 +7285,7 @@
           <p:cNvPr id="3" name="Content Placeholder 2">
             <a:extLst>
               <a:ext uri="{FF2B5EF4-FFF2-40B4-BE49-F238E27FC236}">
-                <a16:creationId xmlns:a16="http://schemas.microsoft.com/office/drawing/2014/main" id="{472014CF-8E93-7849-8219-453061BD4751}"/>
+                <a16:creationId xmlns:a16="http://schemas.microsoft.com/office/drawing/2014/main" id="{892253BB-544A-4940-A79A-7E69FD7E9DC3}"/>
               </a:ext>
             </a:extLst>
           </p:cNvPr>
@@ -6953,13 +7298,13 @@
         </p:nvSpPr>
         <p:spPr>
           <a:xfrm>
-            <a:off x="838200" y="902526"/>
-            <a:ext cx="10515600" cy="5274437"/>
+            <a:off x="838200" y="1211283"/>
+            <a:ext cx="10515600" cy="5025057"/>
           </a:xfrm>
         </p:spPr>
         <p:txBody>
           <a:bodyPr>
-            <a:normAutofit/>
+            <a:normAutofit fontScale="55000" lnSpcReduction="20000"/>
           </a:bodyPr>
           <a:lstStyle/>
           <a:p>
@@ -6967,49 +7312,152 @@
               <a:buNone/>
             </a:pPr>
             <a:r>
-              <a:rPr lang="en-US" sz="1200" dirty="0"/>
-              <a:t>The complexity of Spring framework increases with the addition of more features to it.</a:t>
-            </a:r>
-          </a:p>
-          <a:p>
-            <a:r>
-              <a:rPr lang="en-US" sz="1200" i="1" dirty="0"/>
-              <a:t>Configuration is getting repeated for complex applications. Why not auto-configure by adding intelligence to the system looking into the </a:t>
-            </a:r>
-            <a:r>
-              <a:rPr lang="en-US" sz="1200" i="1" dirty="0" err="1"/>
-              <a:t>classpath</a:t>
-            </a:r>
-            <a:r>
-              <a:rPr lang="en-US" sz="1200" i="1" dirty="0"/>
-              <a:t> on the dependency?</a:t>
-            </a:r>
-          </a:p>
-          <a:p>
-            <a:r>
-              <a:rPr lang="en-US" sz="1200" i="1" dirty="0"/>
-              <a:t>Need to add a lot of dependencies to the servlet XML. You need some auto handlers that can automatically add dependencies by default based on the type that we select.</a:t>
-            </a:r>
-          </a:p>
-          <a:p>
-            <a:r>
-              <a:rPr lang="en-US" sz="1200" i="1" dirty="0"/>
-              <a:t>Configuring Spring applications tend to become challenging and error-prone, which includes several steps in set-up and configuration, build and deploy steps.</a:t>
-            </a:r>
-          </a:p>
-          <a:p>
-            <a:r>
-              <a:rPr lang="en-US" sz="1200" i="1" dirty="0"/>
-              <a:t>Spring capability and flexibility comes with the cost of a lot of customizations.</a:t>
-            </a:r>
-            <a:endParaRPr lang="en-US" sz="1200" dirty="0"/>
+              <a:rPr lang="en-US" sz="2200" b="1" dirty="0"/>
+              <a:t>Spring Bean</a:t>
+            </a:r>
+          </a:p>
+          <a:p>
+            <a:r>
+              <a:rPr lang="en-US" sz="2200" dirty="0"/>
+              <a:t>Beans are objects that form the pivotal part of your application. They are instantiated, assembled, and managed by the Spring </a:t>
+            </a:r>
+            <a:r>
+              <a:rPr lang="en-US" sz="2200" dirty="0" err="1"/>
+              <a:t>IoC</a:t>
+            </a:r>
+            <a:r>
+              <a:rPr lang="en-US" sz="2200" dirty="0"/>
+              <a:t> container.</a:t>
+            </a:r>
+          </a:p>
+          <a:p>
+            <a:r>
+              <a:rPr lang="en-US" sz="2200" dirty="0"/>
+              <a:t>The beans are built with configuration metadata that are provided to the container. This configuration data determines the bean behavior.</a:t>
+            </a:r>
+          </a:p>
+          <a:p>
+            <a:pPr marL="0" indent="0">
+              <a:buNone/>
+            </a:pPr>
+            <a:r>
+              <a:rPr lang="en-US" sz="2200" b="1" dirty="0"/>
+              <a:t>Configuring Spring Bean</a:t>
+            </a:r>
+          </a:p>
+          <a:p>
+            <a:r>
+              <a:rPr lang="en-US" sz="2200" dirty="0"/>
+              <a:t>The following three techniques offer configuration metadata to Spring Container.</a:t>
+            </a:r>
+          </a:p>
+          <a:p>
+            <a:r>
+              <a:rPr lang="en-US" sz="2200" dirty="0"/>
+              <a:t>XML based configuration file</a:t>
+            </a:r>
+          </a:p>
+          <a:p>
+            <a:r>
+              <a:rPr lang="en-US" sz="2200" dirty="0"/>
+              <a:t>Annotation-based configuration</a:t>
+            </a:r>
+          </a:p>
+          <a:p>
+            <a:r>
+              <a:rPr lang="en-US" sz="2200" dirty="0"/>
+              <a:t>Java-based configuration</a:t>
+            </a:r>
+          </a:p>
+          <a:p>
+            <a:r>
+              <a:rPr lang="en-US" sz="2200" dirty="0"/>
+              <a:t>Spring </a:t>
+            </a:r>
+            <a:r>
+              <a:rPr lang="en-US" sz="2200" dirty="0" err="1"/>
+              <a:t>IoC</a:t>
+            </a:r>
+            <a:r>
+              <a:rPr lang="en-US" sz="2200" dirty="0"/>
+              <a:t> container is completely decoupled from the format where configuration metadata is written.</a:t>
+            </a:r>
+          </a:p>
+          <a:p>
+            <a:pPr marL="0" indent="0">
+              <a:buNone/>
+            </a:pPr>
+            <a:r>
+              <a:rPr lang="en-US" sz="2200" b="1" dirty="0"/>
+              <a:t>Bean Scopes</a:t>
+            </a:r>
+          </a:p>
+          <a:p>
+            <a:r>
+              <a:rPr lang="en-US" sz="2200" dirty="0"/>
+              <a:t>While defining a bean you can declare a scope for the bean.</a:t>
+            </a:r>
+          </a:p>
+          <a:p>
+            <a:r>
+              <a:rPr lang="en-US" sz="2200" dirty="0"/>
+              <a:t>E.g., to force Spring to create a new bean instance every time, you must declare the scope attribute of the bean to be prototype.</a:t>
+            </a:r>
+          </a:p>
+          <a:p>
+            <a:r>
+              <a:rPr lang="en-US" sz="2200" dirty="0"/>
+              <a:t>If you require Spring to return the same bean instance every time, you must declare the scope attribute of the bean to be singleton.</a:t>
+            </a:r>
+          </a:p>
+          <a:p>
+            <a:r>
+              <a:rPr lang="en-US" sz="2200" dirty="0"/>
+              <a:t>There are five types of Scopes defined</a:t>
+            </a:r>
+          </a:p>
+          <a:p>
+            <a:r>
+              <a:rPr lang="en-US" sz="2200" dirty="0"/>
+              <a:t>singleton</a:t>
+            </a:r>
+          </a:p>
+          <a:p>
+            <a:r>
+              <a:rPr lang="en-US" sz="2200" dirty="0"/>
+              <a:t>prototype</a:t>
+            </a:r>
+          </a:p>
+          <a:p>
+            <a:r>
+              <a:rPr lang="en-US" sz="2200" dirty="0"/>
+              <a:t>request</a:t>
+            </a:r>
+          </a:p>
+          <a:p>
+            <a:r>
+              <a:rPr lang="en-US" sz="2200" dirty="0"/>
+              <a:t>session</a:t>
+            </a:r>
+          </a:p>
+          <a:p>
+            <a:r>
+              <a:rPr lang="en-US" sz="2200" dirty="0"/>
+              <a:t>global-session</a:t>
+            </a:r>
+          </a:p>
+          <a:p>
+            <a:pPr marL="0" indent="0">
+              <a:buNone/>
+            </a:pPr>
+            <a:endParaRPr lang="en-US" dirty="0"/>
           </a:p>
         </p:txBody>
       </p:sp>
     </p:spTree>
     <p:extLst>
       <p:ext uri="{BB962C8B-B14F-4D97-AF65-F5344CB8AC3E}">
-        <p14:creationId xmlns:p14="http://schemas.microsoft.com/office/powerpoint/2010/main" val="4256194055"/>
+        <p14:creationId xmlns:p14="http://schemas.microsoft.com/office/powerpoint/2010/main" val="1817758446"/>
       </p:ext>
     </p:extLst>
   </p:cSld>
@@ -7038,24 +7486,59 @@
       </p:grpSpPr>
       <p:sp>
         <p:nvSpPr>
-          <p:cNvPr id="3" name="Content Placeholder 2">
-            <a:extLst>
-              <a:ext uri="{FF2B5EF4-FFF2-40B4-BE49-F238E27FC236}">
-                <a16:creationId xmlns:a16="http://schemas.microsoft.com/office/drawing/2014/main" id="{90B7FA9F-9621-2846-8366-6F752ACC6459}"/>
-              </a:ext>
-            </a:extLst>
-          </p:cNvPr>
-          <p:cNvSpPr>
-            <a:spLocks noGrp="1"/>
-          </p:cNvSpPr>
-          <p:nvPr>
-            <p:ph idx="1"/>
+          <p:cNvPr id="2" name="Title 1">
+            <a:extLst>
+              <a:ext uri="{FF2B5EF4-FFF2-40B4-BE49-F238E27FC236}">
+                <a16:creationId xmlns:a16="http://schemas.microsoft.com/office/drawing/2014/main" id="{AD2D8800-BF45-4743-8744-FA41F2947538}"/>
+              </a:ext>
+            </a:extLst>
+          </p:cNvPr>
+          <p:cNvSpPr>
+            <a:spLocks noGrp="1"/>
+          </p:cNvSpPr>
+          <p:nvPr>
+            <p:ph type="title"/>
           </p:nvPr>
         </p:nvSpPr>
         <p:spPr>
           <a:xfrm>
-            <a:off x="838200" y="736270"/>
-            <a:ext cx="10515600" cy="5440693"/>
+            <a:off x="838200" y="365126"/>
+            <a:ext cx="10515600" cy="383020"/>
+          </a:xfrm>
+        </p:spPr>
+        <p:txBody>
+          <a:bodyPr>
+            <a:normAutofit fontScale="90000"/>
+          </a:bodyPr>
+          <a:lstStyle/>
+          <a:p>
+            <a:r>
+              <a:rPr lang="en-US" sz="2400" dirty="0"/>
+              <a:t>Bean Lifecycle</a:t>
+            </a:r>
+          </a:p>
+        </p:txBody>
+      </p:sp>
+      <p:sp>
+        <p:nvSpPr>
+          <p:cNvPr id="3" name="Content Placeholder 2">
+            <a:extLst>
+              <a:ext uri="{FF2B5EF4-FFF2-40B4-BE49-F238E27FC236}">
+                <a16:creationId xmlns:a16="http://schemas.microsoft.com/office/drawing/2014/main" id="{A7118946-3657-1F4A-8673-509323C952DE}"/>
+              </a:ext>
+            </a:extLst>
+          </p:cNvPr>
+          <p:cNvSpPr>
+            <a:spLocks noGrp="1"/>
+          </p:cNvSpPr>
+          <p:nvPr>
+            <p:ph idx="1"/>
+          </p:nvPr>
+        </p:nvSpPr>
+        <p:spPr>
+          <a:xfrm>
+            <a:off x="838200" y="748146"/>
+            <a:ext cx="10515600" cy="5428817"/>
           </a:xfrm>
         </p:spPr>
         <p:txBody>
@@ -7068,22 +7551,133 @@
               <a:buNone/>
             </a:pPr>
             <a:r>
-              <a:rPr lang="en-US" sz="1400" dirty="0"/>
-              <a:t>1. Building a Rest Controller</a:t>
-            </a:r>
-            <a:endParaRPr lang="en-US" sz="1800" dirty="0"/>
-          </a:p>
-          <a:p>
-            <a:pPr marL="0" indent="0">
-              <a:buNone/>
-            </a:pPr>
-            <a:r>
-              <a:rPr lang="en-US" sz="1000" dirty="0"/>
-              <a:t>@</a:t>
+              <a:rPr lang="en-US" sz="1200" b="1" dirty="0"/>
+              <a:t>Bean - Lifecycle</a:t>
+            </a:r>
+          </a:p>
+          <a:p>
+            <a:r>
+              <a:rPr lang="en-US" sz="1200" dirty="0"/>
+              <a:t>You have to do some initialization to get a bean into a usable state, when instantiating a bean.</a:t>
+            </a:r>
+          </a:p>
+          <a:p>
+            <a:r>
+              <a:rPr lang="en-US" sz="1200" dirty="0"/>
+              <a:t>Also, you might have to perform a little cleanup, when the bean is removed from the container.</a:t>
+            </a:r>
+          </a:p>
+          <a:p>
+            <a:pPr marL="0" indent="0">
+              <a:buNone/>
+            </a:pPr>
+            <a:endParaRPr lang="en-US" sz="1200" dirty="0"/>
+          </a:p>
+          <a:p>
+            <a:pPr marL="0" indent="0">
+              <a:buNone/>
+            </a:pPr>
+            <a:r>
+              <a:rPr lang="en-US" sz="1200" b="1" dirty="0"/>
+              <a:t>Initialization and Destruction Callbacks</a:t>
+            </a:r>
+          </a:p>
+          <a:p>
+            <a:pPr marL="0" indent="0">
+              <a:buNone/>
+            </a:pPr>
+            <a:r>
+              <a:rPr lang="en-US" sz="1200" dirty="0"/>
+              <a:t>Callback methods are used to add user-defined </a:t>
+            </a:r>
+            <a:r>
+              <a:rPr lang="en-US" sz="1200" dirty="0" err="1"/>
+              <a:t>initializationand</a:t>
+            </a:r>
+            <a:r>
+              <a:rPr lang="en-US" sz="1200" dirty="0"/>
+              <a:t> </a:t>
+            </a:r>
+            <a:r>
+              <a:rPr lang="en-US" sz="1200" dirty="0" err="1"/>
+              <a:t>finalizationtasks</a:t>
+            </a:r>
+            <a:r>
+              <a:rPr lang="en-US" sz="1200" dirty="0"/>
+              <a:t> during the Spring Bean Lifecycle.</a:t>
+            </a:r>
+          </a:p>
+          <a:p>
+            <a:pPr marL="0" indent="0">
+              <a:buNone/>
+            </a:pPr>
+            <a:r>
+              <a:rPr lang="en-US" sz="1200" dirty="0"/>
+              <a:t> The two callback methods are</a:t>
+            </a:r>
+          </a:p>
+          <a:p>
+            <a:r>
+              <a:rPr lang="en-US" sz="1200" dirty="0"/>
+              <a:t>Initialization callbacks</a:t>
+            </a:r>
+          </a:p>
+          <a:p>
+            <a:r>
+              <a:rPr lang="en-US" sz="1200" dirty="0"/>
+              <a:t>Destruction callbacks</a:t>
+            </a:r>
+          </a:p>
+          <a:p>
+            <a:pPr marL="0" indent="0">
+              <a:buNone/>
+            </a:pPr>
+            <a:r>
+              <a:rPr lang="en-US" sz="1200" b="1" dirty="0"/>
+              <a:t>Initialization Callbacks</a:t>
+            </a:r>
+          </a:p>
+          <a:p>
+            <a:r>
+              <a:rPr lang="en-US" sz="1200" dirty="0"/>
+              <a:t>You can implement the </a:t>
+            </a:r>
+            <a:r>
+              <a:rPr lang="en-US" sz="1200" dirty="0" err="1"/>
+              <a:t>InitializingBean</a:t>
+            </a:r>
+            <a:r>
+              <a:rPr lang="en-US" sz="1200" dirty="0"/>
+              <a:t> interface and initialization work can be done inside </a:t>
+            </a:r>
+            <a:r>
+              <a:rPr lang="en-US" sz="1200" dirty="0" err="1"/>
+              <a:t>afterPropertiesSet</a:t>
+            </a:r>
+            <a:r>
+              <a:rPr lang="en-US" sz="1200" dirty="0"/>
+              <a:t>() method as follows −</a:t>
+            </a:r>
+          </a:p>
+          <a:p>
+            <a:pPr marL="0" indent="0">
+              <a:buNone/>
+            </a:pPr>
+            <a:r>
+              <a:rPr lang="en-US" sz="1000" dirty="0"/>
+              <a:t>public class </a:t>
             </a:r>
             <a:r>
               <a:rPr lang="en-US" sz="1000" dirty="0" err="1"/>
-              <a:t>RestController</a:t>
+              <a:t>ExampleBean</a:t>
+            </a:r>
+            <a:r>
+              <a:rPr lang="en-US" sz="1000" dirty="0"/>
+              <a:t> implements </a:t>
+            </a:r>
+            <a:r>
+              <a:rPr lang="en-US" sz="1000" dirty="0" err="1"/>
+              <a:t>InitializingBean</a:t>
             </a:r>
             <a:r>
               <a:rPr lang="en-US" sz="1000" dirty="0"/>
@@ -7096,207 +7690,73 @@
             </a:pPr>
             <a:r>
               <a:rPr lang="en-US" sz="1000" dirty="0"/>
-              <a:t>@</a:t>
+              <a:t>{ public void </a:t>
             </a:r>
             <a:r>
               <a:rPr lang="en-US" sz="1000" dirty="0" err="1"/>
-              <a:t>RequestMapping</a:t>
-            </a:r>
-            <a:r>
-              <a:rPr lang="en-US" sz="1000" dirty="0"/>
-              <a:t>("/test/") </a:t>
-            </a:r>
-          </a:p>
-          <a:p>
-            <a:pPr marL="0" indent="0">
-              <a:buNone/>
-            </a:pPr>
-            <a:r>
-              <a:rPr lang="en-US" sz="1000" dirty="0"/>
-              <a:t>@</a:t>
-            </a:r>
-            <a:r>
-              <a:rPr lang="en-US" sz="1000" dirty="0" err="1"/>
-              <a:t>RequestMapping</a:t>
-            </a:r>
-            <a:r>
-              <a:rPr lang="en-US" sz="1000" dirty="0"/>
-              <a:t>(value = "/hospitals/{id}", method = </a:t>
-            </a:r>
-            <a:r>
-              <a:rPr lang="en-US" sz="1000" dirty="0" err="1"/>
-              <a:t>RequestMethod.GET</a:t>
-            </a:r>
-            <a:r>
-              <a:rPr lang="en-US" sz="1000" dirty="0"/>
-              <a:t>)</a:t>
-            </a:r>
-          </a:p>
-          <a:p>
-            <a:pPr marL="0" indent="0">
-              <a:buNone/>
-            </a:pPr>
-            <a:r>
-              <a:rPr lang="en-US" sz="1000" dirty="0"/>
-              <a:t>public @</a:t>
-            </a:r>
-            <a:r>
-              <a:rPr lang="en-US" sz="1000" dirty="0" err="1"/>
-              <a:t>ResponseBody</a:t>
-            </a:r>
-            <a:r>
-              <a:rPr lang="en-US" sz="1000" dirty="0"/>
-              <a:t> Hospital </a:t>
-            </a:r>
-            <a:r>
-              <a:rPr lang="en-US" sz="1000" dirty="0" err="1"/>
-              <a:t>getHospital</a:t>
-            </a:r>
-            <a:r>
-              <a:rPr lang="en-US" sz="1000" dirty="0"/>
-              <a:t>(@</a:t>
-            </a:r>
-            <a:r>
-              <a:rPr lang="en-US" sz="1000" dirty="0" err="1"/>
-              <a:t>PathVariable</a:t>
-            </a:r>
-            <a:r>
-              <a:rPr lang="en-US" sz="1000" dirty="0"/>
-              <a:t>("id") </a:t>
-            </a:r>
-            <a:r>
-              <a:rPr lang="en-US" sz="1000" dirty="0" err="1"/>
-              <a:t>int</a:t>
-            </a:r>
-            <a:r>
-              <a:rPr lang="en-US" sz="1000" dirty="0"/>
-              <a:t> id) throws Exception {</a:t>
-            </a:r>
-          </a:p>
-          <a:p>
-            <a:pPr marL="0" indent="0">
-              <a:buNone/>
-            </a:pPr>
-            <a:endParaRPr lang="en-US" sz="1000" dirty="0"/>
-          </a:p>
-          <a:p>
-            <a:pPr marL="0" indent="0">
-              <a:buNone/>
-            </a:pPr>
-            <a:r>
-              <a:rPr lang="en-US" sz="1000" dirty="0"/>
-              <a:t>@</a:t>
-            </a:r>
-            <a:r>
-              <a:rPr lang="en-US" sz="1000" dirty="0" err="1"/>
-              <a:t>RequestMapping</a:t>
-            </a:r>
-            <a:r>
-              <a:rPr lang="en-US" sz="1000" dirty="0"/>
-              <a:t>(value = "/hospitals", method = </a:t>
-            </a:r>
-            <a:r>
-              <a:rPr lang="en-US" sz="1000" dirty="0" err="1"/>
-              <a:t>RequestMethod.GET</a:t>
-            </a:r>
-            <a:r>
-              <a:rPr lang="en-US" sz="1000" dirty="0"/>
-              <a:t>)</a:t>
-            </a:r>
-          </a:p>
-          <a:p>
-            <a:pPr marL="0" indent="0">
-              <a:buNone/>
-            </a:pPr>
-            <a:r>
-              <a:rPr lang="en-US" sz="1000" dirty="0"/>
-              <a:t>public @</a:t>
-            </a:r>
-            <a:r>
-              <a:rPr lang="en-US" sz="1000" dirty="0" err="1"/>
-              <a:t>ResponseBody</a:t>
-            </a:r>
-            <a:r>
-              <a:rPr lang="en-US" sz="1000" dirty="0"/>
-              <a:t> List&lt;Hospital&gt; </a:t>
-            </a:r>
-            <a:r>
-              <a:rPr lang="en-US" sz="1000" dirty="0" err="1"/>
-              <a:t>getAllHospitals</a:t>
-            </a:r>
-            <a:r>
-              <a:rPr lang="en-US" sz="1000" dirty="0"/>
-              <a:t>() throws Exception {g(value = "/hospitals", method = </a:t>
-            </a:r>
-            <a:r>
-              <a:rPr lang="en-US" sz="1000" dirty="0" err="1"/>
-              <a:t>RequestMethod.GET</a:t>
-            </a:r>
-            <a:r>
-              <a:rPr lang="en-US" sz="1000" dirty="0"/>
-              <a:t>)</a:t>
-            </a:r>
-          </a:p>
-          <a:p>
-            <a:pPr marL="0" indent="0">
-              <a:buNone/>
-            </a:pPr>
-            <a:endParaRPr lang="en-US" sz="1000" dirty="0"/>
-          </a:p>
-          <a:p>
-            <a:pPr marL="0" indent="0">
-              <a:buNone/>
-            </a:pPr>
-            <a:r>
-              <a:rPr lang="en-US" sz="1200" dirty="0"/>
-              <a:t>2. Add data transfer object class.</a:t>
-            </a:r>
-          </a:p>
-          <a:p>
-            <a:pPr marL="0" indent="0">
-              <a:buNone/>
-            </a:pPr>
-            <a:r>
-              <a:rPr lang="en-US" sz="1200" dirty="0"/>
-              <a:t>3. Add a service class</a:t>
-            </a:r>
-          </a:p>
-          <a:p>
-            <a:pPr marL="0" indent="0">
-              <a:buNone/>
-            </a:pPr>
-            <a:endParaRPr lang="en-US" sz="1200" dirty="0"/>
-          </a:p>
-          <a:p>
-            <a:pPr marL="0" indent="0">
-              <a:buNone/>
-            </a:pPr>
-            <a:r>
-              <a:rPr lang="en-US" sz="1600" dirty="0"/>
-              <a:t>SQL Databases – Integration</a:t>
-            </a:r>
-          </a:p>
-          <a:p>
-            <a:r>
-              <a:rPr lang="en-US" sz="1400" b="1" dirty="0"/>
-              <a:t>Spring Boot Framework</a:t>
-            </a:r>
-            <a:r>
-              <a:rPr lang="en-US" sz="1400" dirty="0"/>
-              <a:t> is quite flexible while working with SQL database. You can use direct JDBC calls using JDBC templates, or you can go by implementing hibernate.</a:t>
-            </a:r>
-          </a:p>
-          <a:p>
-            <a:r>
-              <a:rPr lang="en-US" sz="1400" dirty="0"/>
-              <a:t>One more significant option that Spring framework offers is by creating repositories for Spring Data implementation.</a:t>
-            </a:r>
-          </a:p>
-          <a:p>
-            <a:pPr marL="0" indent="0">
-              <a:buNone/>
-            </a:pPr>
-            <a:endParaRPr lang="en-US" sz="1600" dirty="0"/>
+              <a:t>afterPropertiesSet</a:t>
+            </a:r>
+            <a:r>
+              <a:rPr lang="en-US" sz="1000" dirty="0"/>
+              <a:t>() { // do some initialization work } }</a:t>
+            </a:r>
+          </a:p>
+          <a:p>
+            <a:pPr marL="0" indent="0">
+              <a:buNone/>
+            </a:pPr>
+            <a:r>
+              <a:rPr lang="en-US" sz="1300" b="1" dirty="0"/>
+              <a:t>Destruction Callbacks</a:t>
+            </a:r>
+          </a:p>
+          <a:p>
+            <a:r>
+              <a:rPr lang="en-US" sz="1200" dirty="0"/>
+              <a:t>You can implement </a:t>
+            </a:r>
+            <a:r>
+              <a:rPr lang="en-US" sz="1200" dirty="0" err="1"/>
+              <a:t>DisposableBean</a:t>
+            </a:r>
+            <a:r>
+              <a:rPr lang="en-US" sz="1200" dirty="0"/>
+              <a:t> interface and finalization work can be done inside destroy() method as follows −</a:t>
+            </a:r>
+          </a:p>
+          <a:p>
+            <a:pPr marL="0" indent="0">
+              <a:buNone/>
+            </a:pPr>
+            <a:r>
+              <a:rPr lang="en-US" sz="1200" dirty="0"/>
+              <a:t>public class </a:t>
+            </a:r>
+            <a:r>
+              <a:rPr lang="en-US" sz="1200" dirty="0" err="1"/>
+              <a:t>ExampleBean</a:t>
+            </a:r>
+            <a:r>
+              <a:rPr lang="en-US" sz="1200" dirty="0"/>
+              <a:t> implements </a:t>
+            </a:r>
+            <a:r>
+              <a:rPr lang="en-US" sz="1200" dirty="0" err="1"/>
+              <a:t>DisposableBean</a:t>
+            </a:r>
+            <a:r>
+              <a:rPr lang="en-US" sz="1200" dirty="0"/>
+              <a:t> { public void destroy() </a:t>
+            </a:r>
+          </a:p>
+          <a:p>
+            <a:pPr marL="0" indent="0">
+              <a:buNone/>
+            </a:pPr>
+            <a:r>
+              <a:rPr lang="en-US" sz="1200" dirty="0"/>
+              <a:t>{ // do some destruction work } }</a:t>
+            </a:r>
           </a:p>
           <a:p>
             <a:pPr marL="0" indent="0">
@@ -7309,7 +7769,7 @@
     </p:spTree>
     <p:extLst>
       <p:ext uri="{BB962C8B-B14F-4D97-AF65-F5344CB8AC3E}">
-        <p14:creationId xmlns:p14="http://schemas.microsoft.com/office/powerpoint/2010/main" val="1289833669"/>
+        <p14:creationId xmlns:p14="http://schemas.microsoft.com/office/powerpoint/2010/main" val="1299969146"/>
       </p:ext>
     </p:extLst>
   </p:cSld>
@@ -7341,7 +7801,7 @@
           <p:cNvPr id="2" name="Title 1">
             <a:extLst>
               <a:ext uri="{FF2B5EF4-FFF2-40B4-BE49-F238E27FC236}">
-                <a16:creationId xmlns:a16="http://schemas.microsoft.com/office/drawing/2014/main" id="{3C8BDA28-FF0C-474E-95E5-0E8891A90D55}"/>
+                <a16:creationId xmlns:a16="http://schemas.microsoft.com/office/drawing/2014/main" id="{C30C1F73-0870-0B4C-BE2C-42FFBD73D0B1}"/>
               </a:ext>
             </a:extLst>
           </p:cNvPr>
@@ -7354,27 +7814,24 @@
         </p:nvSpPr>
         <p:spPr>
           <a:xfrm>
-            <a:off x="838200" y="225630"/>
-            <a:ext cx="10515600" cy="593767"/>
+            <a:off x="838200" y="365126"/>
+            <a:ext cx="10515600" cy="537400"/>
           </a:xfrm>
         </p:spPr>
         <p:txBody>
           <a:bodyPr>
-            <a:normAutofit fontScale="90000"/>
+            <a:normAutofit/>
           </a:bodyPr>
           <a:lstStyle/>
           <a:p>
+            <a:r>
+              <a:rPr lang="en-US" sz="2000" b="1" dirty="0"/>
+              <a:t>Problems in Spring Framework</a:t>
+            </a:r>
             <a:br>
-              <a:rPr lang="en-US" sz="2000" dirty="0"/>
+              <a:rPr lang="en-US" sz="1100" dirty="0"/>
             </a:br>
-            <a:r>
-              <a:rPr lang="en-US" sz="2200" dirty="0"/>
-              <a:t>Spring Data JPA</a:t>
-            </a:r>
-            <a:br>
-              <a:rPr lang="en-US" dirty="0"/>
-            </a:br>
-            <a:endParaRPr lang="en-US" dirty="0"/>
+            <a:endParaRPr lang="en-US" sz="1100" dirty="0"/>
           </a:p>
         </p:txBody>
       </p:sp>
@@ -7383,7 +7840,7 @@
           <p:cNvPr id="3" name="Content Placeholder 2">
             <a:extLst>
               <a:ext uri="{FF2B5EF4-FFF2-40B4-BE49-F238E27FC236}">
-                <a16:creationId xmlns:a16="http://schemas.microsoft.com/office/drawing/2014/main" id="{FA4172E8-783E-0743-AC27-709520FBBD00}"/>
+                <a16:creationId xmlns:a16="http://schemas.microsoft.com/office/drawing/2014/main" id="{472014CF-8E93-7849-8219-453061BD4751}"/>
               </a:ext>
             </a:extLst>
           </p:cNvPr>
@@ -7396,70 +7853,63 @@
         </p:nvSpPr>
         <p:spPr>
           <a:xfrm>
-            <a:off x="838200" y="1021277"/>
-            <a:ext cx="10515600" cy="5155685"/>
+            <a:off x="838200" y="902526"/>
+            <a:ext cx="10515600" cy="5274437"/>
           </a:xfrm>
         </p:spPr>
         <p:txBody>
-          <a:bodyPr/>
+          <a:bodyPr>
+            <a:normAutofit/>
+          </a:bodyPr>
           <a:lstStyle/>
           <a:p>
-            <a:r>
-              <a:rPr lang="en-US" sz="1600" b="1" dirty="0"/>
-              <a:t>What is JPA?</a:t>
-            </a:r>
-            <a:endParaRPr lang="en-US" sz="1600" dirty="0"/>
-          </a:p>
-          <a:p>
-            <a:pPr marL="0" indent="0">
-              <a:buNone/>
-            </a:pPr>
-            <a:r>
-              <a:rPr lang="en-US" sz="1600" dirty="0"/>
-              <a:t>     Java Persistence API is a specification that lets you do Object-Relational Mapping (ORM) over a relational database.</a:t>
-            </a:r>
-          </a:p>
-          <a:p>
-            <a:r>
-              <a:rPr lang="en-US" sz="1600" b="1" dirty="0"/>
-              <a:t>What is ORM?</a:t>
-            </a:r>
-            <a:endParaRPr lang="en-US" sz="1600" dirty="0"/>
-          </a:p>
-          <a:p>
-            <a:pPr marL="0" indent="0">
-              <a:buNone/>
-            </a:pPr>
-            <a:r>
-              <a:rPr lang="en-US" sz="1600" dirty="0"/>
-              <a:t>     ORM allows you to map the entity classes to your relational SQL database.</a:t>
-            </a:r>
-          </a:p>
-          <a:p>
-            <a:r>
-              <a:rPr lang="en-US" sz="1600" b="1" dirty="0"/>
-              <a:t>What is Spring Data JPA?</a:t>
-            </a:r>
-            <a:endParaRPr lang="en-US" sz="1600" dirty="0"/>
-          </a:p>
-          <a:p>
-            <a:pPr marL="0" indent="0">
-              <a:buNone/>
-            </a:pPr>
-            <a:r>
-              <a:rPr lang="en-US" sz="1600" dirty="0"/>
-              <a:t>     Spring Framework handles ORM in an easy and quick fashion using JPA.</a:t>
-            </a:r>
-          </a:p>
-          <a:p>
-            <a:endParaRPr lang="en-US" dirty="0"/>
+            <a:pPr marL="0" indent="0">
+              <a:buNone/>
+            </a:pPr>
+            <a:r>
+              <a:rPr lang="en-US" sz="1200" dirty="0"/>
+              <a:t>The complexity of Spring framework increases with the addition of more features to it.</a:t>
+            </a:r>
+          </a:p>
+          <a:p>
+            <a:r>
+              <a:rPr lang="en-US" sz="1200" i="1" dirty="0"/>
+              <a:t>Configuration is getting repeated for complex applications. Why not auto-configure by adding intelligence to the system looking into the </a:t>
+            </a:r>
+            <a:r>
+              <a:rPr lang="en-US" sz="1200" i="1" dirty="0" err="1"/>
+              <a:t>classpath</a:t>
+            </a:r>
+            <a:r>
+              <a:rPr lang="en-US" sz="1200" i="1" dirty="0"/>
+              <a:t> on the dependency?</a:t>
+            </a:r>
+          </a:p>
+          <a:p>
+            <a:r>
+              <a:rPr lang="en-US" sz="1200" i="1" dirty="0"/>
+              <a:t>Need to add a lot of dependencies to the servlet XML. You need some auto handlers that can automatically add dependencies by default based on the type that we select.</a:t>
+            </a:r>
+          </a:p>
+          <a:p>
+            <a:r>
+              <a:rPr lang="en-US" sz="1200" i="1" dirty="0"/>
+              <a:t>Configuring Spring applications tend to become challenging and error-prone, which includes several steps in set-up and configuration, build and deploy steps.</a:t>
+            </a:r>
+          </a:p>
+          <a:p>
+            <a:r>
+              <a:rPr lang="en-US" sz="1200" i="1" dirty="0"/>
+              <a:t>Spring capability and flexibility comes with the cost of a lot of customizations.</a:t>
+            </a:r>
+            <a:endParaRPr lang="en-US" sz="1200" dirty="0"/>
           </a:p>
         </p:txBody>
       </p:sp>
     </p:spTree>
     <p:extLst>
       <p:ext uri="{BB962C8B-B14F-4D97-AF65-F5344CB8AC3E}">
-        <p14:creationId xmlns:p14="http://schemas.microsoft.com/office/powerpoint/2010/main" val="1419985892"/>
+        <p14:creationId xmlns:p14="http://schemas.microsoft.com/office/powerpoint/2010/main" val="4256194055"/>
       </p:ext>
     </p:extLst>
   </p:cSld>
@@ -7488,59 +7938,24 @@
       </p:grpSpPr>
       <p:sp>
         <p:nvSpPr>
-          <p:cNvPr id="2" name="Title 1">
-            <a:extLst>
-              <a:ext uri="{FF2B5EF4-FFF2-40B4-BE49-F238E27FC236}">
-                <a16:creationId xmlns:a16="http://schemas.microsoft.com/office/drawing/2014/main" id="{37682E37-4C5A-C54E-8B14-D3B57A75B8A2}"/>
-              </a:ext>
-            </a:extLst>
-          </p:cNvPr>
-          <p:cNvSpPr>
-            <a:spLocks noGrp="1"/>
-          </p:cNvSpPr>
-          <p:nvPr>
-            <p:ph type="title"/>
+          <p:cNvPr id="3" name="Content Placeholder 2">
+            <a:extLst>
+              <a:ext uri="{FF2B5EF4-FFF2-40B4-BE49-F238E27FC236}">
+                <a16:creationId xmlns:a16="http://schemas.microsoft.com/office/drawing/2014/main" id="{90B7FA9F-9621-2846-8366-6F752ACC6459}"/>
+              </a:ext>
+            </a:extLst>
+          </p:cNvPr>
+          <p:cNvSpPr>
+            <a:spLocks noGrp="1"/>
+          </p:cNvSpPr>
+          <p:nvPr>
+            <p:ph idx="1"/>
           </p:nvPr>
         </p:nvSpPr>
         <p:spPr>
           <a:xfrm>
-            <a:off x="838200" y="365125"/>
-            <a:ext cx="10515600" cy="632401"/>
-          </a:xfrm>
-        </p:spPr>
-        <p:txBody>
-          <a:bodyPr>
-            <a:noAutofit/>
-          </a:bodyPr>
-          <a:lstStyle/>
-          <a:p>
-            <a:r>
-              <a:rPr lang="en-US" sz="2800" b="1" dirty="0"/>
-              <a:t>Spring Security</a:t>
-            </a:r>
-          </a:p>
-        </p:txBody>
-      </p:sp>
-      <p:sp>
-        <p:nvSpPr>
-          <p:cNvPr id="3" name="Content Placeholder 2">
-            <a:extLst>
-              <a:ext uri="{FF2B5EF4-FFF2-40B4-BE49-F238E27FC236}">
-                <a16:creationId xmlns:a16="http://schemas.microsoft.com/office/drawing/2014/main" id="{BCDC8004-E0EB-8844-B511-C55B2FFC1AA9}"/>
-              </a:ext>
-            </a:extLst>
-          </p:cNvPr>
-          <p:cNvSpPr>
-            <a:spLocks noGrp="1"/>
-          </p:cNvSpPr>
-          <p:nvPr>
-            <p:ph idx="1"/>
-          </p:nvPr>
-        </p:nvSpPr>
-        <p:spPr>
-          <a:xfrm>
-            <a:off x="838200" y="1246909"/>
-            <a:ext cx="10515600" cy="4930054"/>
+            <a:off x="838200" y="736270"/>
+            <a:ext cx="10515600" cy="5440693"/>
           </a:xfrm>
         </p:spPr>
         <p:txBody>
@@ -7553,158 +7968,248 @@
               <a:buNone/>
             </a:pPr>
             <a:r>
-              <a:rPr lang="en-US" sz="1600" b="1" dirty="0"/>
-              <a:t>Spring Security</a:t>
-            </a:r>
+              <a:rPr lang="en-US" sz="1400" dirty="0"/>
+              <a:t>1. Building a Rest Controller</a:t>
+            </a:r>
+            <a:endParaRPr lang="en-US" sz="1800" dirty="0"/>
+          </a:p>
+          <a:p>
+            <a:pPr marL="0" indent="0">
+              <a:buNone/>
+            </a:pPr>
+            <a:r>
+              <a:rPr lang="en-US" sz="1000" dirty="0"/>
+              <a:t>@</a:t>
+            </a:r>
+            <a:r>
+              <a:rPr lang="en-US" sz="1000" dirty="0" err="1"/>
+              <a:t>RestController</a:t>
+            </a:r>
+            <a:r>
+              <a:rPr lang="en-US" sz="1000" dirty="0"/>
+              <a:t> </a:t>
+            </a:r>
+          </a:p>
+          <a:p>
+            <a:pPr marL="0" indent="0">
+              <a:buNone/>
+            </a:pPr>
+            <a:r>
+              <a:rPr lang="en-US" sz="1000" dirty="0"/>
+              <a:t>@</a:t>
+            </a:r>
+            <a:r>
+              <a:rPr lang="en-US" sz="1000" dirty="0" err="1"/>
+              <a:t>RequestMapping</a:t>
+            </a:r>
+            <a:r>
+              <a:rPr lang="en-US" sz="1000" dirty="0"/>
+              <a:t>("/test/") </a:t>
+            </a:r>
+          </a:p>
+          <a:p>
+            <a:pPr marL="0" indent="0">
+              <a:buNone/>
+            </a:pPr>
+            <a:r>
+              <a:rPr lang="en-US" sz="1000" dirty="0"/>
+              <a:t>@</a:t>
+            </a:r>
+            <a:r>
+              <a:rPr lang="en-US" sz="1000" dirty="0" err="1"/>
+              <a:t>RequestMapping</a:t>
+            </a:r>
+            <a:r>
+              <a:rPr lang="en-US" sz="1000" dirty="0"/>
+              <a:t>(value = "/hospitals/{id}", method = </a:t>
+            </a:r>
+            <a:r>
+              <a:rPr lang="en-US" sz="1000" dirty="0" err="1"/>
+              <a:t>RequestMethod.GET</a:t>
+            </a:r>
+            <a:r>
+              <a:rPr lang="en-US" sz="1000" dirty="0"/>
+              <a:t>)</a:t>
+            </a:r>
+          </a:p>
+          <a:p>
+            <a:pPr marL="0" indent="0">
+              <a:buNone/>
+            </a:pPr>
+            <a:r>
+              <a:rPr lang="en-US" sz="1000" dirty="0"/>
+              <a:t>public @</a:t>
+            </a:r>
+            <a:r>
+              <a:rPr lang="en-US" sz="1000" dirty="0" err="1"/>
+              <a:t>ResponseBody</a:t>
+            </a:r>
+            <a:r>
+              <a:rPr lang="en-US" sz="1000" dirty="0"/>
+              <a:t> Hospital </a:t>
+            </a:r>
+            <a:r>
+              <a:rPr lang="en-US" sz="1000" dirty="0" err="1"/>
+              <a:t>getHospital</a:t>
+            </a:r>
+            <a:r>
+              <a:rPr lang="en-US" sz="1000" dirty="0"/>
+              <a:t>(@</a:t>
+            </a:r>
+            <a:r>
+              <a:rPr lang="en-US" sz="1000" dirty="0" err="1"/>
+              <a:t>PathVariable</a:t>
+            </a:r>
+            <a:r>
+              <a:rPr lang="en-US" sz="1000" dirty="0"/>
+              <a:t>("id") </a:t>
+            </a:r>
+            <a:r>
+              <a:rPr lang="en-US" sz="1000" dirty="0" err="1"/>
+              <a:t>int</a:t>
+            </a:r>
+            <a:r>
+              <a:rPr lang="en-US" sz="1000" dirty="0"/>
+              <a:t> id) throws Exception {</a:t>
+            </a:r>
+          </a:p>
+          <a:p>
+            <a:pPr marL="0" indent="0">
+              <a:buNone/>
+            </a:pPr>
+            <a:endParaRPr lang="en-US" sz="1000" dirty="0"/>
+          </a:p>
+          <a:p>
+            <a:pPr marL="0" indent="0">
+              <a:buNone/>
+            </a:pPr>
+            <a:r>
+              <a:rPr lang="en-US" sz="1000" dirty="0"/>
+              <a:t>@</a:t>
+            </a:r>
+            <a:r>
+              <a:rPr lang="en-US" sz="1000" dirty="0" err="1"/>
+              <a:t>RequestMapping</a:t>
+            </a:r>
+            <a:r>
+              <a:rPr lang="en-US" sz="1000" dirty="0"/>
+              <a:t>(value = "/hospitals", method = </a:t>
+            </a:r>
+            <a:r>
+              <a:rPr lang="en-US" sz="1000" dirty="0" err="1"/>
+              <a:t>RequestMethod.GET</a:t>
+            </a:r>
+            <a:r>
+              <a:rPr lang="en-US" sz="1000" dirty="0"/>
+              <a:t>)</a:t>
+            </a:r>
+          </a:p>
+          <a:p>
+            <a:pPr marL="0" indent="0">
+              <a:buNone/>
+            </a:pPr>
+            <a:r>
+              <a:rPr lang="en-US" sz="1000" dirty="0"/>
+              <a:t>public @</a:t>
+            </a:r>
+            <a:r>
+              <a:rPr lang="en-US" sz="1000" dirty="0" err="1"/>
+              <a:t>ResponseBody</a:t>
+            </a:r>
+            <a:r>
+              <a:rPr lang="en-US" sz="1000" dirty="0"/>
+              <a:t> List&lt;Hospital&gt; </a:t>
+            </a:r>
+            <a:r>
+              <a:rPr lang="en-US" sz="1000" dirty="0" err="1"/>
+              <a:t>getAllHospitals</a:t>
+            </a:r>
+            <a:r>
+              <a:rPr lang="en-US" sz="1000" dirty="0"/>
+              <a:t>() throws Exception {g(value = "/hospitals", method = </a:t>
+            </a:r>
+            <a:r>
+              <a:rPr lang="en-US" sz="1000" dirty="0" err="1"/>
+              <a:t>RequestMethod.GET</a:t>
+            </a:r>
+            <a:r>
+              <a:rPr lang="en-US" sz="1000" dirty="0"/>
+              <a:t>)</a:t>
+            </a:r>
+          </a:p>
+          <a:p>
+            <a:pPr marL="0" indent="0">
+              <a:buNone/>
+            </a:pPr>
+            <a:endParaRPr lang="en-US" sz="1000" dirty="0"/>
+          </a:p>
+          <a:p>
+            <a:pPr marL="0" indent="0">
+              <a:buNone/>
+            </a:pPr>
+            <a:r>
+              <a:rPr lang="en-US" sz="1200" dirty="0"/>
+              <a:t>2. Add data transfer object class.</a:t>
+            </a:r>
+          </a:p>
+          <a:p>
+            <a:pPr marL="0" indent="0">
+              <a:buNone/>
+            </a:pPr>
+            <a:r>
+              <a:rPr lang="en-US" sz="1200" dirty="0"/>
+              <a:t>3. Add a service class</a:t>
+            </a:r>
+          </a:p>
+          <a:p>
+            <a:pPr marL="0" indent="0">
+              <a:buNone/>
+            </a:pPr>
+            <a:endParaRPr lang="en-US" sz="1200" dirty="0"/>
+          </a:p>
+          <a:p>
+            <a:pPr marL="0" indent="0">
+              <a:buNone/>
+            </a:pPr>
             <a:r>
               <a:rPr lang="en-US" sz="1600" dirty="0"/>
-              <a:t> can be broadly classified as</a:t>
-            </a:r>
-          </a:p>
-          <a:p>
-            <a:pPr marL="0" indent="0">
-              <a:buNone/>
-            </a:pPr>
-            <a:r>
-              <a:rPr lang="en-US" sz="1600" b="1" dirty="0"/>
-              <a:t>Authentication</a:t>
-            </a:r>
+              <a:t>SQL Databases – Integration</a:t>
+            </a:r>
+          </a:p>
+          <a:p>
+            <a:r>
+              <a:rPr lang="en-US" sz="1400" b="1" dirty="0"/>
+              <a:t>Spring Boot Framework</a:t>
+            </a:r>
+            <a:r>
+              <a:rPr lang="en-US" sz="1400" dirty="0"/>
+              <a:t> is quite flexible while working with SQL database. You can use direct JDBC calls using JDBC templates, or you can go by implementing hibernate.</a:t>
+            </a:r>
+          </a:p>
+          <a:p>
+            <a:r>
+              <a:rPr lang="en-US" sz="1400" dirty="0"/>
+              <a:t>One more significant option that Spring framework offers is by creating repositories for Spring Data implementation.</a:t>
+            </a:r>
+          </a:p>
+          <a:p>
+            <a:pPr marL="0" indent="0">
+              <a:buNone/>
+            </a:pPr>
             <a:endParaRPr lang="en-US" sz="1600" dirty="0"/>
           </a:p>
           <a:p>
             <a:pPr marL="0" indent="0">
               <a:buNone/>
             </a:pPr>
-            <a:r>
-              <a:rPr lang="en-US" sz="1600" b="1" dirty="0"/>
-              <a:t>Authorization</a:t>
-            </a:r>
-            <a:endParaRPr lang="en-US" sz="1600" dirty="0"/>
-          </a:p>
-          <a:p>
-            <a:pPr marL="0" indent="0">
-              <a:buNone/>
-            </a:pPr>
-            <a:r>
-              <a:rPr lang="en-US" sz="1600" dirty="0"/>
-              <a:t>Spring Security architecture distinguishes both authentication and authorization.</a:t>
-            </a:r>
-          </a:p>
-          <a:p>
-            <a:r>
-              <a:rPr lang="en-US" sz="1600" b="1" dirty="0"/>
-              <a:t>Authentication</a:t>
-            </a:r>
-            <a:endParaRPr lang="en-US" sz="1600" dirty="0"/>
-          </a:p>
-          <a:p>
-            <a:pPr marL="0" indent="0">
-              <a:buNone/>
-            </a:pPr>
-            <a:r>
-              <a:rPr lang="en-US" sz="1600" dirty="0"/>
-              <a:t>    The interface defined for Authentication is Authentication Manager. This is a single method Interface.</a:t>
-            </a:r>
-          </a:p>
-          <a:p>
-            <a:pPr marL="0" indent="0">
-              <a:buNone/>
-            </a:pPr>
-            <a:r>
-              <a:rPr lang="en-US" sz="1100" dirty="0"/>
-              <a:t>public interface </a:t>
-            </a:r>
-            <a:r>
-              <a:rPr lang="en-US" sz="1100" dirty="0" err="1"/>
-              <a:t>AuthenticationManager</a:t>
-            </a:r>
-            <a:r>
-              <a:rPr lang="en-US" sz="1100" dirty="0"/>
-              <a:t> { Authentication authenticate(Authentication authentication) throws </a:t>
-            </a:r>
-            <a:r>
-              <a:rPr lang="en-US" sz="1100" dirty="0" err="1"/>
-              <a:t>AuthenticationException</a:t>
-            </a:r>
-            <a:r>
-              <a:rPr lang="en-US" sz="1100" dirty="0"/>
-              <a:t>; }</a:t>
-            </a:r>
-          </a:p>
-          <a:p>
-            <a:pPr marL="0" indent="0">
-              <a:buNone/>
-            </a:pPr>
-            <a:endParaRPr lang="en-US" sz="1100" dirty="0"/>
-          </a:p>
-          <a:p>
-            <a:pPr marL="0" indent="0">
-              <a:buNone/>
-            </a:pPr>
-            <a:r>
-              <a:rPr lang="en-US" sz="1700" b="1" dirty="0"/>
-              <a:t>Securing Microservices</a:t>
-            </a:r>
-          </a:p>
-          <a:p>
-            <a:pPr marL="0" indent="0">
-              <a:buNone/>
-            </a:pPr>
-            <a:r>
-              <a:rPr lang="en-US" sz="1400" dirty="0"/>
-              <a:t>Below are the </a:t>
-            </a:r>
-            <a:r>
-              <a:rPr lang="en-US" sz="1400" b="1" dirty="0"/>
-              <a:t>few techniques for securing Microservices</a:t>
-            </a:r>
-            <a:r>
-              <a:rPr lang="en-US" sz="1400" dirty="0"/>
-              <a:t>.</a:t>
-            </a:r>
-          </a:p>
-          <a:p>
-            <a:r>
-              <a:rPr lang="en-US" sz="1400" b="1" dirty="0"/>
-              <a:t>HTTP Basic</a:t>
-            </a:r>
-            <a:r>
-              <a:rPr lang="en-US" sz="1400" dirty="0"/>
-              <a:t> - Client is authenticated with User Names and Password.</a:t>
-            </a:r>
-          </a:p>
-          <a:p>
-            <a:r>
-              <a:rPr lang="en-US" sz="1400" b="1" dirty="0"/>
-              <a:t>X509 SSL Certificates</a:t>
-            </a:r>
-            <a:r>
-              <a:rPr lang="en-US" sz="1400" dirty="0"/>
-              <a:t> - Authentication with a certificate for a secured protocol.</a:t>
-            </a:r>
-          </a:p>
-          <a:p>
-            <a:r>
-              <a:rPr lang="en-US" sz="1400" b="1" dirty="0"/>
-              <a:t>OAuth</a:t>
-            </a:r>
-            <a:r>
-              <a:rPr lang="en-US" sz="1400" dirty="0"/>
-              <a:t> - This technique is used to authorize applications to access information without giving them passwords.</a:t>
-            </a:r>
-          </a:p>
-          <a:p>
-            <a:pPr marL="0" indent="0">
-              <a:buNone/>
-            </a:pPr>
-            <a:endParaRPr lang="en-US" sz="1100" dirty="0"/>
+            <a:endParaRPr lang="en-US" sz="1200" dirty="0"/>
           </a:p>
         </p:txBody>
       </p:sp>
     </p:spTree>
     <p:extLst>
       <p:ext uri="{BB962C8B-B14F-4D97-AF65-F5344CB8AC3E}">
-        <p14:creationId xmlns:p14="http://schemas.microsoft.com/office/powerpoint/2010/main" val="2297863376"/>
+        <p14:creationId xmlns:p14="http://schemas.microsoft.com/office/powerpoint/2010/main" val="1289833669"/>
       </p:ext>
     </p:extLst>
   </p:cSld>
@@ -7736,7 +8241,7 @@
           <p:cNvPr id="2" name="Title 1">
             <a:extLst>
               <a:ext uri="{FF2B5EF4-FFF2-40B4-BE49-F238E27FC236}">
-                <a16:creationId xmlns:a16="http://schemas.microsoft.com/office/drawing/2014/main" id="{0852374D-94DD-C947-AEEA-AFCD3E3EADF3}"/>
+                <a16:creationId xmlns:a16="http://schemas.microsoft.com/office/drawing/2014/main" id="{3C8BDA28-FF0C-474E-95E5-0E8891A90D55}"/>
               </a:ext>
             </a:extLst>
           </p:cNvPr>
@@ -7749,187 +8254,104 @@
         </p:nvSpPr>
         <p:spPr>
           <a:xfrm>
-            <a:off x="838200" y="365126"/>
-            <a:ext cx="10515600" cy="715530"/>
+            <a:off x="838200" y="225630"/>
+            <a:ext cx="10515600" cy="593767"/>
           </a:xfrm>
         </p:spPr>
         <p:txBody>
+          <a:bodyPr>
+            <a:normAutofit fontScale="90000"/>
+          </a:bodyPr>
+          <a:lstStyle/>
+          <a:p>
+            <a:br>
+              <a:rPr lang="en-US" sz="2000" dirty="0"/>
+            </a:br>
+            <a:r>
+              <a:rPr lang="en-US" sz="2200" dirty="0"/>
+              <a:t>Spring Data JPA</a:t>
+            </a:r>
+            <a:br>
+              <a:rPr lang="en-US" dirty="0"/>
+            </a:br>
+            <a:endParaRPr lang="en-US" dirty="0"/>
+          </a:p>
+        </p:txBody>
+      </p:sp>
+      <p:sp>
+        <p:nvSpPr>
+          <p:cNvPr id="3" name="Content Placeholder 2">
+            <a:extLst>
+              <a:ext uri="{FF2B5EF4-FFF2-40B4-BE49-F238E27FC236}">
+                <a16:creationId xmlns:a16="http://schemas.microsoft.com/office/drawing/2014/main" id="{FA4172E8-783E-0743-AC27-709520FBBD00}"/>
+              </a:ext>
+            </a:extLst>
+          </p:cNvPr>
+          <p:cNvSpPr>
+            <a:spLocks noGrp="1"/>
+          </p:cNvSpPr>
+          <p:nvPr>
+            <p:ph idx="1"/>
+          </p:nvPr>
+        </p:nvSpPr>
+        <p:spPr>
+          <a:xfrm>
+            <a:off x="838200" y="1021277"/>
+            <a:ext cx="10515600" cy="5155685"/>
+          </a:xfrm>
+        </p:spPr>
+        <p:txBody>
           <a:bodyPr/>
           <a:lstStyle/>
           <a:p>
             <a:r>
-              <a:rPr lang="en-US" b="1" dirty="0"/>
-              <a:t>Spring Security</a:t>
-            </a:r>
-            <a:endParaRPr lang="en-US" dirty="0"/>
-          </a:p>
-        </p:txBody>
-      </p:sp>
-      <p:sp>
-        <p:nvSpPr>
-          <p:cNvPr id="3" name="Content Placeholder 2">
-            <a:extLst>
-              <a:ext uri="{FF2B5EF4-FFF2-40B4-BE49-F238E27FC236}">
-                <a16:creationId xmlns:a16="http://schemas.microsoft.com/office/drawing/2014/main" id="{61E34FF4-144D-9941-B177-E71C8386E833}"/>
-              </a:ext>
-            </a:extLst>
-          </p:cNvPr>
-          <p:cNvSpPr>
-            <a:spLocks noGrp="1"/>
-          </p:cNvSpPr>
-          <p:nvPr>
-            <p:ph idx="1"/>
-          </p:nvPr>
-        </p:nvSpPr>
-        <p:spPr>
-          <a:xfrm>
-            <a:off x="838200" y="1246909"/>
-            <a:ext cx="10515600" cy="4930054"/>
-          </a:xfrm>
-        </p:spPr>
-        <p:txBody>
-          <a:bodyPr>
-            <a:normAutofit/>
-          </a:bodyPr>
-          <a:lstStyle/>
-          <a:p>
-            <a:pPr marL="0" indent="0">
-              <a:buNone/>
-            </a:pPr>
-            <a:r>
-              <a:rPr lang="en-US" sz="1400" b="1" dirty="0"/>
-              <a:t>HTTP Basic Authentication</a:t>
-            </a:r>
-          </a:p>
-          <a:p>
-            <a:r>
-              <a:rPr lang="en-US" sz="1400" b="1" dirty="0"/>
-              <a:t>HTTP Basic</a:t>
-            </a:r>
-            <a:endParaRPr lang="en-US" sz="1400" dirty="0"/>
-          </a:p>
-          <a:p>
-            <a:pPr marL="0" indent="0">
-              <a:buNone/>
-            </a:pPr>
-            <a:r>
-              <a:rPr lang="en-US" sz="1400" dirty="0"/>
-              <a:t>The client uses username and password as the authentication mechanism.</a:t>
-            </a:r>
-          </a:p>
-          <a:p>
-            <a:pPr marL="0" indent="0">
-              <a:buNone/>
-            </a:pPr>
-            <a:r>
-              <a:rPr lang="en-US" sz="1400" dirty="0"/>
-              <a:t>User ID and password are sent to the service for authentication using base64 encoded format.</a:t>
-            </a:r>
-          </a:p>
-          <a:p>
-            <a:pPr marL="0" indent="0">
-              <a:buNone/>
-            </a:pPr>
-            <a:r>
-              <a:rPr lang="en-US" sz="1400" dirty="0"/>
-              <a:t>This is a sample template for authorization.</a:t>
-            </a:r>
-          </a:p>
-          <a:p>
-            <a:pPr marL="0" indent="0">
-              <a:buNone/>
-            </a:pPr>
-            <a:r>
-              <a:rPr lang="en-US" sz="1400" b="1" dirty="0"/>
-              <a:t>Authorization</a:t>
-            </a:r>
-            <a:r>
-              <a:rPr lang="en-US" sz="1400" dirty="0"/>
-              <a:t>: Basic QWxhZGRghsgdhsVuIHNlc2FtZQ==</a:t>
-            </a:r>
-          </a:p>
-          <a:p>
-            <a:pPr marL="0" indent="0">
-              <a:buNone/>
-            </a:pPr>
-            <a:endParaRPr lang="en-US" sz="1400" dirty="0"/>
-          </a:p>
-          <a:p>
-            <a:pPr marL="0" indent="0">
-              <a:buNone/>
-            </a:pPr>
-            <a:r>
               <a:rPr lang="en-US" sz="1600" b="1" dirty="0"/>
-              <a:t>Basic Authentication</a:t>
-            </a:r>
-          </a:p>
-          <a:p>
-            <a:pPr marL="0" indent="0">
-              <a:buNone/>
-            </a:pPr>
+              <a:t>What is JPA?</a:t>
+            </a:r>
+            <a:endParaRPr lang="en-US" sz="1600" dirty="0"/>
+          </a:p>
+          <a:p>
+            <a:pPr marL="0" indent="0">
+              <a:buNone/>
+            </a:pPr>
+            <a:r>
+              <a:rPr lang="en-US" sz="1600" dirty="0"/>
+              <a:t>     Java Persistence API is a specification that lets you do Object-Relational Mapping (ORM) over a relational database.</a:t>
+            </a:r>
+          </a:p>
+          <a:p>
             <a:r>
               <a:rPr lang="en-US" sz="1600" b="1" dirty="0"/>
-              <a:t>HTTP Digest technique</a:t>
-            </a:r>
+              <a:t>What is ORM?</a:t>
+            </a:r>
+            <a:endParaRPr lang="en-US" sz="1600" dirty="0"/>
+          </a:p>
+          <a:p>
+            <a:pPr marL="0" indent="0">
+              <a:buNone/>
+            </a:pPr>
             <a:r>
               <a:rPr lang="en-US" sz="1600" dirty="0"/>
-              <a:t> is also similar to </a:t>
-            </a:r>
+              <a:t>     ORM allows you to map the entity classes to your relational SQL database.</a:t>
+            </a:r>
+          </a:p>
+          <a:p>
             <a:r>
               <a:rPr lang="en-US" sz="1600" b="1" dirty="0"/>
-              <a:t>Basic Authentication</a:t>
-            </a:r>
+              <a:t>What is Spring Data JPA?</a:t>
+            </a:r>
+            <a:endParaRPr lang="en-US" sz="1600" dirty="0"/>
+          </a:p>
+          <a:p>
+            <a:pPr marL="0" indent="0">
+              <a:buNone/>
+            </a:pPr>
             <a:r>
               <a:rPr lang="en-US" sz="1600" dirty="0"/>
-              <a:t>.</a:t>
-            </a:r>
-          </a:p>
-          <a:p>
-            <a:pPr marL="0" indent="0">
-              <a:buNone/>
-            </a:pPr>
-            <a:r>
-              <a:rPr lang="en-US" sz="1600" dirty="0"/>
-              <a:t>User ID and password are sent as a checksum of username and password.</a:t>
-            </a:r>
-          </a:p>
-          <a:p>
-            <a:pPr marL="0" indent="0">
-              <a:buNone/>
-            </a:pPr>
-            <a:r>
-              <a:rPr lang="en-US" sz="1600" dirty="0"/>
-              <a:t>Both HTTP Basic and Digest technique are weak in terms of providing a secured one.</a:t>
-            </a:r>
-          </a:p>
-          <a:p>
-            <a:pPr marL="0" indent="0">
-              <a:buNone/>
-            </a:pPr>
-            <a:r>
-              <a:rPr lang="en-US" sz="1600" dirty="0"/>
-              <a:t>You need to use SSL/TLS encryption techniques to overcome the security challenge.</a:t>
-            </a:r>
-          </a:p>
-          <a:p>
-            <a:pPr marL="0" indent="0">
-              <a:buNone/>
-            </a:pPr>
-            <a:r>
-              <a:rPr lang="en-US" sz="1600" dirty="0"/>
-              <a:t>SSL/TLS encryption prevents man in the middle attacks.</a:t>
-            </a:r>
-          </a:p>
-          <a:p>
-            <a:pPr marL="0" indent="0">
-              <a:buNone/>
-            </a:pPr>
-            <a:endParaRPr lang="en-US" sz="1400" dirty="0"/>
-          </a:p>
-          <a:p>
-            <a:pPr marL="0" indent="0">
-              <a:buNone/>
-            </a:pPr>
+              <a:t>     Spring Framework handles ORM in an easy and quick fashion using JPA.</a:t>
+            </a:r>
+          </a:p>
+          <a:p>
             <a:endParaRPr lang="en-US" dirty="0"/>
           </a:p>
         </p:txBody>
@@ -7937,7 +8359,7 @@
     </p:spTree>
     <p:extLst>
       <p:ext uri="{BB962C8B-B14F-4D97-AF65-F5344CB8AC3E}">
-        <p14:creationId xmlns:p14="http://schemas.microsoft.com/office/powerpoint/2010/main" val="3106116843"/>
+        <p14:creationId xmlns:p14="http://schemas.microsoft.com/office/powerpoint/2010/main" val="1419985892"/>
       </p:ext>
     </p:extLst>
   </p:cSld>
@@ -7969,7 +8391,7 @@
           <p:cNvPr id="2" name="Title 1">
             <a:extLst>
               <a:ext uri="{FF2B5EF4-FFF2-40B4-BE49-F238E27FC236}">
-                <a16:creationId xmlns:a16="http://schemas.microsoft.com/office/drawing/2014/main" id="{6BC88AE9-A64A-7D4E-AC50-311543B85F1B}"/>
+                <a16:creationId xmlns:a16="http://schemas.microsoft.com/office/drawing/2014/main" id="{37682E37-4C5A-C54E-8B14-D3B57A75B8A2}"/>
               </a:ext>
             </a:extLst>
           </p:cNvPr>
@@ -7983,18 +8405,19 @@
         <p:spPr>
           <a:xfrm>
             <a:off x="838200" y="365125"/>
-            <a:ext cx="10515600" cy="798657"/>
+            <a:ext cx="10515600" cy="632401"/>
           </a:xfrm>
         </p:spPr>
         <p:txBody>
-          <a:bodyPr/>
+          <a:bodyPr>
+            <a:noAutofit/>
+          </a:bodyPr>
           <a:lstStyle/>
           <a:p>
             <a:r>
-              <a:rPr lang="en-US" b="1" dirty="0"/>
+              <a:rPr lang="en-US" sz="2800" b="1" dirty="0"/>
               <a:t>Spring Security</a:t>
             </a:r>
-            <a:endParaRPr lang="en-US" dirty="0"/>
           </a:p>
         </p:txBody>
       </p:sp>
@@ -8003,7 +8426,7 @@
           <p:cNvPr id="3" name="Content Placeholder 2">
             <a:extLst>
               <a:ext uri="{FF2B5EF4-FFF2-40B4-BE49-F238E27FC236}">
-                <a16:creationId xmlns:a16="http://schemas.microsoft.com/office/drawing/2014/main" id="{D5FAB446-6455-9B4D-8EAD-7AB36DA8CB11}"/>
+                <a16:creationId xmlns:a16="http://schemas.microsoft.com/office/drawing/2014/main" id="{BCDC8004-E0EB-8844-B511-C55B2FFC1AA9}"/>
               </a:ext>
             </a:extLst>
           </p:cNvPr>
@@ -8016,62 +8439,124 @@
         </p:nvSpPr>
         <p:spPr>
           <a:xfrm>
-            <a:off x="838200" y="1341912"/>
-            <a:ext cx="10515600" cy="5130140"/>
+            <a:off x="838200" y="1246909"/>
+            <a:ext cx="10515600" cy="4930054"/>
           </a:xfrm>
         </p:spPr>
         <p:txBody>
-          <a:bodyPr/>
+          <a:bodyPr>
+            <a:normAutofit/>
+          </a:bodyPr>
           <a:lstStyle/>
           <a:p>
             <a:pPr marL="0" indent="0">
               <a:buNone/>
             </a:pPr>
             <a:r>
+              <a:rPr lang="en-US" sz="1600" b="1" dirty="0"/>
+              <a:t>Spring Security</a:t>
+            </a:r>
+            <a:r>
+              <a:rPr lang="en-US" sz="1600" dirty="0"/>
+              <a:t> can be broadly classified as</a:t>
+            </a:r>
+          </a:p>
+          <a:p>
+            <a:pPr marL="0" indent="0">
+              <a:buNone/>
+            </a:pPr>
+            <a:r>
+              <a:rPr lang="en-US" sz="1600" b="1" dirty="0"/>
+              <a:t>Authentication</a:t>
+            </a:r>
+            <a:endParaRPr lang="en-US" sz="1600" dirty="0"/>
+          </a:p>
+          <a:p>
+            <a:pPr marL="0" indent="0">
+              <a:buNone/>
+            </a:pPr>
+            <a:r>
+              <a:rPr lang="en-US" sz="1600" b="1" dirty="0"/>
+              <a:t>Authorization</a:t>
+            </a:r>
+            <a:endParaRPr lang="en-US" sz="1600" dirty="0"/>
+          </a:p>
+          <a:p>
+            <a:pPr marL="0" indent="0">
+              <a:buNone/>
+            </a:pPr>
+            <a:r>
+              <a:rPr lang="en-US" sz="1600" dirty="0"/>
+              <a:t>Spring Security architecture distinguishes both authentication and authorization.</a:t>
+            </a:r>
+          </a:p>
+          <a:p>
+            <a:r>
+              <a:rPr lang="en-US" sz="1600" b="1" dirty="0"/>
+              <a:t>Authentication</a:t>
+            </a:r>
+            <a:endParaRPr lang="en-US" sz="1600" dirty="0"/>
+          </a:p>
+          <a:p>
+            <a:pPr marL="0" indent="0">
+              <a:buNone/>
+            </a:pPr>
+            <a:r>
+              <a:rPr lang="en-US" sz="1600" dirty="0"/>
+              <a:t>    The interface defined for Authentication is Authentication Manager. This is a single method Interface.</a:t>
+            </a:r>
+          </a:p>
+          <a:p>
+            <a:pPr marL="0" indent="0">
+              <a:buNone/>
+            </a:pPr>
+            <a:r>
+              <a:rPr lang="en-US" sz="1100" dirty="0"/>
+              <a:t>public interface </a:t>
+            </a:r>
+            <a:r>
+              <a:rPr lang="en-US" sz="1100" dirty="0" err="1"/>
+              <a:t>AuthenticationManager</a:t>
+            </a:r>
+            <a:r>
+              <a:rPr lang="en-US" sz="1100" dirty="0"/>
+              <a:t> { Authentication authenticate(Authentication authentication) throws </a:t>
+            </a:r>
+            <a:r>
+              <a:rPr lang="en-US" sz="1100" dirty="0" err="1"/>
+              <a:t>AuthenticationException</a:t>
+            </a:r>
+            <a:r>
+              <a:rPr lang="en-US" sz="1100" dirty="0"/>
+              <a:t>; }</a:t>
+            </a:r>
+          </a:p>
+          <a:p>
+            <a:pPr marL="0" indent="0">
+              <a:buNone/>
+            </a:pPr>
+            <a:endParaRPr lang="en-US" sz="1100" dirty="0"/>
+          </a:p>
+          <a:p>
+            <a:pPr marL="0" indent="0">
+              <a:buNone/>
+            </a:pPr>
+            <a:r>
+              <a:rPr lang="en-US" sz="1700" b="1" dirty="0"/>
+              <a:t>Securing Microservices</a:t>
+            </a:r>
+          </a:p>
+          <a:p>
+            <a:pPr marL="0" indent="0">
+              <a:buNone/>
+            </a:pPr>
+            <a:r>
+              <a:rPr lang="en-US" sz="1400" dirty="0"/>
+              <a:t>Below are the </a:t>
+            </a:r>
+            <a:r>
               <a:rPr lang="en-US" sz="1400" b="1" dirty="0"/>
-              <a:t>OAuth 2.0</a:t>
-            </a:r>
-          </a:p>
-          <a:p>
-            <a:r>
-              <a:rPr lang="en-US" sz="1400" b="1" dirty="0"/>
-              <a:t>OAuth 2.0</a:t>
-            </a:r>
-            <a:r>
-              <a:rPr lang="en-US" sz="1400" dirty="0"/>
-              <a:t> is a protocol by which users will be allowed to access the resources through third-party services exposed by </a:t>
-            </a:r>
-            <a:r>
-              <a:rPr lang="en-US" sz="1400" b="1" dirty="0"/>
-              <a:t>Facebook, Google, Microsoft</a:t>
-            </a:r>
-            <a:r>
-              <a:rPr lang="en-US" sz="1400" dirty="0"/>
-              <a:t>, etc.</a:t>
-            </a:r>
-          </a:p>
-          <a:p>
-            <a:r>
-              <a:rPr lang="en-US" sz="1400" dirty="0"/>
-              <a:t>OAuth 2.0 uses </a:t>
-            </a:r>
-            <a:r>
-              <a:rPr lang="en-US" sz="1400" b="1" dirty="0"/>
-              <a:t>SSL</a:t>
-            </a:r>
-            <a:r>
-              <a:rPr lang="en-US" sz="1400" dirty="0"/>
-              <a:t> to ensure that the data is highly secured.</a:t>
-            </a:r>
-          </a:p>
-          <a:p>
-            <a:r>
-              <a:rPr lang="en-US" sz="1400" dirty="0"/>
-              <a:t>These services expose partial data and keep the </a:t>
-            </a:r>
-            <a:r>
-              <a:rPr lang="en-US" sz="1400" b="1" dirty="0"/>
-              <a:t>users' details protected</a:t>
+              <a:t>few techniques for securing Microservices</a:t>
             </a:r>
             <a:r>
               <a:rPr lang="en-US" sz="1400" dirty="0"/>
@@ -8079,205 +8564,47 @@
             </a:r>
           </a:p>
           <a:p>
-            <a:pPr marL="0" indent="0">
-              <a:buNone/>
-            </a:pPr>
             <a:r>
               <a:rPr lang="en-US" sz="1400" b="1" dirty="0"/>
-              <a:t>Building a Basic Authentication</a:t>
-            </a:r>
-          </a:p>
-          <a:p>
+              <a:t>HTTP Basic</a:t>
+            </a:r>
             <a:r>
               <a:rPr lang="en-US" sz="1400" dirty="0"/>
-              <a:t>Let's add Basic Authentication to the Hospital List REST API.</a:t>
+              <a:t> - Client is authenticated with User Names and Password.</a:t>
             </a:r>
           </a:p>
           <a:p>
             <a:r>
               <a:rPr lang="en-US" sz="1400" b="1" dirty="0"/>
-              <a:t>Step: 1</a:t>
-            </a:r>
-            <a:endParaRPr lang="en-US" sz="1400" dirty="0"/>
-          </a:p>
-          <a:p>
+              <a:t>X509 SSL Certificates</a:t>
+            </a:r>
             <a:r>
               <a:rPr lang="en-US" sz="1400" dirty="0"/>
-              <a:t>You need to configure Security dependency in your </a:t>
-            </a:r>
-            <a:r>
-              <a:rPr lang="en-US" sz="1400" dirty="0" err="1"/>
-              <a:t>pom.xml</a:t>
+              <a:t> - Authentication with a certificate for a secured protocol.</a:t>
+            </a:r>
+          </a:p>
+          <a:p>
+            <a:r>
+              <a:rPr lang="en-US" sz="1400" b="1" dirty="0"/>
+              <a:t>OAuth</a:t>
             </a:r>
             <a:r>
               <a:rPr lang="en-US" sz="1400" dirty="0"/>
-              <a:t>.</a:t>
-            </a:r>
-          </a:p>
-          <a:p>
-            <a:pPr marL="0" indent="0">
-              <a:buNone/>
-            </a:pPr>
-            <a:r>
-              <a:rPr lang="en-US" sz="1000" dirty="0"/>
-              <a:t>&lt;dependency&gt; </a:t>
-            </a:r>
-          </a:p>
-          <a:p>
-            <a:pPr marL="0" indent="0">
-              <a:buNone/>
-            </a:pPr>
-            <a:r>
-              <a:rPr lang="en-US" sz="1000" dirty="0"/>
-              <a:t>    &lt;</a:t>
-            </a:r>
-            <a:r>
-              <a:rPr lang="en-US" sz="1000" dirty="0" err="1"/>
-              <a:t>groupId</a:t>
-            </a:r>
-            <a:r>
-              <a:rPr lang="en-US" sz="1000" dirty="0"/>
-              <a:t>&gt;</a:t>
-            </a:r>
-            <a:r>
-              <a:rPr lang="en-US" sz="1000" dirty="0" err="1"/>
-              <a:t>org.springframework.boot</a:t>
-            </a:r>
-            <a:r>
-              <a:rPr lang="en-US" sz="1000" dirty="0"/>
-              <a:t>&lt;/</a:t>
-            </a:r>
-            <a:r>
-              <a:rPr lang="en-US" sz="1000" dirty="0" err="1"/>
-              <a:t>groupId</a:t>
-            </a:r>
-            <a:r>
-              <a:rPr lang="en-US" sz="1000" dirty="0"/>
-              <a:t>&gt;</a:t>
-            </a:r>
-          </a:p>
-          <a:p>
-            <a:pPr marL="0" indent="0">
-              <a:buNone/>
-            </a:pPr>
-            <a:r>
-              <a:rPr lang="en-US" sz="1000" dirty="0"/>
-              <a:t>    &lt;</a:t>
-            </a:r>
-            <a:r>
-              <a:rPr lang="en-US" sz="1000" dirty="0" err="1"/>
-              <a:t>artifactId</a:t>
-            </a:r>
-            <a:r>
-              <a:rPr lang="en-US" sz="1000" dirty="0"/>
-              <a:t>&gt;spring-boot-starter-security&lt;/</a:t>
-            </a:r>
-            <a:r>
-              <a:rPr lang="en-US" sz="1000" dirty="0" err="1"/>
-              <a:t>artifactId</a:t>
-            </a:r>
-            <a:r>
-              <a:rPr lang="en-US" sz="1000" dirty="0"/>
-              <a:t>&gt;</a:t>
-            </a:r>
-          </a:p>
-          <a:p>
-            <a:pPr marL="0" indent="0">
-              <a:buNone/>
-            </a:pPr>
-            <a:r>
-              <a:rPr lang="en-US" sz="1000" dirty="0"/>
-              <a:t> &lt;/dependency&gt;</a:t>
-            </a:r>
-          </a:p>
-          <a:p>
-            <a:pPr marL="0" indent="0">
-              <a:buNone/>
-            </a:pPr>
-            <a:r>
-              <a:rPr lang="en-US" sz="1000" dirty="0"/>
-              <a:t>     &lt;dependency&gt; &lt;</a:t>
-            </a:r>
-            <a:r>
-              <a:rPr lang="en-US" sz="1000" dirty="0" err="1"/>
-              <a:t>groupId</a:t>
-            </a:r>
-            <a:r>
-              <a:rPr lang="en-US" sz="1000" dirty="0"/>
-              <a:t>&gt;</a:t>
-            </a:r>
-            <a:r>
-              <a:rPr lang="en-US" sz="1000" dirty="0" err="1"/>
-              <a:t>org.springframework.security</a:t>
-            </a:r>
-            <a:r>
-              <a:rPr lang="en-US" sz="1000" dirty="0"/>
-              <a:t>&lt;/</a:t>
-            </a:r>
-            <a:r>
-              <a:rPr lang="en-US" sz="1000" dirty="0" err="1"/>
-              <a:t>groupId</a:t>
-            </a:r>
-            <a:r>
-              <a:rPr lang="en-US" sz="1000" dirty="0"/>
-              <a:t>&gt; </a:t>
-            </a:r>
-          </a:p>
-          <a:p>
-            <a:pPr marL="0" indent="0">
-              <a:buNone/>
-            </a:pPr>
-            <a:r>
-              <a:rPr lang="en-US" sz="1000" dirty="0"/>
-              <a:t>     &lt;</a:t>
-            </a:r>
-            <a:r>
-              <a:rPr lang="en-US" sz="1000" dirty="0" err="1"/>
-              <a:t>artifactId</a:t>
-            </a:r>
-            <a:r>
-              <a:rPr lang="en-US" sz="1000" dirty="0"/>
-              <a:t>&gt;spring-security-test&lt;/</a:t>
-            </a:r>
-            <a:r>
-              <a:rPr lang="en-US" sz="1000" dirty="0" err="1"/>
-              <a:t>artifactId</a:t>
-            </a:r>
-            <a:r>
-              <a:rPr lang="en-US" sz="1000" dirty="0"/>
-              <a:t>&gt; </a:t>
-            </a:r>
-          </a:p>
-          <a:p>
-            <a:pPr marL="0" indent="0">
-              <a:buNone/>
-            </a:pPr>
-            <a:r>
-              <a:rPr lang="en-US" sz="1000" dirty="0"/>
-              <a:t>  &lt;scope&gt;test&lt;/scope&gt; </a:t>
-            </a:r>
-          </a:p>
-          <a:p>
-            <a:pPr marL="0" indent="0">
-              <a:buNone/>
-            </a:pPr>
-            <a:r>
-              <a:rPr lang="en-US" sz="1000" dirty="0"/>
-              <a:t>&lt;/dependency&gt;</a:t>
-            </a:r>
-          </a:p>
-          <a:p>
-            <a:pPr marL="0" indent="0">
-              <a:buNone/>
-            </a:pPr>
-            <a:endParaRPr lang="en-US" dirty="0"/>
+              <a:t> - This technique is used to authorize applications to access information without giving them passwords.</a:t>
+            </a:r>
+          </a:p>
+          <a:p>
+            <a:pPr marL="0" indent="0">
+              <a:buNone/>
+            </a:pPr>
+            <a:endParaRPr lang="en-US" sz="1100" dirty="0"/>
           </a:p>
         </p:txBody>
       </p:sp>
     </p:spTree>
     <p:extLst>
       <p:ext uri="{BB962C8B-B14F-4D97-AF65-F5344CB8AC3E}">
-        <p14:creationId xmlns:p14="http://schemas.microsoft.com/office/powerpoint/2010/main" val="2793106394"/>
+        <p14:creationId xmlns:p14="http://schemas.microsoft.com/office/powerpoint/2010/main" val="2297863376"/>
       </p:ext>
     </p:extLst>
   </p:cSld>
